--- a/중간발표/중간발표(초안계획).pptx
+++ b/중간발표/중간발표(초안계획).pptx
@@ -6,6 +6,10 @@
   </p:sldMasterIdLst>
   <p:sldIdLst>
     <p:sldId id="256" r:id="rId2"/>
+    <p:sldId id="257" r:id="rId3"/>
+    <p:sldId id="258" r:id="rId4"/>
+    <p:sldId id="260" r:id="rId5"/>
+    <p:sldId id="259" r:id="rId6"/>
   </p:sldIdLst>
   <p:sldSz cx="12192000" cy="6858000"/>
   <p:notesSz cx="6858000" cy="9144000"/>
@@ -104,6 +108,11 @@
       </a:defRPr>
     </a:lvl9pPr>
   </p:defaultTextStyle>
+  <p:extLst>
+    <p:ext uri="{EFAFB233-063F-42B5-8137-9DF3F51BA10A}">
+      <p15:sldGuideLst xmlns:p15="http://schemas.microsoft.com/office/powerpoint/2012/main"/>
+    </p:ext>
+  </p:extLst>
 </p:presentation>
 </file>
 
@@ -254,7 +263,7 @@
           <a:p>
             <a:fld id="{0755C73D-4A71-4BEC-AB04-2F24D59A6AA3}" type="datetimeFigureOut">
               <a:rPr lang="ko-KR" altLang="en-US" smtClean="0"/>
-              <a:t>2022-04-11</a:t>
+              <a:t>2022-04-13</a:t>
             </a:fld>
             <a:endParaRPr lang="ko-KR" altLang="en-US"/>
           </a:p>
@@ -452,7 +461,7 @@
           <a:p>
             <a:fld id="{0755C73D-4A71-4BEC-AB04-2F24D59A6AA3}" type="datetimeFigureOut">
               <a:rPr lang="ko-KR" altLang="en-US" smtClean="0"/>
-              <a:t>2022-04-11</a:t>
+              <a:t>2022-04-13</a:t>
             </a:fld>
             <a:endParaRPr lang="ko-KR" altLang="en-US"/>
           </a:p>
@@ -660,7 +669,7 @@
           <a:p>
             <a:fld id="{0755C73D-4A71-4BEC-AB04-2F24D59A6AA3}" type="datetimeFigureOut">
               <a:rPr lang="ko-KR" altLang="en-US" smtClean="0"/>
-              <a:t>2022-04-11</a:t>
+              <a:t>2022-04-13</a:t>
             </a:fld>
             <a:endParaRPr lang="ko-KR" altLang="en-US"/>
           </a:p>
@@ -858,7 +867,7 @@
           <a:p>
             <a:fld id="{0755C73D-4A71-4BEC-AB04-2F24D59A6AA3}" type="datetimeFigureOut">
               <a:rPr lang="ko-KR" altLang="en-US" smtClean="0"/>
-              <a:t>2022-04-11</a:t>
+              <a:t>2022-04-13</a:t>
             </a:fld>
             <a:endParaRPr lang="ko-KR" altLang="en-US"/>
           </a:p>
@@ -1133,7 +1142,7 @@
           <a:p>
             <a:fld id="{0755C73D-4A71-4BEC-AB04-2F24D59A6AA3}" type="datetimeFigureOut">
               <a:rPr lang="ko-KR" altLang="en-US" smtClean="0"/>
-              <a:t>2022-04-11</a:t>
+              <a:t>2022-04-13</a:t>
             </a:fld>
             <a:endParaRPr lang="ko-KR" altLang="en-US"/>
           </a:p>
@@ -1398,7 +1407,7 @@
           <a:p>
             <a:fld id="{0755C73D-4A71-4BEC-AB04-2F24D59A6AA3}" type="datetimeFigureOut">
               <a:rPr lang="ko-KR" altLang="en-US" smtClean="0"/>
-              <a:t>2022-04-11</a:t>
+              <a:t>2022-04-13</a:t>
             </a:fld>
             <a:endParaRPr lang="ko-KR" altLang="en-US"/>
           </a:p>
@@ -1810,7 +1819,7 @@
           <a:p>
             <a:fld id="{0755C73D-4A71-4BEC-AB04-2F24D59A6AA3}" type="datetimeFigureOut">
               <a:rPr lang="ko-KR" altLang="en-US" smtClean="0"/>
-              <a:t>2022-04-11</a:t>
+              <a:t>2022-04-13</a:t>
             </a:fld>
             <a:endParaRPr lang="ko-KR" altLang="en-US"/>
           </a:p>
@@ -1951,7 +1960,7 @@
           <a:p>
             <a:fld id="{0755C73D-4A71-4BEC-AB04-2F24D59A6AA3}" type="datetimeFigureOut">
               <a:rPr lang="ko-KR" altLang="en-US" smtClean="0"/>
-              <a:t>2022-04-11</a:t>
+              <a:t>2022-04-13</a:t>
             </a:fld>
             <a:endParaRPr lang="ko-KR" altLang="en-US"/>
           </a:p>
@@ -2064,7 +2073,7 @@
           <a:p>
             <a:fld id="{0755C73D-4A71-4BEC-AB04-2F24D59A6AA3}" type="datetimeFigureOut">
               <a:rPr lang="ko-KR" altLang="en-US" smtClean="0"/>
-              <a:t>2022-04-11</a:t>
+              <a:t>2022-04-13</a:t>
             </a:fld>
             <a:endParaRPr lang="ko-KR" altLang="en-US"/>
           </a:p>
@@ -2375,7 +2384,7 @@
           <a:p>
             <a:fld id="{0755C73D-4A71-4BEC-AB04-2F24D59A6AA3}" type="datetimeFigureOut">
               <a:rPr lang="ko-KR" altLang="en-US" smtClean="0"/>
-              <a:t>2022-04-11</a:t>
+              <a:t>2022-04-13</a:t>
             </a:fld>
             <a:endParaRPr lang="ko-KR" altLang="en-US"/>
           </a:p>
@@ -2663,7 +2672,7 @@
           <a:p>
             <a:fld id="{0755C73D-4A71-4BEC-AB04-2F24D59A6AA3}" type="datetimeFigureOut">
               <a:rPr lang="ko-KR" altLang="en-US" smtClean="0"/>
-              <a:t>2022-04-11</a:t>
+              <a:t>2022-04-13</a:t>
             </a:fld>
             <a:endParaRPr lang="ko-KR" altLang="en-US"/>
           </a:p>
@@ -2904,7 +2913,7 @@
           <a:p>
             <a:fld id="{0755C73D-4A71-4BEC-AB04-2F24D59A6AA3}" type="datetimeFigureOut">
               <a:rPr lang="ko-KR" altLang="en-US" smtClean="0"/>
-              <a:t>2022-04-11</a:t>
+              <a:t>2022-04-13</a:t>
             </a:fld>
             <a:endParaRPr lang="ko-KR" altLang="en-US"/>
           </a:p>
@@ -3648,6 +3657,1132 @@
 </p:sld>
 </file>
 
+<file path=ppt/slides/slide2.xml><?xml version="1.0" encoding="utf-8"?>
+<p:sld xmlns:a="http://schemas.openxmlformats.org/drawingml/2006/main" xmlns:r="http://schemas.openxmlformats.org/officeDocument/2006/relationships" xmlns:p="http://schemas.openxmlformats.org/presentationml/2006/main">
+  <p:cSld>
+    <p:spTree>
+      <p:nvGrpSpPr>
+        <p:cNvPr id="1" name=""/>
+        <p:cNvGrpSpPr/>
+        <p:nvPr/>
+      </p:nvGrpSpPr>
+      <p:grpSpPr>
+        <a:xfrm>
+          <a:off x="0" y="0"/>
+          <a:ext cx="0" cy="0"/>
+          <a:chOff x="0" y="0"/>
+          <a:chExt cx="0" cy="0"/>
+        </a:xfrm>
+      </p:grpSpPr>
+      <p:sp>
+        <p:nvSpPr>
+          <p:cNvPr id="4" name="TextBox 3">
+            <a:extLst>
+              <a:ext uri="{FF2B5EF4-FFF2-40B4-BE49-F238E27FC236}">
+                <a16:creationId xmlns:a16="http://schemas.microsoft.com/office/drawing/2014/main" id="{0114C94C-9F28-4500-AA49-8917AA32256C}"/>
+              </a:ext>
+            </a:extLst>
+          </p:cNvPr>
+          <p:cNvSpPr txBox="1"/>
+          <p:nvPr/>
+        </p:nvSpPr>
+        <p:spPr>
+          <a:xfrm>
+            <a:off x="467264" y="818448"/>
+            <a:ext cx="11257472" cy="5078313"/>
+          </a:xfrm>
+          <a:prstGeom prst="rect">
+            <a:avLst/>
+          </a:prstGeom>
+          <a:noFill/>
+        </p:spPr>
+        <p:txBody>
+          <a:bodyPr wrap="square" rtlCol="0">
+            <a:spAutoFit/>
+          </a:bodyPr>
+          <a:lstStyle/>
+          <a:p>
+            <a:r>
+              <a:rPr lang="en-US" altLang="ko-KR" b="1" dirty="0"/>
+              <a:t>1. </a:t>
+            </a:r>
+            <a:r>
+              <a:rPr lang="ko-KR" altLang="en-US" b="1" dirty="0"/>
+              <a:t>문제상황 및 동기 제시</a:t>
+            </a:r>
+            <a:br>
+              <a:rPr lang="en-US" altLang="ko-KR" dirty="0"/>
+            </a:br>
+            <a:r>
+              <a:rPr lang="en-US" altLang="ko-KR" dirty="0"/>
+              <a:t> - </a:t>
+            </a:r>
+            <a:r>
+              <a:rPr lang="ko-KR" altLang="en-US" dirty="0"/>
+              <a:t>수불대장이 수기로 작성되어</a:t>
+            </a:r>
+            <a:r>
+              <a:rPr lang="en-US" altLang="ko-KR" dirty="0"/>
+              <a:t>, </a:t>
+            </a:r>
+            <a:r>
+              <a:rPr lang="ko-KR" altLang="en-US" dirty="0"/>
+              <a:t>관리</a:t>
+            </a:r>
+            <a:r>
+              <a:rPr lang="en-US" altLang="ko-KR" dirty="0"/>
+              <a:t>/</a:t>
+            </a:r>
+            <a:r>
+              <a:rPr lang="ko-KR" altLang="en-US" dirty="0"/>
+              <a:t>보관이 불편함</a:t>
+            </a:r>
+            <a:br>
+              <a:rPr lang="en-US" altLang="ko-KR" dirty="0"/>
+            </a:br>
+            <a:r>
+              <a:rPr lang="en-US" altLang="ko-KR" dirty="0"/>
+              <a:t> - </a:t>
+            </a:r>
+            <a:r>
+              <a:rPr lang="ko-KR" altLang="en-US" dirty="0"/>
+              <a:t>재고 관리를 위해 관리자가 직접 물품 점검</a:t>
+            </a:r>
+            <a:br>
+              <a:rPr lang="en-US" altLang="ko-KR" dirty="0"/>
+            </a:br>
+            <a:r>
+              <a:rPr lang="en-US" altLang="ko-KR" dirty="0"/>
+              <a:t> - </a:t>
+            </a:r>
+            <a:r>
+              <a:rPr lang="ko-KR" altLang="en-US" dirty="0"/>
+              <a:t>관리자의 역량만으로 추가 물품 선정</a:t>
+            </a:r>
+            <a:br>
+              <a:rPr lang="en-US" altLang="ko-KR" dirty="0"/>
+            </a:br>
+            <a:r>
+              <a:rPr lang="en-US" altLang="ko-KR" dirty="0"/>
+              <a:t> - </a:t>
+            </a:r>
+            <a:r>
+              <a:rPr lang="ko-KR" altLang="en-US" dirty="0"/>
+              <a:t>사용자의 필체가 불량할 시 정보 식별이 어려움</a:t>
+            </a:r>
+            <a:br>
+              <a:rPr lang="en-US" altLang="ko-KR" dirty="0"/>
+            </a:br>
+            <a:r>
+              <a:rPr lang="en-US" altLang="ko-KR" dirty="0"/>
+              <a:t> - </a:t>
+            </a:r>
+            <a:r>
+              <a:rPr lang="ko-KR" altLang="en-US" dirty="0"/>
+              <a:t>자주 사용되는 물건에 대한 관리를 관리자가 모든 물건을 확인하며 해야함</a:t>
+            </a:r>
+            <a:br>
+              <a:rPr lang="en-US" altLang="ko-KR" dirty="0"/>
+            </a:br>
+            <a:br>
+              <a:rPr lang="en-US" altLang="ko-KR" dirty="0"/>
+            </a:br>
+            <a:endParaRPr lang="en-US" altLang="ko-KR" dirty="0"/>
+          </a:p>
+          <a:p>
+            <a:br>
+              <a:rPr lang="en-US" altLang="ko-KR" dirty="0"/>
+            </a:br>
+            <a:endParaRPr lang="en-US" altLang="ko-KR" dirty="0"/>
+          </a:p>
+          <a:p>
+            <a:r>
+              <a:rPr lang="ko-KR" altLang="en-US" b="1" dirty="0"/>
+              <a:t> </a:t>
+            </a:r>
+            <a:r>
+              <a:rPr lang="en-US" altLang="ko-KR" b="1" dirty="0"/>
+              <a:t>2. </a:t>
+            </a:r>
+            <a:r>
+              <a:rPr lang="ko-KR" altLang="en-US" b="1" dirty="0"/>
+              <a:t>문제에 대한 해결방안 및 타겟 고객 제시</a:t>
+            </a:r>
+            <a:br>
+              <a:rPr lang="en-US" altLang="ko-KR" dirty="0"/>
+            </a:br>
+            <a:r>
+              <a:rPr lang="ko-KR" altLang="en-US" dirty="0"/>
+              <a:t> </a:t>
+            </a:r>
+            <a:r>
+              <a:rPr lang="en-US" altLang="ko-KR" dirty="0"/>
+              <a:t>- </a:t>
+            </a:r>
+            <a:r>
+              <a:rPr lang="ko-KR" altLang="en-US" dirty="0"/>
+              <a:t>수기로 작성하던 수불대장의 디지털화</a:t>
+            </a:r>
+            <a:br>
+              <a:rPr lang="en-US" altLang="ko-KR" dirty="0"/>
+            </a:br>
+            <a:r>
+              <a:rPr lang="ko-KR" altLang="en-US" dirty="0"/>
+              <a:t> </a:t>
+            </a:r>
+            <a:r>
+              <a:rPr lang="en-US" altLang="ko-KR" dirty="0"/>
+              <a:t>- </a:t>
+            </a:r>
+            <a:r>
+              <a:rPr lang="ko-KR" altLang="en-US" dirty="0"/>
+              <a:t>저비용으로 소규모의 구성원에도 적은 부담</a:t>
+            </a:r>
+            <a:br>
+              <a:rPr lang="en-US" altLang="ko-KR" dirty="0"/>
+            </a:br>
+            <a:r>
+              <a:rPr lang="ko-KR" altLang="en-US" dirty="0"/>
+              <a:t> </a:t>
+            </a:r>
+            <a:r>
+              <a:rPr lang="en-US" altLang="ko-KR" dirty="0"/>
+              <a:t>- </a:t>
+            </a:r>
+            <a:r>
+              <a:rPr lang="ko-KR" altLang="en-US" dirty="0"/>
+              <a:t>점검 및 추가 구매에 대한 제안을 하는 </a:t>
+            </a:r>
+            <a:r>
+              <a:rPr lang="en-US" altLang="ko-KR" dirty="0"/>
+              <a:t>AI </a:t>
+            </a:r>
+            <a:r>
+              <a:rPr lang="ko-KR" altLang="en-US" dirty="0"/>
+              <a:t>지원</a:t>
+            </a:r>
+            <a:br>
+              <a:rPr lang="en-US" altLang="ko-KR" dirty="0"/>
+            </a:br>
+            <a:r>
+              <a:rPr lang="ko-KR" altLang="en-US" dirty="0"/>
+              <a:t> </a:t>
+            </a:r>
+            <a:r>
+              <a:rPr lang="en-US" altLang="ko-KR" dirty="0"/>
+              <a:t>- e-</a:t>
+            </a:r>
+            <a:r>
+              <a:rPr lang="ko-KR" altLang="en-US" dirty="0"/>
+              <a:t>커머스 연계를 통한 물품 환경에 맞는 제품 추천</a:t>
+            </a:r>
+            <a:br>
+              <a:rPr lang="en-US" altLang="ko-KR" dirty="0"/>
+            </a:br>
+            <a:br>
+              <a:rPr lang="en-US" altLang="ko-KR" dirty="0"/>
+            </a:br>
+            <a:r>
+              <a:rPr lang="en-US" altLang="ko-KR" dirty="0"/>
+              <a:t> =&gt; </a:t>
+            </a:r>
+            <a:r>
+              <a:rPr lang="ko-KR" altLang="en-US" dirty="0"/>
+              <a:t>소규모의 물품</a:t>
+            </a:r>
+            <a:r>
+              <a:rPr lang="en-US" altLang="ko-KR" dirty="0"/>
+              <a:t>/</a:t>
+            </a:r>
+            <a:r>
+              <a:rPr lang="ko-KR" altLang="en-US" dirty="0"/>
+              <a:t>자재관리가 필요한 기업</a:t>
+            </a:r>
+            <a:br>
+              <a:rPr lang="en-US" altLang="ko-KR" dirty="0"/>
+            </a:br>
+            <a:endParaRPr lang="en-US" altLang="ko-KR" dirty="0"/>
+          </a:p>
+        </p:txBody>
+      </p:sp>
+    </p:spTree>
+    <p:extLst>
+      <p:ext uri="{BB962C8B-B14F-4D97-AF65-F5344CB8AC3E}">
+        <p14:creationId xmlns:p14="http://schemas.microsoft.com/office/powerpoint/2010/main" val="4095424269"/>
+      </p:ext>
+    </p:extLst>
+  </p:cSld>
+  <p:clrMapOvr>
+    <a:masterClrMapping/>
+  </p:clrMapOvr>
+</p:sld>
+</file>
+
+<file path=ppt/slides/slide3.xml><?xml version="1.0" encoding="utf-8"?>
+<p:sld xmlns:a="http://schemas.openxmlformats.org/drawingml/2006/main" xmlns:r="http://schemas.openxmlformats.org/officeDocument/2006/relationships" xmlns:p="http://schemas.openxmlformats.org/presentationml/2006/main">
+  <p:cSld>
+    <p:spTree>
+      <p:nvGrpSpPr>
+        <p:cNvPr id="1" name=""/>
+        <p:cNvGrpSpPr/>
+        <p:nvPr/>
+      </p:nvGrpSpPr>
+      <p:grpSpPr>
+        <a:xfrm>
+          <a:off x="0" y="0"/>
+          <a:ext cx="0" cy="0"/>
+          <a:chOff x="0" y="0"/>
+          <a:chExt cx="0" cy="0"/>
+        </a:xfrm>
+      </p:grpSpPr>
+      <p:sp>
+        <p:nvSpPr>
+          <p:cNvPr id="2" name="TextBox 1">
+            <a:extLst>
+              <a:ext uri="{FF2B5EF4-FFF2-40B4-BE49-F238E27FC236}">
+                <a16:creationId xmlns:a16="http://schemas.microsoft.com/office/drawing/2014/main" id="{E7CE649F-28D8-4F73-9E29-FF35777D063A}"/>
+              </a:ext>
+            </a:extLst>
+          </p:cNvPr>
+          <p:cNvSpPr txBox="1"/>
+          <p:nvPr/>
+        </p:nvSpPr>
+        <p:spPr>
+          <a:xfrm>
+            <a:off x="109267" y="94890"/>
+            <a:ext cx="11973465" cy="6986528"/>
+          </a:xfrm>
+          <a:prstGeom prst="rect">
+            <a:avLst/>
+          </a:prstGeom>
+          <a:noFill/>
+        </p:spPr>
+        <p:txBody>
+          <a:bodyPr wrap="square" rtlCol="0">
+            <a:spAutoFit/>
+          </a:bodyPr>
+          <a:lstStyle/>
+          <a:p>
+            <a:r>
+              <a:rPr lang="en-US" altLang="ko-KR" sz="1600" b="1" dirty="0"/>
+              <a:t>3.</a:t>
+            </a:r>
+            <a:r>
+              <a:rPr lang="ko-KR" altLang="en-US" sz="1600" b="1" dirty="0"/>
+              <a:t>구체적 아이디어</a:t>
+            </a:r>
+          </a:p>
+          <a:p>
+            <a:endParaRPr lang="ko-KR" altLang="en-US" sz="1600" dirty="0"/>
+          </a:p>
+          <a:p>
+            <a:r>
+              <a:rPr lang="ko-KR" altLang="en-US" sz="1600" dirty="0"/>
+              <a:t> </a:t>
+            </a:r>
+            <a:r>
+              <a:rPr lang="en-US" altLang="ko-KR" sz="1600" dirty="0"/>
+              <a:t>- </a:t>
+            </a:r>
+            <a:r>
+              <a:rPr lang="ko-KR" altLang="en-US" sz="1600" dirty="0"/>
+              <a:t>개인 혹은 공동 소유의 전용 물품에 대한 관리 체계 제공</a:t>
+            </a:r>
+          </a:p>
+          <a:p>
+            <a:r>
+              <a:rPr lang="ko-KR" altLang="en-US" sz="1600" dirty="0"/>
+              <a:t> </a:t>
+            </a:r>
+            <a:r>
+              <a:rPr lang="en-US" altLang="ko-KR" sz="1600" dirty="0"/>
+              <a:t>- </a:t>
+            </a:r>
+            <a:r>
+              <a:rPr lang="ko-KR" altLang="en-US" sz="1600" dirty="0"/>
+              <a:t>널리 보급된 자원의 활용을 극대화하여 완전한 저비용 체계 강조</a:t>
+            </a:r>
+          </a:p>
+          <a:p>
+            <a:r>
+              <a:rPr lang="ko-KR" altLang="en-US" sz="1600" dirty="0"/>
+              <a:t> </a:t>
+            </a:r>
+            <a:r>
+              <a:rPr lang="en-US" altLang="ko-KR" sz="1600" dirty="0"/>
+              <a:t>- </a:t>
+            </a:r>
+            <a:r>
+              <a:rPr lang="ko-KR" altLang="en-US" sz="1600" dirty="0"/>
+              <a:t>수기 수불대장의 온라인 대체</a:t>
+            </a:r>
+          </a:p>
+          <a:p>
+            <a:endParaRPr lang="en-US" altLang="ko-KR" sz="1600" dirty="0"/>
+          </a:p>
+          <a:p>
+            <a:r>
+              <a:rPr lang="ko-KR" altLang="en-US" sz="1600" dirty="0"/>
+              <a:t> </a:t>
+            </a:r>
+            <a:r>
+              <a:rPr lang="en-US" altLang="ko-KR" sz="1600" dirty="0"/>
+              <a:t>- </a:t>
+            </a:r>
+            <a:r>
+              <a:rPr lang="ko-KR" altLang="en-US" sz="1600" dirty="0"/>
+              <a:t>수불대장의 온라인 기록 </a:t>
+            </a:r>
+            <a:r>
+              <a:rPr lang="en-US" altLang="ko-KR" sz="1600" dirty="0"/>
+              <a:t>(</a:t>
+            </a:r>
+            <a:r>
+              <a:rPr lang="ko-KR" altLang="en-US" sz="1600" dirty="0"/>
+              <a:t>수불대장 훼손 피해 예방</a:t>
+            </a:r>
+            <a:r>
+              <a:rPr lang="en-US" altLang="ko-KR" sz="1600" dirty="0"/>
+              <a:t>)</a:t>
+            </a:r>
+          </a:p>
+          <a:p>
+            <a:r>
+              <a:rPr lang="en-US" altLang="ko-KR" sz="1600" dirty="0"/>
+              <a:t>   - </a:t>
+            </a:r>
+            <a:r>
+              <a:rPr lang="ko-KR" altLang="en-US" sz="1600" dirty="0"/>
+              <a:t>수기 작성</a:t>
+            </a:r>
+            <a:r>
+              <a:rPr lang="en-US" altLang="ko-KR" sz="1600" dirty="0"/>
+              <a:t>/</a:t>
+            </a:r>
+            <a:r>
+              <a:rPr lang="ko-KR" altLang="en-US" sz="1600" dirty="0"/>
+              <a:t>가독성 불편 해소</a:t>
+            </a:r>
+          </a:p>
+          <a:p>
+            <a:r>
+              <a:rPr lang="ko-KR" altLang="en-US" sz="1600" dirty="0"/>
+              <a:t>   </a:t>
+            </a:r>
+            <a:r>
+              <a:rPr lang="en-US" altLang="ko-KR" sz="1600" dirty="0"/>
+              <a:t>- </a:t>
+            </a:r>
+            <a:r>
+              <a:rPr lang="ko-KR" altLang="en-US" sz="1600" dirty="0"/>
+              <a:t>실시간 대여</a:t>
+            </a:r>
+            <a:r>
+              <a:rPr lang="en-US" altLang="ko-KR" sz="1600" dirty="0"/>
+              <a:t>/</a:t>
+            </a:r>
+            <a:r>
+              <a:rPr lang="ko-KR" altLang="en-US" sz="1600" dirty="0"/>
+              <a:t>반납 현황 파악</a:t>
+            </a:r>
+          </a:p>
+          <a:p>
+            <a:r>
+              <a:rPr lang="ko-KR" altLang="en-US" sz="1600" dirty="0"/>
+              <a:t>   </a:t>
+            </a:r>
+            <a:r>
+              <a:rPr lang="en-US" altLang="ko-KR" sz="1600" dirty="0"/>
+              <a:t>- </a:t>
+            </a:r>
+            <a:r>
+              <a:rPr lang="ko-KR" altLang="en-US" sz="1600" dirty="0"/>
+              <a:t>분실</a:t>
+            </a:r>
+            <a:r>
+              <a:rPr lang="en-US" altLang="ko-KR" sz="1600" dirty="0"/>
+              <a:t>/</a:t>
+            </a:r>
+            <a:r>
+              <a:rPr lang="ko-KR" altLang="en-US" sz="1600" dirty="0"/>
+              <a:t>도난</a:t>
+            </a:r>
+            <a:r>
+              <a:rPr lang="en-US" altLang="ko-KR" sz="1600" dirty="0"/>
+              <a:t>/</a:t>
+            </a:r>
+            <a:r>
+              <a:rPr lang="ko-KR" altLang="en-US" sz="1600" dirty="0"/>
+              <a:t>파손 추적 용이</a:t>
+            </a:r>
+          </a:p>
+          <a:p>
+            <a:endParaRPr lang="en-US" altLang="ko-KR" sz="1600" dirty="0"/>
+          </a:p>
+          <a:p>
+            <a:r>
+              <a:rPr lang="en-US" altLang="ko-KR" sz="1600" dirty="0"/>
+              <a:t> - AI</a:t>
+            </a:r>
+            <a:r>
+              <a:rPr lang="ko-KR" altLang="en-US" sz="1600" dirty="0"/>
+              <a:t>를 접목한 분석</a:t>
+            </a:r>
+            <a:r>
+              <a:rPr lang="en-US" altLang="ko-KR" sz="1600" dirty="0"/>
+              <a:t>/</a:t>
+            </a:r>
+            <a:r>
+              <a:rPr lang="ko-KR" altLang="en-US" sz="1600" dirty="0"/>
+              <a:t>제안 및 </a:t>
+            </a:r>
+            <a:r>
+              <a:rPr lang="en-US" altLang="ko-KR" sz="1600" dirty="0"/>
+              <a:t>e-</a:t>
+            </a:r>
+            <a:r>
+              <a:rPr lang="ko-KR" altLang="en-US" sz="1600" dirty="0"/>
+              <a:t>커머스 연계</a:t>
+            </a:r>
+          </a:p>
+          <a:p>
+            <a:r>
+              <a:rPr lang="en-US" altLang="ko-KR" sz="1600" dirty="0"/>
+              <a:t> - IT </a:t>
+            </a:r>
+            <a:r>
+              <a:rPr lang="ko-KR" altLang="en-US" sz="1600" dirty="0"/>
+              <a:t>업계에서의 플랫폼화 추세 강조</a:t>
+            </a:r>
+            <a:br>
+              <a:rPr lang="en-US" altLang="ko-KR" sz="1600" dirty="0"/>
+            </a:br>
+            <a:r>
+              <a:rPr lang="en-US" altLang="ko-KR" sz="1600" dirty="0"/>
+              <a:t>   ex) </a:t>
+            </a:r>
+            <a:r>
+              <a:rPr lang="ko-KR" altLang="en-US" sz="1600" dirty="0"/>
+              <a:t>네이버 카페로 시작한 중고나라의 현 시장 가치 등 플랫폼이 가지는 이점 강조</a:t>
+            </a:r>
+            <a:endParaRPr lang="en-US" altLang="ko-KR" sz="1600" dirty="0"/>
+          </a:p>
+          <a:p>
+            <a:r>
+              <a:rPr lang="ko-KR" altLang="en-US" sz="1600" dirty="0"/>
+              <a:t>  </a:t>
+            </a:r>
+            <a:r>
+              <a:rPr lang="en-US" altLang="ko-KR" sz="1600" dirty="0"/>
+              <a:t>=&gt; </a:t>
+            </a:r>
+            <a:r>
+              <a:rPr lang="ko-KR" altLang="en-US" sz="1600" dirty="0"/>
+              <a:t>물품관리 시스템의 플랫폼화 계획에 대한 사업적 이점 강조</a:t>
+            </a:r>
+            <a:endParaRPr lang="en-US" altLang="ko-KR" sz="1600" dirty="0"/>
+          </a:p>
+          <a:p>
+            <a:endParaRPr lang="en-US" altLang="ko-KR" sz="1600" dirty="0"/>
+          </a:p>
+          <a:p>
+            <a:r>
+              <a:rPr lang="ko-KR" altLang="en-US" sz="1600" b="1" dirty="0"/>
+              <a:t>여기서 플랫폼이란</a:t>
+            </a:r>
+            <a:r>
+              <a:rPr lang="en-US" altLang="ko-KR" sz="1600" b="1" dirty="0"/>
+              <a:t>?</a:t>
+            </a:r>
+          </a:p>
+          <a:p>
+            <a:r>
+              <a:rPr lang="ko-KR" altLang="en-US" sz="1600" dirty="0"/>
+              <a:t>경계가 없던 땅이 구획되면서 용도에 따라 다양한 형태로 활용될 수 있는 공간 상징</a:t>
+            </a:r>
+          </a:p>
+          <a:p>
+            <a:endParaRPr lang="ko-KR" altLang="en-US" sz="1600" dirty="0"/>
+          </a:p>
+          <a:p>
+            <a:endParaRPr lang="ko-KR" altLang="en-US" sz="1600" dirty="0"/>
+          </a:p>
+          <a:p>
+            <a:r>
+              <a:rPr lang="ko-KR" altLang="en-US" sz="1600" b="1" dirty="0"/>
+              <a:t>기초 동작 방식 </a:t>
+            </a:r>
+            <a:r>
+              <a:rPr lang="en-US" altLang="ko-KR" sz="1600" b="1" dirty="0"/>
+              <a:t>(</a:t>
+            </a:r>
+            <a:r>
+              <a:rPr lang="ko-KR" altLang="en-US" sz="1600" b="1" dirty="0"/>
+              <a:t>수행계획서 내용</a:t>
+            </a:r>
+            <a:r>
+              <a:rPr lang="en-US" altLang="ko-KR" sz="1600" b="1" dirty="0"/>
+              <a:t>)</a:t>
+            </a:r>
+          </a:p>
+          <a:p>
+            <a:r>
+              <a:rPr lang="en-US" altLang="ko-KR" sz="1600" dirty="0"/>
+              <a:t>   ① </a:t>
+            </a:r>
+            <a:r>
+              <a:rPr lang="ko-KR" altLang="en-US" sz="1600" dirty="0"/>
+              <a:t>특정 일련번호를 가진 </a:t>
+            </a:r>
+            <a:r>
+              <a:rPr lang="en-US" altLang="ko-KR" sz="1600" dirty="0"/>
+              <a:t>QR </a:t>
+            </a:r>
+            <a:r>
+              <a:rPr lang="ko-KR" altLang="en-US" sz="1600" dirty="0"/>
+              <a:t>코드를 관리 대상 물품에 부착</a:t>
+            </a:r>
+          </a:p>
+          <a:p>
+            <a:r>
+              <a:rPr lang="ko-KR" altLang="en-US" sz="1600" dirty="0"/>
+              <a:t>   ② 해당 물품을 온라인 환경에 등록</a:t>
+            </a:r>
+          </a:p>
+          <a:p>
+            <a:r>
+              <a:rPr lang="ko-KR" altLang="en-US" sz="1600" dirty="0"/>
+              <a:t>   ③ 어플리케이션을 통해 실시간 대여</a:t>
+            </a:r>
+            <a:r>
+              <a:rPr lang="en-US" altLang="ko-KR" sz="1600" dirty="0"/>
+              <a:t>/</a:t>
+            </a:r>
+            <a:r>
+              <a:rPr lang="ko-KR" altLang="en-US" sz="1600" dirty="0"/>
+              <a:t>반납 현황을 확인하고 </a:t>
+            </a:r>
+          </a:p>
+          <a:p>
+            <a:r>
+              <a:rPr lang="ko-KR" altLang="en-US" sz="1600" dirty="0"/>
+              <a:t>     대여 및 반납을 진행</a:t>
+            </a:r>
+          </a:p>
+          <a:p>
+            <a:r>
+              <a:rPr lang="ko-KR" altLang="en-US" sz="1600" dirty="0"/>
+              <a:t>   ④ 관리자는 </a:t>
+            </a:r>
+            <a:r>
+              <a:rPr lang="en-US" altLang="ko-KR" sz="1600" dirty="0"/>
+              <a:t>AI</a:t>
+            </a:r>
+            <a:r>
+              <a:rPr lang="ko-KR" altLang="en-US" sz="1600" dirty="0"/>
+              <a:t>의 분석 결과</a:t>
+            </a:r>
+            <a:r>
+              <a:rPr lang="en-US" altLang="ko-KR" sz="1600" dirty="0"/>
+              <a:t>(</a:t>
+            </a:r>
+            <a:r>
+              <a:rPr lang="ko-KR" altLang="en-US" sz="1600" dirty="0"/>
+              <a:t>자주 대여하는 물품 추가 구매 </a:t>
+            </a:r>
+          </a:p>
+          <a:p>
+            <a:r>
+              <a:rPr lang="ko-KR" altLang="en-US" sz="1600" dirty="0"/>
+              <a:t>     제안 등</a:t>
+            </a:r>
+            <a:r>
+              <a:rPr lang="en-US" altLang="ko-KR" sz="1600" dirty="0"/>
+              <a:t>)</a:t>
+            </a:r>
+            <a:r>
+              <a:rPr lang="ko-KR" altLang="en-US" sz="1600" dirty="0"/>
+              <a:t>에 따라 후속 조치 시행</a:t>
+            </a:r>
+          </a:p>
+        </p:txBody>
+      </p:sp>
+    </p:spTree>
+    <p:extLst>
+      <p:ext uri="{BB962C8B-B14F-4D97-AF65-F5344CB8AC3E}">
+        <p14:creationId xmlns:p14="http://schemas.microsoft.com/office/powerpoint/2010/main" val="3301039295"/>
+      </p:ext>
+    </p:extLst>
+  </p:cSld>
+  <p:clrMapOvr>
+    <a:masterClrMapping/>
+  </p:clrMapOvr>
+</p:sld>
+</file>
+
+<file path=ppt/slides/slide4.xml><?xml version="1.0" encoding="utf-8"?>
+<p:sld xmlns:a="http://schemas.openxmlformats.org/drawingml/2006/main" xmlns:r="http://schemas.openxmlformats.org/officeDocument/2006/relationships" xmlns:p="http://schemas.openxmlformats.org/presentationml/2006/main">
+  <p:cSld>
+    <p:spTree>
+      <p:nvGrpSpPr>
+        <p:cNvPr id="1" name=""/>
+        <p:cNvGrpSpPr/>
+        <p:nvPr/>
+      </p:nvGrpSpPr>
+      <p:grpSpPr>
+        <a:xfrm>
+          <a:off x="0" y="0"/>
+          <a:ext cx="0" cy="0"/>
+          <a:chOff x="0" y="0"/>
+          <a:chExt cx="0" cy="0"/>
+        </a:xfrm>
+      </p:grpSpPr>
+      <p:pic>
+        <p:nvPicPr>
+          <p:cNvPr id="3" name="그림 2">
+            <a:extLst>
+              <a:ext uri="{FF2B5EF4-FFF2-40B4-BE49-F238E27FC236}">
+                <a16:creationId xmlns:a16="http://schemas.microsoft.com/office/drawing/2014/main" id="{4C229E95-FD56-41AA-9D89-8CA460660A05}"/>
+              </a:ext>
+            </a:extLst>
+          </p:cNvPr>
+          <p:cNvPicPr>
+            <a:picLocks noChangeAspect="1"/>
+          </p:cNvPicPr>
+          <p:nvPr/>
+        </p:nvPicPr>
+        <p:blipFill>
+          <a:blip r:embed="rId2"/>
+          <a:stretch>
+            <a:fillRect/>
+          </a:stretch>
+        </p:blipFill>
+        <p:spPr>
+          <a:xfrm>
+            <a:off x="261937" y="347662"/>
+            <a:ext cx="11668125" cy="6162675"/>
+          </a:xfrm>
+          <a:prstGeom prst="rect">
+            <a:avLst/>
+          </a:prstGeom>
+        </p:spPr>
+      </p:pic>
+    </p:spTree>
+    <p:extLst>
+      <p:ext uri="{BB962C8B-B14F-4D97-AF65-F5344CB8AC3E}">
+        <p14:creationId xmlns:p14="http://schemas.microsoft.com/office/powerpoint/2010/main" val="2141911129"/>
+      </p:ext>
+    </p:extLst>
+  </p:cSld>
+  <p:clrMapOvr>
+    <a:masterClrMapping/>
+  </p:clrMapOvr>
+</p:sld>
+</file>
+
+<file path=ppt/slides/slide5.xml><?xml version="1.0" encoding="utf-8"?>
+<p:sld xmlns:a="http://schemas.openxmlformats.org/drawingml/2006/main" xmlns:r="http://schemas.openxmlformats.org/officeDocument/2006/relationships" xmlns:p="http://schemas.openxmlformats.org/presentationml/2006/main">
+  <p:cSld>
+    <p:spTree>
+      <p:nvGrpSpPr>
+        <p:cNvPr id="1" name=""/>
+        <p:cNvGrpSpPr/>
+        <p:nvPr/>
+      </p:nvGrpSpPr>
+      <p:grpSpPr>
+        <a:xfrm>
+          <a:off x="0" y="0"/>
+          <a:ext cx="0" cy="0"/>
+          <a:chOff x="0" y="0"/>
+          <a:chExt cx="0" cy="0"/>
+        </a:xfrm>
+      </p:grpSpPr>
+      <p:sp>
+        <p:nvSpPr>
+          <p:cNvPr id="2" name="TextBox 1">
+            <a:extLst>
+              <a:ext uri="{FF2B5EF4-FFF2-40B4-BE49-F238E27FC236}">
+                <a16:creationId xmlns:a16="http://schemas.microsoft.com/office/drawing/2014/main" id="{E7CE649F-28D8-4F73-9E29-FF35777D063A}"/>
+              </a:ext>
+            </a:extLst>
+          </p:cNvPr>
+          <p:cNvSpPr txBox="1"/>
+          <p:nvPr/>
+        </p:nvSpPr>
+        <p:spPr>
+          <a:xfrm>
+            <a:off x="109267" y="151179"/>
+            <a:ext cx="11973465" cy="6555641"/>
+          </a:xfrm>
+          <a:prstGeom prst="rect">
+            <a:avLst/>
+          </a:prstGeom>
+          <a:noFill/>
+        </p:spPr>
+        <p:txBody>
+          <a:bodyPr wrap="square" rtlCol="0">
+            <a:spAutoFit/>
+          </a:bodyPr>
+          <a:lstStyle/>
+          <a:p>
+            <a:r>
+              <a:rPr lang="en-US" altLang="ko-KR" sz="2000" b="1"/>
+              <a:t>5. </a:t>
+            </a:r>
+            <a:r>
+              <a:rPr lang="ko-KR" altLang="en-US" sz="2000" b="1" dirty="0"/>
+              <a:t>경쟁사 분석</a:t>
+            </a:r>
+            <a:endParaRPr lang="en-US" altLang="ko-KR" sz="2000" b="1" dirty="0"/>
+          </a:p>
+          <a:p>
+            <a:r>
+              <a:rPr lang="ko-KR" altLang="en-US" sz="2000" b="1" dirty="0"/>
+              <a:t>경쟁사 </a:t>
+            </a:r>
+            <a:r>
+              <a:rPr lang="en-US" altLang="ko-KR" sz="2000" b="1" dirty="0"/>
+              <a:t>(</a:t>
+            </a:r>
+            <a:r>
+              <a:rPr lang="ko-KR" altLang="en-US" sz="2000" b="1" dirty="0"/>
+              <a:t>이지판매</a:t>
+            </a:r>
+            <a:r>
+              <a:rPr lang="en-US" altLang="ko-KR" sz="2000" b="1" dirty="0"/>
+              <a:t>)</a:t>
+            </a:r>
+          </a:p>
+          <a:p>
+            <a:pPr marL="342900" indent="-342900">
+              <a:buFont typeface="Arial" panose="020B0604020202020204" pitchFamily="34" charset="0"/>
+              <a:buChar char="•"/>
+            </a:pPr>
+            <a:r>
+              <a:rPr lang="ko-KR" altLang="en-US" sz="2000" dirty="0"/>
+              <a:t>초기 비용 발생으로 소규모</a:t>
+            </a:r>
+            <a:r>
+              <a:rPr lang="en-US" altLang="ko-KR" sz="2000" dirty="0"/>
+              <a:t>/</a:t>
+            </a:r>
+            <a:r>
+              <a:rPr lang="ko-KR" altLang="en-US" sz="2000" dirty="0"/>
+              <a:t>개인 사용자의 접근성 낮음</a:t>
+            </a:r>
+          </a:p>
+          <a:p>
+            <a:pPr marL="342900" indent="-342900">
+              <a:buFont typeface="Arial" panose="020B0604020202020204" pitchFamily="34" charset="0"/>
+              <a:buChar char="•"/>
+            </a:pPr>
+            <a:r>
+              <a:rPr lang="en-US" altLang="ko-KR" sz="2000" dirty="0"/>
+              <a:t>(</a:t>
+            </a:r>
+            <a:r>
+              <a:rPr lang="ko-KR" altLang="en-US" sz="2000" dirty="0"/>
+              <a:t>월 </a:t>
+            </a:r>
+            <a:r>
+              <a:rPr lang="en-US" altLang="ko-KR" sz="2000" dirty="0"/>
+              <a:t>44,000/ </a:t>
+            </a:r>
+            <a:r>
+              <a:rPr lang="ko-KR" altLang="en-US" sz="2000" dirty="0"/>
+              <a:t>혹은 최초 </a:t>
+            </a:r>
+            <a:r>
+              <a:rPr lang="en-US" altLang="ko-KR" sz="2000" dirty="0"/>
+              <a:t>275,000~ </a:t>
+            </a:r>
+            <a:r>
+              <a:rPr lang="ko-KR" altLang="en-US" sz="2000" dirty="0"/>
+              <a:t>비용 지불 필요</a:t>
+            </a:r>
+            <a:r>
+              <a:rPr lang="en-US" altLang="ko-KR" sz="2000" dirty="0"/>
+              <a:t>)</a:t>
+            </a:r>
+          </a:p>
+          <a:p>
+            <a:pPr marL="342900" indent="-342900">
+              <a:buFont typeface="Arial" panose="020B0604020202020204" pitchFamily="34" charset="0"/>
+              <a:buChar char="•"/>
+            </a:pPr>
+            <a:r>
+              <a:rPr lang="ko-KR" altLang="en-US" sz="2000" dirty="0"/>
+              <a:t>어플리케이션 형태로 제공하지 않음</a:t>
+            </a:r>
+          </a:p>
+          <a:p>
+            <a:pPr marL="342900" indent="-342900">
+              <a:buFont typeface="Arial" panose="020B0604020202020204" pitchFamily="34" charset="0"/>
+              <a:buChar char="•"/>
+            </a:pPr>
+            <a:r>
+              <a:rPr lang="ko-KR" altLang="en-US" sz="2000" dirty="0"/>
+              <a:t>바코드 스캐너 등 필요</a:t>
+            </a:r>
+          </a:p>
+          <a:p>
+            <a:pPr marL="342900" indent="-342900">
+              <a:buFont typeface="Arial" panose="020B0604020202020204" pitchFamily="34" charset="0"/>
+              <a:buChar char="•"/>
+            </a:pPr>
+            <a:r>
+              <a:rPr lang="ko-KR" altLang="en-US" sz="2000" dirty="0"/>
+              <a:t>사용성 복잡</a:t>
+            </a:r>
+          </a:p>
+          <a:p>
+            <a:endParaRPr lang="en-US" altLang="ko-KR" sz="2000" dirty="0"/>
+          </a:p>
+          <a:p>
+            <a:endParaRPr lang="ko-KR" altLang="en-US" sz="2000" dirty="0"/>
+          </a:p>
+          <a:p>
+            <a:r>
+              <a:rPr lang="ko-KR" altLang="en-US" sz="2000" b="1" dirty="0"/>
+              <a:t>경쟁사 </a:t>
+            </a:r>
+            <a:r>
+              <a:rPr lang="en-US" altLang="ko-KR" sz="2000" b="1" dirty="0"/>
+              <a:t>(</a:t>
+            </a:r>
+            <a:r>
+              <a:rPr lang="ko-KR" altLang="en-US" sz="2000" b="1" dirty="0" err="1"/>
+              <a:t>박스히어로</a:t>
+            </a:r>
+            <a:r>
+              <a:rPr lang="en-US" altLang="ko-KR" sz="2000" b="1" dirty="0"/>
+              <a:t>)</a:t>
+            </a:r>
+          </a:p>
+          <a:p>
+            <a:pPr marL="342900" indent="-342900">
+              <a:buFont typeface="Arial" panose="020B0604020202020204" pitchFamily="34" charset="0"/>
+              <a:buChar char="•"/>
+            </a:pPr>
+            <a:r>
+              <a:rPr lang="ko-KR" altLang="en-US" sz="2000" dirty="0"/>
+              <a:t>외부 사업자 간의 거래 </a:t>
+            </a:r>
+            <a:r>
+              <a:rPr lang="en-US" altLang="ko-KR" sz="2000" dirty="0">
+                <a:sym typeface="Wingdings" panose="05000000000000000000" pitchFamily="2" charset="2"/>
+              </a:rPr>
+              <a:t></a:t>
+            </a:r>
+            <a:r>
+              <a:rPr lang="en-US" altLang="ko-KR" sz="2000" dirty="0"/>
+              <a:t> </a:t>
+            </a:r>
+            <a:r>
+              <a:rPr lang="ko-KR" altLang="en-US" sz="2000" dirty="0"/>
+              <a:t>내부자 간의 대여</a:t>
+            </a:r>
+            <a:endParaRPr lang="en-US" altLang="ko-KR" sz="2000" dirty="0"/>
+          </a:p>
+          <a:p>
+            <a:pPr marL="342900" indent="-342900">
+              <a:buFont typeface="Arial" panose="020B0604020202020204" pitchFamily="34" charset="0"/>
+              <a:buChar char="•"/>
+            </a:pPr>
+            <a:r>
+              <a:rPr lang="ko-KR" altLang="en-US" sz="2000" dirty="0"/>
+              <a:t>입고</a:t>
+            </a:r>
+            <a:r>
+              <a:rPr lang="en-US" altLang="ko-KR" sz="2000" dirty="0"/>
+              <a:t>/</a:t>
+            </a:r>
+            <a:r>
+              <a:rPr lang="ko-KR" altLang="en-US" sz="2000" dirty="0"/>
+              <a:t>출고 형태 </a:t>
+            </a:r>
+            <a:r>
+              <a:rPr lang="en-US" altLang="ko-KR" sz="2000" dirty="0">
+                <a:sym typeface="Wingdings" panose="05000000000000000000" pitchFamily="2" charset="2"/>
+              </a:rPr>
+              <a:t></a:t>
+            </a:r>
+            <a:r>
+              <a:rPr lang="en-US" altLang="ko-KR" sz="2000" dirty="0"/>
+              <a:t> </a:t>
+            </a:r>
+            <a:r>
+              <a:rPr lang="ko-KR" altLang="en-US" sz="2000" dirty="0"/>
+              <a:t>대여</a:t>
+            </a:r>
+            <a:r>
+              <a:rPr lang="en-US" altLang="ko-KR" sz="2000" dirty="0"/>
+              <a:t>/</a:t>
+            </a:r>
+            <a:r>
+              <a:rPr lang="ko-KR" altLang="en-US" sz="2000" dirty="0"/>
+              <a:t>반납 형태</a:t>
+            </a:r>
+            <a:endParaRPr lang="en-US" altLang="ko-KR" sz="2000" dirty="0"/>
+          </a:p>
+          <a:p>
+            <a:pPr marL="342900" indent="-342900">
+              <a:buFont typeface="Arial" panose="020B0604020202020204" pitchFamily="34" charset="0"/>
+              <a:buChar char="•"/>
+            </a:pPr>
+            <a:r>
+              <a:rPr lang="en-US" altLang="ko-KR" sz="2000" dirty="0"/>
+              <a:t>=&gt; </a:t>
+            </a:r>
+            <a:r>
+              <a:rPr lang="ko-KR" altLang="en-US" sz="2000" dirty="0"/>
+              <a:t>사용 목적의 대상자의 차이</a:t>
+            </a:r>
+            <a:endParaRPr lang="en-US" altLang="ko-KR" sz="2000" dirty="0"/>
+          </a:p>
+          <a:p>
+            <a:endParaRPr lang="en-US" altLang="ko-KR" sz="2000" dirty="0"/>
+          </a:p>
+          <a:p>
+            <a:endParaRPr lang="en-US" altLang="ko-KR" sz="2000" dirty="0"/>
+          </a:p>
+          <a:p>
+            <a:r>
+              <a:rPr lang="ko-KR" altLang="en-US" sz="2000" b="1" dirty="0"/>
+              <a:t>우리</a:t>
+            </a:r>
+          </a:p>
+          <a:p>
+            <a:pPr marL="342900" indent="-342900">
+              <a:buFont typeface="Arial" panose="020B0604020202020204" pitchFamily="34" charset="0"/>
+              <a:buChar char="•"/>
+            </a:pPr>
+            <a:r>
+              <a:rPr lang="ko-KR" altLang="en-US" sz="2000" dirty="0"/>
+              <a:t>비용 최소화 목표</a:t>
+            </a:r>
+          </a:p>
+          <a:p>
+            <a:pPr marL="342900" indent="-342900">
+              <a:buFont typeface="Arial" panose="020B0604020202020204" pitchFamily="34" charset="0"/>
+              <a:buChar char="•"/>
+            </a:pPr>
+            <a:r>
+              <a:rPr lang="ko-KR" altLang="en-US" sz="2000" dirty="0"/>
+              <a:t>개인</a:t>
+            </a:r>
+            <a:r>
+              <a:rPr lang="en-US" altLang="ko-KR" sz="2000" dirty="0"/>
+              <a:t>/</a:t>
+            </a:r>
+            <a:r>
+              <a:rPr lang="ko-KR" altLang="en-US" sz="2000" dirty="0"/>
+              <a:t>소규모 단체의 전용 물품 관리 편의에 초점 </a:t>
+            </a:r>
+            <a:r>
+              <a:rPr lang="en-US" altLang="ko-KR" sz="2000" dirty="0"/>
+              <a:t>(</a:t>
+            </a:r>
+            <a:r>
+              <a:rPr lang="ko-KR" altLang="en-US" sz="2000" dirty="0"/>
+              <a:t>접근 편의성 강조</a:t>
+            </a:r>
+            <a:r>
+              <a:rPr lang="en-US" altLang="ko-KR" sz="2000" dirty="0"/>
+              <a:t>)</a:t>
+            </a:r>
+          </a:p>
+          <a:p>
+            <a:pPr marL="342900" indent="-342900">
+              <a:buFont typeface="Arial" panose="020B0604020202020204" pitchFamily="34" charset="0"/>
+              <a:buChar char="•"/>
+            </a:pPr>
+            <a:r>
+              <a:rPr lang="ko-KR" altLang="en-US" sz="2000" dirty="0"/>
+              <a:t>어플리케이션 형태로 제공</a:t>
+            </a:r>
+            <a:r>
+              <a:rPr lang="en-US" altLang="ko-KR" sz="2000" dirty="0"/>
+              <a:t>, </a:t>
+            </a:r>
+            <a:r>
+              <a:rPr lang="ko-KR" altLang="en-US" sz="2000" dirty="0"/>
+              <a:t>대여</a:t>
+            </a:r>
+            <a:r>
+              <a:rPr lang="en-US" altLang="ko-KR" sz="2000" dirty="0"/>
+              <a:t>/</a:t>
+            </a:r>
+            <a:r>
+              <a:rPr lang="ko-KR" altLang="en-US" sz="2000" dirty="0"/>
+              <a:t>반납에 초점</a:t>
+            </a:r>
+          </a:p>
+          <a:p>
+            <a:pPr marL="342900" indent="-342900">
+              <a:buFont typeface="Arial" panose="020B0604020202020204" pitchFamily="34" charset="0"/>
+              <a:buChar char="•"/>
+            </a:pPr>
+            <a:r>
+              <a:rPr lang="ko-KR" altLang="en-US" sz="2000" dirty="0"/>
+              <a:t>스마트폰 카메라 활용</a:t>
+            </a:r>
+          </a:p>
+          <a:p>
+            <a:pPr marL="342900" indent="-342900">
+              <a:buFont typeface="Arial" panose="020B0604020202020204" pitchFamily="34" charset="0"/>
+              <a:buChar char="•"/>
+            </a:pPr>
+            <a:r>
+              <a:rPr lang="ko-KR" altLang="en-US" sz="2000" dirty="0"/>
+              <a:t>사용성 간편</a:t>
+            </a:r>
+          </a:p>
+        </p:txBody>
+      </p:sp>
+      <p:pic>
+        <p:nvPicPr>
+          <p:cNvPr id="4" name="그림 3">
+            <a:extLst>
+              <a:ext uri="{FF2B5EF4-FFF2-40B4-BE49-F238E27FC236}">
+                <a16:creationId xmlns:a16="http://schemas.microsoft.com/office/drawing/2014/main" id="{D07B0081-A2BF-42CC-9F8F-2575FEB20898}"/>
+              </a:ext>
+            </a:extLst>
+          </p:cNvPr>
+          <p:cNvPicPr>
+            <a:picLocks noChangeAspect="1"/>
+          </p:cNvPicPr>
+          <p:nvPr/>
+        </p:nvPicPr>
+        <p:blipFill>
+          <a:blip r:embed="rId2"/>
+          <a:stretch>
+            <a:fillRect/>
+          </a:stretch>
+        </p:blipFill>
+        <p:spPr>
+          <a:xfrm>
+            <a:off x="8471573" y="1696925"/>
+            <a:ext cx="3611159" cy="3261360"/>
+          </a:xfrm>
+          <a:prstGeom prst="rect">
+            <a:avLst/>
+          </a:prstGeom>
+        </p:spPr>
+      </p:pic>
+    </p:spTree>
+    <p:extLst>
+      <p:ext uri="{BB962C8B-B14F-4D97-AF65-F5344CB8AC3E}">
+        <p14:creationId xmlns:p14="http://schemas.microsoft.com/office/powerpoint/2010/main" val="1086676814"/>
+      </p:ext>
+    </p:extLst>
+  </p:cSld>
+  <p:clrMapOvr>
+    <a:masterClrMapping/>
+  </p:clrMapOvr>
+</p:sld>
+</file>
+
 <file path=ppt/theme/theme1.xml><?xml version="1.0" encoding="utf-8"?>
 <a:theme xmlns:a="http://schemas.openxmlformats.org/drawingml/2006/main" name="Office 테마">
   <a:themeElements>

--- a/중간발표/중간발표(초안계획).pptx
+++ b/중간발표/중간발표(초안계획).pptx
@@ -3345,7 +3345,7 @@
         <p:spPr>
           <a:xfrm>
             <a:off x="467264" y="197346"/>
-            <a:ext cx="11257472" cy="6463308"/>
+            <a:ext cx="11257472" cy="4247317"/>
           </a:xfrm>
           <a:prstGeom prst="rect">
             <a:avLst/>
@@ -3369,22 +3369,6 @@
             <a:br>
               <a:rPr lang="en-US" altLang="ko-KR" dirty="0"/>
             </a:br>
-            <a:r>
-              <a:rPr lang="en-US" altLang="ko-KR" dirty="0"/>
-              <a:t>- </a:t>
-            </a:r>
-            <a:br>
-              <a:rPr lang="en-US" altLang="ko-KR" dirty="0"/>
-            </a:br>
-            <a:br>
-              <a:rPr lang="en-US" altLang="ko-KR" dirty="0"/>
-            </a:br>
-            <a:br>
-              <a:rPr lang="en-US" altLang="ko-KR" dirty="0"/>
-            </a:br>
-            <a:br>
-              <a:rPr lang="en-US" altLang="ko-KR" dirty="0"/>
-            </a:br>
             <a:endParaRPr lang="en-US" altLang="ko-KR" dirty="0"/>
           </a:p>
           <a:p>
@@ -3395,74 +3379,6 @@
             <a:r>
               <a:rPr lang="ko-KR" altLang="en-US" dirty="0"/>
               <a:t>문제에 대한 해결방안 및 타겟 고객 제시</a:t>
-            </a:r>
-            <a:br>
-              <a:rPr lang="en-US" altLang="ko-KR" dirty="0"/>
-            </a:br>
-            <a:r>
-              <a:rPr lang="ko-KR" altLang="en-US" dirty="0"/>
-              <a:t> </a:t>
-            </a:r>
-            <a:r>
-              <a:rPr lang="en-US" altLang="ko-KR" dirty="0"/>
-              <a:t>- </a:t>
-            </a:r>
-            <a:r>
-              <a:rPr lang="ko-KR" altLang="en-US" dirty="0"/>
-              <a:t>수기로 작성하던 수불대장의 디지털화</a:t>
-            </a:r>
-            <a:br>
-              <a:rPr lang="en-US" altLang="ko-KR" dirty="0"/>
-            </a:br>
-            <a:r>
-              <a:rPr lang="ko-KR" altLang="en-US" dirty="0"/>
-              <a:t> </a:t>
-            </a:r>
-            <a:r>
-              <a:rPr lang="en-US" altLang="ko-KR" dirty="0"/>
-              <a:t>- </a:t>
-            </a:r>
-            <a:r>
-              <a:rPr lang="ko-KR" altLang="en-US" dirty="0"/>
-              <a:t>저비용으로 소규모의 구성원에도 적은 부담</a:t>
-            </a:r>
-            <a:br>
-              <a:rPr lang="en-US" altLang="ko-KR" dirty="0"/>
-            </a:br>
-            <a:r>
-              <a:rPr lang="ko-KR" altLang="en-US" dirty="0"/>
-              <a:t> </a:t>
-            </a:r>
-            <a:r>
-              <a:rPr lang="en-US" altLang="ko-KR" dirty="0"/>
-              <a:t>- </a:t>
-            </a:r>
-            <a:r>
-              <a:rPr lang="ko-KR" altLang="en-US" dirty="0"/>
-              <a:t>점검 및 추가 구매에 대한 제안을 하는 </a:t>
-            </a:r>
-            <a:r>
-              <a:rPr lang="en-US" altLang="ko-KR" dirty="0"/>
-              <a:t>AI </a:t>
-            </a:r>
-            <a:r>
-              <a:rPr lang="ko-KR" altLang="en-US" dirty="0"/>
-              <a:t>지원</a:t>
-            </a:r>
-            <a:br>
-              <a:rPr lang="en-US" altLang="ko-KR" dirty="0"/>
-            </a:br>
-            <a:r>
-              <a:rPr lang="ko-KR" altLang="en-US" dirty="0"/>
-              <a:t> </a:t>
-            </a:r>
-            <a:r>
-              <a:rPr lang="en-US" altLang="ko-KR" dirty="0"/>
-              <a:t>- e-</a:t>
-            </a:r>
-            <a:r>
-              <a:rPr lang="ko-KR" altLang="en-US" dirty="0"/>
-              <a:t>커머스 연계를 통한 물품 환경에 맞는 제품 추천</a:t>
             </a:r>
             <a:br>
               <a:rPr lang="en-US" altLang="ko-KR" dirty="0"/>
@@ -3614,36 +3530,6 @@
           </a:p>
         </p:txBody>
       </p:sp>
-      <p:pic>
-        <p:nvPicPr>
-          <p:cNvPr id="6" name="그림 5">
-            <a:extLst>
-              <a:ext uri="{FF2B5EF4-FFF2-40B4-BE49-F238E27FC236}">
-                <a16:creationId xmlns:a16="http://schemas.microsoft.com/office/drawing/2014/main" id="{6DEC1D7D-2D7E-4559-92E3-7C8D91D52F27}"/>
-              </a:ext>
-            </a:extLst>
-          </p:cNvPr>
-          <p:cNvPicPr>
-            <a:picLocks noChangeAspect="1"/>
-          </p:cNvPicPr>
-          <p:nvPr/>
-        </p:nvPicPr>
-        <p:blipFill>
-          <a:blip r:embed="rId2"/>
-          <a:stretch>
-            <a:fillRect/>
-          </a:stretch>
-        </p:blipFill>
-        <p:spPr>
-          <a:xfrm>
-            <a:off x="865697" y="525238"/>
-            <a:ext cx="3714750" cy="1095375"/>
-          </a:xfrm>
-          <a:prstGeom prst="rect">
-            <a:avLst/>
-          </a:prstGeom>
-        </p:spPr>
-      </p:pic>
     </p:spTree>
     <p:extLst>
       <p:ext uri="{BB962C8B-B14F-4D97-AF65-F5344CB8AC3E}">

--- a/중간발표/중간발표(초안계획).pptx
+++ b/중간발표/중간발표(초안계획).pptx
@@ -8,8 +8,8 @@
     <p:sldId id="256" r:id="rId2"/>
     <p:sldId id="257" r:id="rId3"/>
     <p:sldId id="258" r:id="rId4"/>
-    <p:sldId id="260" r:id="rId5"/>
-    <p:sldId id="259" r:id="rId6"/>
+    <p:sldId id="259" r:id="rId5"/>
+    <p:sldId id="260" r:id="rId6"/>
   </p:sldIdLst>
   <p:sldSz cx="12192000" cy="6858000"/>
   <p:notesSz cx="6858000" cy="9144000"/>
@@ -3345,7 +3345,7 @@
         <p:spPr>
           <a:xfrm>
             <a:off x="467264" y="197346"/>
-            <a:ext cx="11257472" cy="4247317"/>
+            <a:ext cx="11257472" cy="4524315"/>
           </a:xfrm>
           <a:prstGeom prst="rect">
             <a:avLst/>
@@ -3416,9 +3416,6 @@
               <a:rPr lang="ko-KR" altLang="en-US" dirty="0"/>
               <a:t>동작 프로세스</a:t>
             </a:r>
-            <a:br>
-              <a:rPr lang="en-US" altLang="ko-KR" dirty="0"/>
-            </a:br>
             <a:endParaRPr lang="en-US" altLang="ko-KR" dirty="0"/>
           </a:p>
           <a:p>
@@ -3426,36 +3423,6 @@
               <a:buFont typeface="+mj-lt"/>
               <a:buAutoNum type="arabicPeriod"/>
             </a:pPr>
-            <a:r>
-              <a:rPr lang="ko-KR" altLang="en-US" dirty="0"/>
-              <a:t>사업 전망</a:t>
-            </a:r>
-            <a:r>
-              <a:rPr lang="en-US" altLang="ko-KR" dirty="0"/>
-              <a:t>(</a:t>
-            </a:r>
-            <a:r>
-              <a:rPr lang="ko-KR" altLang="en-US" dirty="0"/>
-              <a:t>비즈니스 캔버스 모델</a:t>
-            </a:r>
-            <a:r>
-              <a:rPr lang="en-US" altLang="ko-KR" dirty="0"/>
-              <a:t>)</a:t>
-            </a:r>
-            <a:br>
-              <a:rPr lang="en-US" altLang="ko-KR" dirty="0"/>
-            </a:br>
-            <a:r>
-              <a:rPr lang="en-US" altLang="ko-KR" dirty="0"/>
-              <a:t>- </a:t>
-            </a:r>
-            <a:r>
-              <a:rPr lang="ko-KR" altLang="en-US" dirty="0"/>
-              <a:t>캔버스를 쪼개서 하나 씩</a:t>
-            </a:r>
-            <a:br>
-              <a:rPr lang="en-US" altLang="ko-KR" dirty="0"/>
-            </a:br>
             <a:endParaRPr lang="en-US" altLang="ko-KR" dirty="0"/>
           </a:p>
           <a:p>
@@ -3485,6 +3452,46 @@
               </a:rPr>
               <a:t>이지판매재고관리</a:t>
             </a:r>
+            <a:br>
+              <a:rPr lang="en-US" altLang="ko-KR" dirty="0"/>
+            </a:br>
+            <a:endParaRPr lang="en-US" altLang="ko-KR" dirty="0"/>
+          </a:p>
+          <a:p>
+            <a:pPr marL="342900" indent="-342900">
+              <a:buFont typeface="+mj-lt"/>
+              <a:buAutoNum type="arabicPeriod"/>
+            </a:pPr>
+            <a:r>
+              <a:rPr lang="ko-KR" altLang="en-US" dirty="0"/>
+              <a:t>사업 전망</a:t>
+            </a:r>
+            <a:r>
+              <a:rPr lang="en-US" altLang="ko-KR" dirty="0"/>
+              <a:t>(</a:t>
+            </a:r>
+            <a:r>
+              <a:rPr lang="ko-KR" altLang="en-US" dirty="0"/>
+              <a:t>비즈니스 캔버스 모델</a:t>
+            </a:r>
+            <a:r>
+              <a:rPr lang="en-US" altLang="ko-KR" dirty="0"/>
+              <a:t>)</a:t>
+            </a:r>
+            <a:br>
+              <a:rPr lang="en-US" altLang="ko-KR" dirty="0"/>
+            </a:br>
+            <a:r>
+              <a:rPr lang="en-US" altLang="ko-KR" dirty="0"/>
+              <a:t>- </a:t>
+            </a:r>
+            <a:r>
+              <a:rPr lang="ko-KR" altLang="en-US" dirty="0"/>
+              <a:t>캔버스를 쪼개서 하나 씩</a:t>
+            </a:r>
+            <a:br>
+              <a:rPr lang="en-US" altLang="ko-KR" dirty="0"/>
+            </a:br>
             <a:br>
               <a:rPr lang="en-US" altLang="ko-KR" dirty="0"/>
             </a:br>
@@ -4223,12 +4230,355 @@
           <a:chExt cx="0" cy="0"/>
         </a:xfrm>
       </p:grpSpPr>
+      <p:sp>
+        <p:nvSpPr>
+          <p:cNvPr id="2" name="TextBox 1">
+            <a:extLst>
+              <a:ext uri="{FF2B5EF4-FFF2-40B4-BE49-F238E27FC236}">
+                <a16:creationId xmlns:a16="http://schemas.microsoft.com/office/drawing/2014/main" id="{E7CE649F-28D8-4F73-9E29-FF35777D063A}"/>
+              </a:ext>
+            </a:extLst>
+          </p:cNvPr>
+          <p:cNvSpPr txBox="1"/>
+          <p:nvPr/>
+        </p:nvSpPr>
+        <p:spPr>
+          <a:xfrm>
+            <a:off x="109267" y="151179"/>
+            <a:ext cx="11973465" cy="6555641"/>
+          </a:xfrm>
+          <a:prstGeom prst="rect">
+            <a:avLst/>
+          </a:prstGeom>
+          <a:noFill/>
+        </p:spPr>
+        <p:txBody>
+          <a:bodyPr wrap="square" rtlCol="0">
+            <a:spAutoFit/>
+          </a:bodyPr>
+          <a:lstStyle/>
+          <a:p>
+            <a:r>
+              <a:rPr lang="en-US" altLang="ko-KR" sz="2000" b="1" dirty="0"/>
+              <a:t>4. </a:t>
+            </a:r>
+            <a:r>
+              <a:rPr lang="ko-KR" altLang="en-US" sz="2000" b="1" dirty="0"/>
+              <a:t>경쟁사 분석</a:t>
+            </a:r>
+            <a:endParaRPr lang="en-US" altLang="ko-KR" sz="2000" b="1" dirty="0"/>
+          </a:p>
+          <a:p>
+            <a:r>
+              <a:rPr lang="ko-KR" altLang="en-US" sz="2000" b="1" dirty="0"/>
+              <a:t>경쟁사 </a:t>
+            </a:r>
+            <a:r>
+              <a:rPr lang="en-US" altLang="ko-KR" sz="2000" b="1" dirty="0"/>
+              <a:t>(</a:t>
+            </a:r>
+            <a:r>
+              <a:rPr lang="ko-KR" altLang="en-US" sz="2000" b="1" dirty="0"/>
+              <a:t>이지판매</a:t>
+            </a:r>
+            <a:r>
+              <a:rPr lang="en-US" altLang="ko-KR" sz="2000" b="1" dirty="0"/>
+              <a:t>)</a:t>
+            </a:r>
+          </a:p>
+          <a:p>
+            <a:pPr marL="342900" indent="-342900">
+              <a:buFont typeface="Arial" panose="020B0604020202020204" pitchFamily="34" charset="0"/>
+              <a:buChar char="•"/>
+            </a:pPr>
+            <a:r>
+              <a:rPr lang="ko-KR" altLang="en-US" sz="2000" dirty="0"/>
+              <a:t>초기 비용 발생으로 소규모</a:t>
+            </a:r>
+            <a:r>
+              <a:rPr lang="en-US" altLang="ko-KR" sz="2000" dirty="0"/>
+              <a:t>/</a:t>
+            </a:r>
+            <a:r>
+              <a:rPr lang="ko-KR" altLang="en-US" sz="2000" dirty="0"/>
+              <a:t>개인 사용자의 접근성 낮음</a:t>
+            </a:r>
+          </a:p>
+          <a:p>
+            <a:pPr marL="342900" indent="-342900">
+              <a:buFont typeface="Arial" panose="020B0604020202020204" pitchFamily="34" charset="0"/>
+              <a:buChar char="•"/>
+            </a:pPr>
+            <a:r>
+              <a:rPr lang="en-US" altLang="ko-KR" sz="2000" dirty="0"/>
+              <a:t>(</a:t>
+            </a:r>
+            <a:r>
+              <a:rPr lang="ko-KR" altLang="en-US" sz="2000" dirty="0"/>
+              <a:t>월 </a:t>
+            </a:r>
+            <a:r>
+              <a:rPr lang="en-US" altLang="ko-KR" sz="2000" dirty="0"/>
+              <a:t>44,000/ </a:t>
+            </a:r>
+            <a:r>
+              <a:rPr lang="ko-KR" altLang="en-US" sz="2000" dirty="0"/>
+              <a:t>혹은 최초 </a:t>
+            </a:r>
+            <a:r>
+              <a:rPr lang="en-US" altLang="ko-KR" sz="2000" dirty="0"/>
+              <a:t>275,000~ </a:t>
+            </a:r>
+            <a:r>
+              <a:rPr lang="ko-KR" altLang="en-US" sz="2000" dirty="0"/>
+              <a:t>비용 지불 필요</a:t>
+            </a:r>
+            <a:r>
+              <a:rPr lang="en-US" altLang="ko-KR" sz="2000" dirty="0"/>
+              <a:t>)</a:t>
+            </a:r>
+          </a:p>
+          <a:p>
+            <a:pPr marL="342900" indent="-342900">
+              <a:buFont typeface="Arial" panose="020B0604020202020204" pitchFamily="34" charset="0"/>
+              <a:buChar char="•"/>
+            </a:pPr>
+            <a:r>
+              <a:rPr lang="ko-KR" altLang="en-US" sz="2000" dirty="0"/>
+              <a:t>어플리케이션 형태로 제공하지 않음</a:t>
+            </a:r>
+          </a:p>
+          <a:p>
+            <a:pPr marL="342900" indent="-342900">
+              <a:buFont typeface="Arial" panose="020B0604020202020204" pitchFamily="34" charset="0"/>
+              <a:buChar char="•"/>
+            </a:pPr>
+            <a:r>
+              <a:rPr lang="ko-KR" altLang="en-US" sz="2000" dirty="0"/>
+              <a:t>바코드 스캐너 등 필요</a:t>
+            </a:r>
+          </a:p>
+          <a:p>
+            <a:pPr marL="342900" indent="-342900">
+              <a:buFont typeface="Arial" panose="020B0604020202020204" pitchFamily="34" charset="0"/>
+              <a:buChar char="•"/>
+            </a:pPr>
+            <a:r>
+              <a:rPr lang="ko-KR" altLang="en-US" sz="2000" dirty="0"/>
+              <a:t>사용성 복잡</a:t>
+            </a:r>
+          </a:p>
+          <a:p>
+            <a:endParaRPr lang="en-US" altLang="ko-KR" sz="2000" dirty="0"/>
+          </a:p>
+          <a:p>
+            <a:endParaRPr lang="ko-KR" altLang="en-US" sz="2000" dirty="0"/>
+          </a:p>
+          <a:p>
+            <a:r>
+              <a:rPr lang="ko-KR" altLang="en-US" sz="2000" b="1" dirty="0"/>
+              <a:t>경쟁사 </a:t>
+            </a:r>
+            <a:r>
+              <a:rPr lang="en-US" altLang="ko-KR" sz="2000" b="1" dirty="0"/>
+              <a:t>(</a:t>
+            </a:r>
+            <a:r>
+              <a:rPr lang="ko-KR" altLang="en-US" sz="2000" b="1" dirty="0" err="1"/>
+              <a:t>박스히어로</a:t>
+            </a:r>
+            <a:r>
+              <a:rPr lang="en-US" altLang="ko-KR" sz="2000" b="1" dirty="0"/>
+              <a:t>)</a:t>
+            </a:r>
+          </a:p>
+          <a:p>
+            <a:pPr marL="342900" indent="-342900">
+              <a:buFont typeface="Arial" panose="020B0604020202020204" pitchFamily="34" charset="0"/>
+              <a:buChar char="•"/>
+            </a:pPr>
+            <a:r>
+              <a:rPr lang="ko-KR" altLang="en-US" sz="2000" dirty="0"/>
+              <a:t>외부 사업자 간의 거래 </a:t>
+            </a:r>
+            <a:r>
+              <a:rPr lang="en-US" altLang="ko-KR" sz="2000" dirty="0">
+                <a:sym typeface="Wingdings" panose="05000000000000000000" pitchFamily="2" charset="2"/>
+              </a:rPr>
+              <a:t></a:t>
+            </a:r>
+            <a:r>
+              <a:rPr lang="en-US" altLang="ko-KR" sz="2000" dirty="0"/>
+              <a:t> </a:t>
+            </a:r>
+            <a:r>
+              <a:rPr lang="ko-KR" altLang="en-US" sz="2000" dirty="0"/>
+              <a:t>내부자 간의 대여</a:t>
+            </a:r>
+            <a:endParaRPr lang="en-US" altLang="ko-KR" sz="2000" dirty="0"/>
+          </a:p>
+          <a:p>
+            <a:pPr marL="342900" indent="-342900">
+              <a:buFont typeface="Arial" panose="020B0604020202020204" pitchFamily="34" charset="0"/>
+              <a:buChar char="•"/>
+            </a:pPr>
+            <a:r>
+              <a:rPr lang="ko-KR" altLang="en-US" sz="2000" dirty="0"/>
+              <a:t>입고</a:t>
+            </a:r>
+            <a:r>
+              <a:rPr lang="en-US" altLang="ko-KR" sz="2000" dirty="0"/>
+              <a:t>/</a:t>
+            </a:r>
+            <a:r>
+              <a:rPr lang="ko-KR" altLang="en-US" sz="2000" dirty="0"/>
+              <a:t>출고 형태 </a:t>
+            </a:r>
+            <a:r>
+              <a:rPr lang="en-US" altLang="ko-KR" sz="2000" dirty="0">
+                <a:sym typeface="Wingdings" panose="05000000000000000000" pitchFamily="2" charset="2"/>
+              </a:rPr>
+              <a:t></a:t>
+            </a:r>
+            <a:r>
+              <a:rPr lang="en-US" altLang="ko-KR" sz="2000" dirty="0"/>
+              <a:t> </a:t>
+            </a:r>
+            <a:r>
+              <a:rPr lang="ko-KR" altLang="en-US" sz="2000" dirty="0"/>
+              <a:t>대여</a:t>
+            </a:r>
+            <a:r>
+              <a:rPr lang="en-US" altLang="ko-KR" sz="2000" dirty="0"/>
+              <a:t>/</a:t>
+            </a:r>
+            <a:r>
+              <a:rPr lang="ko-KR" altLang="en-US" sz="2000" dirty="0"/>
+              <a:t>반납 형태</a:t>
+            </a:r>
+            <a:endParaRPr lang="en-US" altLang="ko-KR" sz="2000" dirty="0"/>
+          </a:p>
+          <a:p>
+            <a:pPr marL="342900" indent="-342900">
+              <a:buFont typeface="Arial" panose="020B0604020202020204" pitchFamily="34" charset="0"/>
+              <a:buChar char="•"/>
+            </a:pPr>
+            <a:r>
+              <a:rPr lang="en-US" altLang="ko-KR" sz="2000" dirty="0"/>
+              <a:t>=&gt; </a:t>
+            </a:r>
+            <a:r>
+              <a:rPr lang="ko-KR" altLang="en-US" sz="2000" dirty="0"/>
+              <a:t>사용 목적의 대상자의 차이</a:t>
+            </a:r>
+            <a:endParaRPr lang="en-US" altLang="ko-KR" sz="2000" dirty="0"/>
+          </a:p>
+          <a:p>
+            <a:endParaRPr lang="en-US" altLang="ko-KR" sz="2000" dirty="0"/>
+          </a:p>
+          <a:p>
+            <a:endParaRPr lang="en-US" altLang="ko-KR" sz="2000" dirty="0"/>
+          </a:p>
+          <a:p>
+            <a:r>
+              <a:rPr lang="ko-KR" altLang="en-US" sz="2000" b="1" dirty="0"/>
+              <a:t>우리</a:t>
+            </a:r>
+          </a:p>
+          <a:p>
+            <a:pPr marL="342900" indent="-342900">
+              <a:buFont typeface="Arial" panose="020B0604020202020204" pitchFamily="34" charset="0"/>
+              <a:buChar char="•"/>
+            </a:pPr>
+            <a:r>
+              <a:rPr lang="ko-KR" altLang="en-US" sz="2000" dirty="0"/>
+              <a:t>비용 최소화 목표</a:t>
+            </a:r>
+          </a:p>
+          <a:p>
+            <a:pPr marL="342900" indent="-342900">
+              <a:buFont typeface="Arial" panose="020B0604020202020204" pitchFamily="34" charset="0"/>
+              <a:buChar char="•"/>
+            </a:pPr>
+            <a:r>
+              <a:rPr lang="ko-KR" altLang="en-US" sz="2000" dirty="0"/>
+              <a:t>개인</a:t>
+            </a:r>
+            <a:r>
+              <a:rPr lang="en-US" altLang="ko-KR" sz="2000" dirty="0"/>
+              <a:t>/</a:t>
+            </a:r>
+            <a:r>
+              <a:rPr lang="ko-KR" altLang="en-US" sz="2000" dirty="0"/>
+              <a:t>소규모 단체의 전용 물품 관리 편의에 초점 </a:t>
+            </a:r>
+            <a:r>
+              <a:rPr lang="en-US" altLang="ko-KR" sz="2000" dirty="0"/>
+              <a:t>(</a:t>
+            </a:r>
+            <a:r>
+              <a:rPr lang="ko-KR" altLang="en-US" sz="2000" dirty="0"/>
+              <a:t>접근 편의성 강조</a:t>
+            </a:r>
+            <a:r>
+              <a:rPr lang="en-US" altLang="ko-KR" sz="2000" dirty="0"/>
+              <a:t>)</a:t>
+            </a:r>
+          </a:p>
+          <a:p>
+            <a:pPr marL="342900" indent="-342900">
+              <a:buFont typeface="Arial" panose="020B0604020202020204" pitchFamily="34" charset="0"/>
+              <a:buChar char="•"/>
+            </a:pPr>
+            <a:r>
+              <a:rPr lang="ko-KR" altLang="en-US" sz="2000" dirty="0"/>
+              <a:t>어플리케이션 형태로 제공</a:t>
+            </a:r>
+            <a:r>
+              <a:rPr lang="en-US" altLang="ko-KR" sz="2000" dirty="0"/>
+              <a:t>, </a:t>
+            </a:r>
+            <a:r>
+              <a:rPr lang="ko-KR" altLang="en-US" sz="2000" dirty="0"/>
+              <a:t>대여</a:t>
+            </a:r>
+            <a:r>
+              <a:rPr lang="en-US" altLang="ko-KR" sz="2000" dirty="0"/>
+              <a:t>/</a:t>
+            </a:r>
+            <a:r>
+              <a:rPr lang="ko-KR" altLang="en-US" sz="2000" dirty="0"/>
+              <a:t>반납에 초점</a:t>
+            </a:r>
+          </a:p>
+          <a:p>
+            <a:pPr marL="342900" indent="-342900">
+              <a:buFont typeface="Arial" panose="020B0604020202020204" pitchFamily="34" charset="0"/>
+              <a:buChar char="•"/>
+            </a:pPr>
+            <a:r>
+              <a:rPr lang="ko-KR" altLang="en-US" sz="2000" dirty="0"/>
+              <a:t>스마트폰 카메라 활용</a:t>
+            </a:r>
+          </a:p>
+          <a:p>
+            <a:pPr marL="342900" indent="-342900">
+              <a:buFont typeface="Arial" panose="020B0604020202020204" pitchFamily="34" charset="0"/>
+              <a:buChar char="•"/>
+            </a:pPr>
+            <a:r>
+              <a:rPr lang="ko-KR" altLang="en-US" sz="2000" dirty="0"/>
+              <a:t>사용성 간편</a:t>
+            </a:r>
+          </a:p>
+        </p:txBody>
+      </p:sp>
       <p:pic>
         <p:nvPicPr>
-          <p:cNvPr id="3" name="그림 2">
-            <a:extLst>
-              <a:ext uri="{FF2B5EF4-FFF2-40B4-BE49-F238E27FC236}">
-                <a16:creationId xmlns:a16="http://schemas.microsoft.com/office/drawing/2014/main" id="{4C229E95-FD56-41AA-9D89-8CA460660A05}"/>
+          <p:cNvPr id="4" name="그림 3">
+            <a:extLst>
+              <a:ext uri="{FF2B5EF4-FFF2-40B4-BE49-F238E27FC236}">
+                <a16:creationId xmlns:a16="http://schemas.microsoft.com/office/drawing/2014/main" id="{D07B0081-A2BF-42CC-9F8F-2575FEB20898}"/>
               </a:ext>
             </a:extLst>
           </p:cNvPr>
@@ -4245,8 +4595,8 @@
         </p:blipFill>
         <p:spPr>
           <a:xfrm>
-            <a:off x="261937" y="347662"/>
-            <a:ext cx="11668125" cy="6162675"/>
+            <a:off x="8471573" y="1696925"/>
+            <a:ext cx="3611159" cy="3261360"/>
           </a:xfrm>
           <a:prstGeom prst="rect">
             <a:avLst/>
@@ -4256,7 +4606,7 @@
     </p:spTree>
     <p:extLst>
       <p:ext uri="{BB962C8B-B14F-4D97-AF65-F5344CB8AC3E}">
-        <p14:creationId xmlns:p14="http://schemas.microsoft.com/office/powerpoint/2010/main" val="2141911129"/>
+        <p14:creationId xmlns:p14="http://schemas.microsoft.com/office/powerpoint/2010/main" val="1086676814"/>
       </p:ext>
     </p:extLst>
   </p:cSld>
@@ -4283,355 +4633,12 @@
           <a:chExt cx="0" cy="0"/>
         </a:xfrm>
       </p:grpSpPr>
-      <p:sp>
-        <p:nvSpPr>
-          <p:cNvPr id="2" name="TextBox 1">
-            <a:extLst>
-              <a:ext uri="{FF2B5EF4-FFF2-40B4-BE49-F238E27FC236}">
-                <a16:creationId xmlns:a16="http://schemas.microsoft.com/office/drawing/2014/main" id="{E7CE649F-28D8-4F73-9E29-FF35777D063A}"/>
-              </a:ext>
-            </a:extLst>
-          </p:cNvPr>
-          <p:cNvSpPr txBox="1"/>
-          <p:nvPr/>
-        </p:nvSpPr>
-        <p:spPr>
-          <a:xfrm>
-            <a:off x="109267" y="151179"/>
-            <a:ext cx="11973465" cy="6555641"/>
-          </a:xfrm>
-          <a:prstGeom prst="rect">
-            <a:avLst/>
-          </a:prstGeom>
-          <a:noFill/>
-        </p:spPr>
-        <p:txBody>
-          <a:bodyPr wrap="square" rtlCol="0">
-            <a:spAutoFit/>
-          </a:bodyPr>
-          <a:lstStyle/>
-          <a:p>
-            <a:r>
-              <a:rPr lang="en-US" altLang="ko-KR" sz="2000" b="1"/>
-              <a:t>5. </a:t>
-            </a:r>
-            <a:r>
-              <a:rPr lang="ko-KR" altLang="en-US" sz="2000" b="1" dirty="0"/>
-              <a:t>경쟁사 분석</a:t>
-            </a:r>
-            <a:endParaRPr lang="en-US" altLang="ko-KR" sz="2000" b="1" dirty="0"/>
-          </a:p>
-          <a:p>
-            <a:r>
-              <a:rPr lang="ko-KR" altLang="en-US" sz="2000" b="1" dirty="0"/>
-              <a:t>경쟁사 </a:t>
-            </a:r>
-            <a:r>
-              <a:rPr lang="en-US" altLang="ko-KR" sz="2000" b="1" dirty="0"/>
-              <a:t>(</a:t>
-            </a:r>
-            <a:r>
-              <a:rPr lang="ko-KR" altLang="en-US" sz="2000" b="1" dirty="0"/>
-              <a:t>이지판매</a:t>
-            </a:r>
-            <a:r>
-              <a:rPr lang="en-US" altLang="ko-KR" sz="2000" b="1" dirty="0"/>
-              <a:t>)</a:t>
-            </a:r>
-          </a:p>
-          <a:p>
-            <a:pPr marL="342900" indent="-342900">
-              <a:buFont typeface="Arial" panose="020B0604020202020204" pitchFamily="34" charset="0"/>
-              <a:buChar char="•"/>
-            </a:pPr>
-            <a:r>
-              <a:rPr lang="ko-KR" altLang="en-US" sz="2000" dirty="0"/>
-              <a:t>초기 비용 발생으로 소규모</a:t>
-            </a:r>
-            <a:r>
-              <a:rPr lang="en-US" altLang="ko-KR" sz="2000" dirty="0"/>
-              <a:t>/</a:t>
-            </a:r>
-            <a:r>
-              <a:rPr lang="ko-KR" altLang="en-US" sz="2000" dirty="0"/>
-              <a:t>개인 사용자의 접근성 낮음</a:t>
-            </a:r>
-          </a:p>
-          <a:p>
-            <a:pPr marL="342900" indent="-342900">
-              <a:buFont typeface="Arial" panose="020B0604020202020204" pitchFamily="34" charset="0"/>
-              <a:buChar char="•"/>
-            </a:pPr>
-            <a:r>
-              <a:rPr lang="en-US" altLang="ko-KR" sz="2000" dirty="0"/>
-              <a:t>(</a:t>
-            </a:r>
-            <a:r>
-              <a:rPr lang="ko-KR" altLang="en-US" sz="2000" dirty="0"/>
-              <a:t>월 </a:t>
-            </a:r>
-            <a:r>
-              <a:rPr lang="en-US" altLang="ko-KR" sz="2000" dirty="0"/>
-              <a:t>44,000/ </a:t>
-            </a:r>
-            <a:r>
-              <a:rPr lang="ko-KR" altLang="en-US" sz="2000" dirty="0"/>
-              <a:t>혹은 최초 </a:t>
-            </a:r>
-            <a:r>
-              <a:rPr lang="en-US" altLang="ko-KR" sz="2000" dirty="0"/>
-              <a:t>275,000~ </a:t>
-            </a:r>
-            <a:r>
-              <a:rPr lang="ko-KR" altLang="en-US" sz="2000" dirty="0"/>
-              <a:t>비용 지불 필요</a:t>
-            </a:r>
-            <a:r>
-              <a:rPr lang="en-US" altLang="ko-KR" sz="2000" dirty="0"/>
-              <a:t>)</a:t>
-            </a:r>
-          </a:p>
-          <a:p>
-            <a:pPr marL="342900" indent="-342900">
-              <a:buFont typeface="Arial" panose="020B0604020202020204" pitchFamily="34" charset="0"/>
-              <a:buChar char="•"/>
-            </a:pPr>
-            <a:r>
-              <a:rPr lang="ko-KR" altLang="en-US" sz="2000" dirty="0"/>
-              <a:t>어플리케이션 형태로 제공하지 않음</a:t>
-            </a:r>
-          </a:p>
-          <a:p>
-            <a:pPr marL="342900" indent="-342900">
-              <a:buFont typeface="Arial" panose="020B0604020202020204" pitchFamily="34" charset="0"/>
-              <a:buChar char="•"/>
-            </a:pPr>
-            <a:r>
-              <a:rPr lang="ko-KR" altLang="en-US" sz="2000" dirty="0"/>
-              <a:t>바코드 스캐너 등 필요</a:t>
-            </a:r>
-          </a:p>
-          <a:p>
-            <a:pPr marL="342900" indent="-342900">
-              <a:buFont typeface="Arial" panose="020B0604020202020204" pitchFamily="34" charset="0"/>
-              <a:buChar char="•"/>
-            </a:pPr>
-            <a:r>
-              <a:rPr lang="ko-KR" altLang="en-US" sz="2000" dirty="0"/>
-              <a:t>사용성 복잡</a:t>
-            </a:r>
-          </a:p>
-          <a:p>
-            <a:endParaRPr lang="en-US" altLang="ko-KR" sz="2000" dirty="0"/>
-          </a:p>
-          <a:p>
-            <a:endParaRPr lang="ko-KR" altLang="en-US" sz="2000" dirty="0"/>
-          </a:p>
-          <a:p>
-            <a:r>
-              <a:rPr lang="ko-KR" altLang="en-US" sz="2000" b="1" dirty="0"/>
-              <a:t>경쟁사 </a:t>
-            </a:r>
-            <a:r>
-              <a:rPr lang="en-US" altLang="ko-KR" sz="2000" b="1" dirty="0"/>
-              <a:t>(</a:t>
-            </a:r>
-            <a:r>
-              <a:rPr lang="ko-KR" altLang="en-US" sz="2000" b="1" dirty="0" err="1"/>
-              <a:t>박스히어로</a:t>
-            </a:r>
-            <a:r>
-              <a:rPr lang="en-US" altLang="ko-KR" sz="2000" b="1" dirty="0"/>
-              <a:t>)</a:t>
-            </a:r>
-          </a:p>
-          <a:p>
-            <a:pPr marL="342900" indent="-342900">
-              <a:buFont typeface="Arial" panose="020B0604020202020204" pitchFamily="34" charset="0"/>
-              <a:buChar char="•"/>
-            </a:pPr>
-            <a:r>
-              <a:rPr lang="ko-KR" altLang="en-US" sz="2000" dirty="0"/>
-              <a:t>외부 사업자 간의 거래 </a:t>
-            </a:r>
-            <a:r>
-              <a:rPr lang="en-US" altLang="ko-KR" sz="2000" dirty="0">
-                <a:sym typeface="Wingdings" panose="05000000000000000000" pitchFamily="2" charset="2"/>
-              </a:rPr>
-              <a:t></a:t>
-            </a:r>
-            <a:r>
-              <a:rPr lang="en-US" altLang="ko-KR" sz="2000" dirty="0"/>
-              <a:t> </a:t>
-            </a:r>
-            <a:r>
-              <a:rPr lang="ko-KR" altLang="en-US" sz="2000" dirty="0"/>
-              <a:t>내부자 간의 대여</a:t>
-            </a:r>
-            <a:endParaRPr lang="en-US" altLang="ko-KR" sz="2000" dirty="0"/>
-          </a:p>
-          <a:p>
-            <a:pPr marL="342900" indent="-342900">
-              <a:buFont typeface="Arial" panose="020B0604020202020204" pitchFamily="34" charset="0"/>
-              <a:buChar char="•"/>
-            </a:pPr>
-            <a:r>
-              <a:rPr lang="ko-KR" altLang="en-US" sz="2000" dirty="0"/>
-              <a:t>입고</a:t>
-            </a:r>
-            <a:r>
-              <a:rPr lang="en-US" altLang="ko-KR" sz="2000" dirty="0"/>
-              <a:t>/</a:t>
-            </a:r>
-            <a:r>
-              <a:rPr lang="ko-KR" altLang="en-US" sz="2000" dirty="0"/>
-              <a:t>출고 형태 </a:t>
-            </a:r>
-            <a:r>
-              <a:rPr lang="en-US" altLang="ko-KR" sz="2000" dirty="0">
-                <a:sym typeface="Wingdings" panose="05000000000000000000" pitchFamily="2" charset="2"/>
-              </a:rPr>
-              <a:t></a:t>
-            </a:r>
-            <a:r>
-              <a:rPr lang="en-US" altLang="ko-KR" sz="2000" dirty="0"/>
-              <a:t> </a:t>
-            </a:r>
-            <a:r>
-              <a:rPr lang="ko-KR" altLang="en-US" sz="2000" dirty="0"/>
-              <a:t>대여</a:t>
-            </a:r>
-            <a:r>
-              <a:rPr lang="en-US" altLang="ko-KR" sz="2000" dirty="0"/>
-              <a:t>/</a:t>
-            </a:r>
-            <a:r>
-              <a:rPr lang="ko-KR" altLang="en-US" sz="2000" dirty="0"/>
-              <a:t>반납 형태</a:t>
-            </a:r>
-            <a:endParaRPr lang="en-US" altLang="ko-KR" sz="2000" dirty="0"/>
-          </a:p>
-          <a:p>
-            <a:pPr marL="342900" indent="-342900">
-              <a:buFont typeface="Arial" panose="020B0604020202020204" pitchFamily="34" charset="0"/>
-              <a:buChar char="•"/>
-            </a:pPr>
-            <a:r>
-              <a:rPr lang="en-US" altLang="ko-KR" sz="2000" dirty="0"/>
-              <a:t>=&gt; </a:t>
-            </a:r>
-            <a:r>
-              <a:rPr lang="ko-KR" altLang="en-US" sz="2000" dirty="0"/>
-              <a:t>사용 목적의 대상자의 차이</a:t>
-            </a:r>
-            <a:endParaRPr lang="en-US" altLang="ko-KR" sz="2000" dirty="0"/>
-          </a:p>
-          <a:p>
-            <a:endParaRPr lang="en-US" altLang="ko-KR" sz="2000" dirty="0"/>
-          </a:p>
-          <a:p>
-            <a:endParaRPr lang="en-US" altLang="ko-KR" sz="2000" dirty="0"/>
-          </a:p>
-          <a:p>
-            <a:r>
-              <a:rPr lang="ko-KR" altLang="en-US" sz="2000" b="1" dirty="0"/>
-              <a:t>우리</a:t>
-            </a:r>
-          </a:p>
-          <a:p>
-            <a:pPr marL="342900" indent="-342900">
-              <a:buFont typeface="Arial" panose="020B0604020202020204" pitchFamily="34" charset="0"/>
-              <a:buChar char="•"/>
-            </a:pPr>
-            <a:r>
-              <a:rPr lang="ko-KR" altLang="en-US" sz="2000" dirty="0"/>
-              <a:t>비용 최소화 목표</a:t>
-            </a:r>
-          </a:p>
-          <a:p>
-            <a:pPr marL="342900" indent="-342900">
-              <a:buFont typeface="Arial" panose="020B0604020202020204" pitchFamily="34" charset="0"/>
-              <a:buChar char="•"/>
-            </a:pPr>
-            <a:r>
-              <a:rPr lang="ko-KR" altLang="en-US" sz="2000" dirty="0"/>
-              <a:t>개인</a:t>
-            </a:r>
-            <a:r>
-              <a:rPr lang="en-US" altLang="ko-KR" sz="2000" dirty="0"/>
-              <a:t>/</a:t>
-            </a:r>
-            <a:r>
-              <a:rPr lang="ko-KR" altLang="en-US" sz="2000" dirty="0"/>
-              <a:t>소규모 단체의 전용 물품 관리 편의에 초점 </a:t>
-            </a:r>
-            <a:r>
-              <a:rPr lang="en-US" altLang="ko-KR" sz="2000" dirty="0"/>
-              <a:t>(</a:t>
-            </a:r>
-            <a:r>
-              <a:rPr lang="ko-KR" altLang="en-US" sz="2000" dirty="0"/>
-              <a:t>접근 편의성 강조</a:t>
-            </a:r>
-            <a:r>
-              <a:rPr lang="en-US" altLang="ko-KR" sz="2000" dirty="0"/>
-              <a:t>)</a:t>
-            </a:r>
-          </a:p>
-          <a:p>
-            <a:pPr marL="342900" indent="-342900">
-              <a:buFont typeface="Arial" panose="020B0604020202020204" pitchFamily="34" charset="0"/>
-              <a:buChar char="•"/>
-            </a:pPr>
-            <a:r>
-              <a:rPr lang="ko-KR" altLang="en-US" sz="2000" dirty="0"/>
-              <a:t>어플리케이션 형태로 제공</a:t>
-            </a:r>
-            <a:r>
-              <a:rPr lang="en-US" altLang="ko-KR" sz="2000" dirty="0"/>
-              <a:t>, </a:t>
-            </a:r>
-            <a:r>
-              <a:rPr lang="ko-KR" altLang="en-US" sz="2000" dirty="0"/>
-              <a:t>대여</a:t>
-            </a:r>
-            <a:r>
-              <a:rPr lang="en-US" altLang="ko-KR" sz="2000" dirty="0"/>
-              <a:t>/</a:t>
-            </a:r>
-            <a:r>
-              <a:rPr lang="ko-KR" altLang="en-US" sz="2000" dirty="0"/>
-              <a:t>반납에 초점</a:t>
-            </a:r>
-          </a:p>
-          <a:p>
-            <a:pPr marL="342900" indent="-342900">
-              <a:buFont typeface="Arial" panose="020B0604020202020204" pitchFamily="34" charset="0"/>
-              <a:buChar char="•"/>
-            </a:pPr>
-            <a:r>
-              <a:rPr lang="ko-KR" altLang="en-US" sz="2000" dirty="0"/>
-              <a:t>스마트폰 카메라 활용</a:t>
-            </a:r>
-          </a:p>
-          <a:p>
-            <a:pPr marL="342900" indent="-342900">
-              <a:buFont typeface="Arial" panose="020B0604020202020204" pitchFamily="34" charset="0"/>
-              <a:buChar char="•"/>
-            </a:pPr>
-            <a:r>
-              <a:rPr lang="ko-KR" altLang="en-US" sz="2000" dirty="0"/>
-              <a:t>사용성 간편</a:t>
-            </a:r>
-          </a:p>
-        </p:txBody>
-      </p:sp>
       <p:pic>
         <p:nvPicPr>
-          <p:cNvPr id="4" name="그림 3">
-            <a:extLst>
-              <a:ext uri="{FF2B5EF4-FFF2-40B4-BE49-F238E27FC236}">
-                <a16:creationId xmlns:a16="http://schemas.microsoft.com/office/drawing/2014/main" id="{D07B0081-A2BF-42CC-9F8F-2575FEB20898}"/>
+          <p:cNvPr id="3" name="그림 2">
+            <a:extLst>
+              <a:ext uri="{FF2B5EF4-FFF2-40B4-BE49-F238E27FC236}">
+                <a16:creationId xmlns:a16="http://schemas.microsoft.com/office/drawing/2014/main" id="{4C229E95-FD56-41AA-9D89-8CA460660A05}"/>
               </a:ext>
             </a:extLst>
           </p:cNvPr>
@@ -4648,8 +4655,8 @@
         </p:blipFill>
         <p:spPr>
           <a:xfrm>
-            <a:off x="8471573" y="1696925"/>
-            <a:ext cx="3611159" cy="3261360"/>
+            <a:off x="261937" y="347662"/>
+            <a:ext cx="11668125" cy="6162675"/>
           </a:xfrm>
           <a:prstGeom prst="rect">
             <a:avLst/>
@@ -4659,7 +4666,7 @@
     </p:spTree>
     <p:extLst>
       <p:ext uri="{BB962C8B-B14F-4D97-AF65-F5344CB8AC3E}">
-        <p14:creationId xmlns:p14="http://schemas.microsoft.com/office/powerpoint/2010/main" val="1086676814"/>
+        <p14:creationId xmlns:p14="http://schemas.microsoft.com/office/powerpoint/2010/main" val="2141911129"/>
       </p:ext>
     </p:extLst>
   </p:cSld>

--- a/중간발표/중간발표(초안계획).pptx
+++ b/중간발표/중간발표(초안계획).pptx
@@ -4,12 +4,22 @@
   <p:sldMasterIdLst>
     <p:sldMasterId id="2147483648" r:id="rId1"/>
   </p:sldMasterIdLst>
+  <p:notesMasterIdLst>
+    <p:notesMasterId r:id="rId14"/>
+  </p:notesMasterIdLst>
   <p:sldIdLst>
     <p:sldId id="256" r:id="rId2"/>
-    <p:sldId id="257" r:id="rId3"/>
-    <p:sldId id="258" r:id="rId4"/>
-    <p:sldId id="259" r:id="rId5"/>
-    <p:sldId id="260" r:id="rId6"/>
+    <p:sldId id="261" r:id="rId3"/>
+    <p:sldId id="262" r:id="rId4"/>
+    <p:sldId id="257" r:id="rId5"/>
+    <p:sldId id="263" r:id="rId6"/>
+    <p:sldId id="264" r:id="rId7"/>
+    <p:sldId id="295" r:id="rId8"/>
+    <p:sldId id="258" r:id="rId9"/>
+    <p:sldId id="259" r:id="rId10"/>
+    <p:sldId id="260" r:id="rId11"/>
+    <p:sldId id="265" r:id="rId12"/>
+    <p:sldId id="266" r:id="rId13"/>
   </p:sldIdLst>
   <p:sldSz cx="12192000" cy="6858000"/>
   <p:notesSz cx="6858000" cy="9144000"/>
@@ -116,6 +126,355 @@
 </p:presentation>
 </file>
 
+<file path=ppt/notesMasters/notesMaster1.xml><?xml version="1.0" encoding="utf-8"?>
+<p:notesMaster xmlns:a="http://schemas.openxmlformats.org/drawingml/2006/main" xmlns:r="http://schemas.openxmlformats.org/officeDocument/2006/relationships" xmlns:p="http://schemas.openxmlformats.org/presentationml/2006/main">
+  <p:cSld>
+    <p:bg>
+      <p:bgRef idx="1001">
+        <a:schemeClr val="bg1"/>
+      </p:bgRef>
+    </p:bg>
+    <p:spTree>
+      <p:nvGrpSpPr>
+        <p:cNvPr id="1" name=""/>
+        <p:cNvGrpSpPr/>
+        <p:nvPr/>
+      </p:nvGrpSpPr>
+      <p:grpSpPr>
+        <a:xfrm>
+          <a:off x="0" y="0"/>
+          <a:ext cx="0" cy="0"/>
+          <a:chOff x="0" y="0"/>
+          <a:chExt cx="0" cy="0"/>
+        </a:xfrm>
+      </p:grpSpPr>
+      <p:sp>
+        <p:nvSpPr>
+          <p:cNvPr id="2" name="머리글 개체 틀 1"/>
+          <p:cNvSpPr>
+            <a:spLocks noGrp="1"/>
+          </p:cNvSpPr>
+          <p:nvPr>
+            <p:ph type="hdr" sz="quarter"/>
+          </p:nvPr>
+        </p:nvSpPr>
+        <p:spPr>
+          <a:xfrm>
+            <a:off x="0" y="0"/>
+            <a:ext cx="2971800" cy="458788"/>
+          </a:xfrm>
+          <a:prstGeom prst="rect">
+            <a:avLst/>
+          </a:prstGeom>
+        </p:spPr>
+        <p:txBody>
+          <a:bodyPr vert="horz" lIns="91440" tIns="45720" rIns="91440" bIns="45720" rtlCol="0"/>
+          <a:lstStyle>
+            <a:lvl1pPr algn="l">
+              <a:defRPr sz="1200"/>
+            </a:lvl1pPr>
+          </a:lstStyle>
+          <a:p>
+            <a:endParaRPr lang="ko-KR" altLang="en-US"/>
+          </a:p>
+        </p:txBody>
+      </p:sp>
+      <p:sp>
+        <p:nvSpPr>
+          <p:cNvPr id="3" name="날짜 개체 틀 2"/>
+          <p:cNvSpPr>
+            <a:spLocks noGrp="1"/>
+          </p:cNvSpPr>
+          <p:nvPr>
+            <p:ph type="dt" idx="1"/>
+          </p:nvPr>
+        </p:nvSpPr>
+        <p:spPr>
+          <a:xfrm>
+            <a:off x="3884613" y="0"/>
+            <a:ext cx="2971800" cy="458788"/>
+          </a:xfrm>
+          <a:prstGeom prst="rect">
+            <a:avLst/>
+          </a:prstGeom>
+        </p:spPr>
+        <p:txBody>
+          <a:bodyPr vert="horz" lIns="91440" tIns="45720" rIns="91440" bIns="45720" rtlCol="0"/>
+          <a:lstStyle>
+            <a:lvl1pPr algn="r">
+              <a:defRPr sz="1200"/>
+            </a:lvl1pPr>
+          </a:lstStyle>
+          <a:p>
+            <a:fld id="{34A4EF5D-E802-4EB2-A040-90C51EE9D500}" type="datetimeFigureOut">
+              <a:rPr lang="ko-KR" altLang="en-US" smtClean="0"/>
+              <a:t>2022-04-15</a:t>
+            </a:fld>
+            <a:endParaRPr lang="ko-KR" altLang="en-US"/>
+          </a:p>
+        </p:txBody>
+      </p:sp>
+      <p:sp>
+        <p:nvSpPr>
+          <p:cNvPr id="4" name="슬라이드 이미지 개체 틀 3"/>
+          <p:cNvSpPr>
+            <a:spLocks noGrp="1" noRot="1" noChangeAspect="1"/>
+          </p:cNvSpPr>
+          <p:nvPr>
+            <p:ph type="sldImg" idx="2"/>
+          </p:nvPr>
+        </p:nvSpPr>
+        <p:spPr>
+          <a:xfrm>
+            <a:off x="685800" y="1143000"/>
+            <a:ext cx="5486400" cy="3086100"/>
+          </a:xfrm>
+          <a:prstGeom prst="rect">
+            <a:avLst/>
+          </a:prstGeom>
+          <a:noFill/>
+          <a:ln w="12700">
+            <a:solidFill>
+              <a:prstClr val="black"/>
+            </a:solidFill>
+          </a:ln>
+        </p:spPr>
+        <p:txBody>
+          <a:bodyPr vert="horz" lIns="91440" tIns="45720" rIns="91440" bIns="45720" rtlCol="0" anchor="ctr"/>
+          <a:lstStyle/>
+          <a:p>
+            <a:endParaRPr lang="ko-KR" altLang="en-US"/>
+          </a:p>
+        </p:txBody>
+      </p:sp>
+      <p:sp>
+        <p:nvSpPr>
+          <p:cNvPr id="5" name="슬라이드 노트 개체 틀 4"/>
+          <p:cNvSpPr>
+            <a:spLocks noGrp="1"/>
+          </p:cNvSpPr>
+          <p:nvPr>
+            <p:ph type="body" sz="quarter" idx="3"/>
+          </p:nvPr>
+        </p:nvSpPr>
+        <p:spPr>
+          <a:xfrm>
+            <a:off x="685800" y="4400550"/>
+            <a:ext cx="5486400" cy="3600450"/>
+          </a:xfrm>
+          <a:prstGeom prst="rect">
+            <a:avLst/>
+          </a:prstGeom>
+        </p:spPr>
+        <p:txBody>
+          <a:bodyPr vert="horz" lIns="91440" tIns="45720" rIns="91440" bIns="45720" rtlCol="0"/>
+          <a:lstStyle/>
+          <a:p>
+            <a:pPr lvl="0"/>
+            <a:r>
+              <a:rPr lang="ko-KR" altLang="en-US"/>
+              <a:t>마스터 텍스트 스타일을 편집하려면 클릭</a:t>
+            </a:r>
+          </a:p>
+          <a:p>
+            <a:pPr lvl="1"/>
+            <a:r>
+              <a:rPr lang="ko-KR" altLang="en-US"/>
+              <a:t>두 번째 수준</a:t>
+            </a:r>
+          </a:p>
+          <a:p>
+            <a:pPr lvl="2"/>
+            <a:r>
+              <a:rPr lang="ko-KR" altLang="en-US"/>
+              <a:t>세 번째 수준</a:t>
+            </a:r>
+          </a:p>
+          <a:p>
+            <a:pPr lvl="3"/>
+            <a:r>
+              <a:rPr lang="ko-KR" altLang="en-US"/>
+              <a:t>네 번째 수준</a:t>
+            </a:r>
+          </a:p>
+          <a:p>
+            <a:pPr lvl="4"/>
+            <a:r>
+              <a:rPr lang="ko-KR" altLang="en-US"/>
+              <a:t>다섯 번째 수준</a:t>
+            </a:r>
+          </a:p>
+        </p:txBody>
+      </p:sp>
+      <p:sp>
+        <p:nvSpPr>
+          <p:cNvPr id="6" name="바닥글 개체 틀 5"/>
+          <p:cNvSpPr>
+            <a:spLocks noGrp="1"/>
+          </p:cNvSpPr>
+          <p:nvPr>
+            <p:ph type="ftr" sz="quarter" idx="4"/>
+          </p:nvPr>
+        </p:nvSpPr>
+        <p:spPr>
+          <a:xfrm>
+            <a:off x="0" y="8685213"/>
+            <a:ext cx="2971800" cy="458787"/>
+          </a:xfrm>
+          <a:prstGeom prst="rect">
+            <a:avLst/>
+          </a:prstGeom>
+        </p:spPr>
+        <p:txBody>
+          <a:bodyPr vert="horz" lIns="91440" tIns="45720" rIns="91440" bIns="45720" rtlCol="0" anchor="b"/>
+          <a:lstStyle>
+            <a:lvl1pPr algn="l">
+              <a:defRPr sz="1200"/>
+            </a:lvl1pPr>
+          </a:lstStyle>
+          <a:p>
+            <a:endParaRPr lang="ko-KR" altLang="en-US"/>
+          </a:p>
+        </p:txBody>
+      </p:sp>
+      <p:sp>
+        <p:nvSpPr>
+          <p:cNvPr id="7" name="슬라이드 번호 개체 틀 6"/>
+          <p:cNvSpPr>
+            <a:spLocks noGrp="1"/>
+          </p:cNvSpPr>
+          <p:nvPr>
+            <p:ph type="sldNum" sz="quarter" idx="5"/>
+          </p:nvPr>
+        </p:nvSpPr>
+        <p:spPr>
+          <a:xfrm>
+            <a:off x="3884613" y="8685213"/>
+            <a:ext cx="2971800" cy="458787"/>
+          </a:xfrm>
+          <a:prstGeom prst="rect">
+            <a:avLst/>
+          </a:prstGeom>
+        </p:spPr>
+        <p:txBody>
+          <a:bodyPr vert="horz" lIns="91440" tIns="45720" rIns="91440" bIns="45720" rtlCol="0" anchor="b"/>
+          <a:lstStyle>
+            <a:lvl1pPr algn="r">
+              <a:defRPr sz="1200"/>
+            </a:lvl1pPr>
+          </a:lstStyle>
+          <a:p>
+            <a:fld id="{B2D3E0B4-E9A8-4D46-AB58-1C2EFE61FAEF}" type="slidenum">
+              <a:rPr lang="ko-KR" altLang="en-US" smtClean="0"/>
+              <a:t>‹#›</a:t>
+            </a:fld>
+            <a:endParaRPr lang="ko-KR" altLang="en-US"/>
+          </a:p>
+        </p:txBody>
+      </p:sp>
+    </p:spTree>
+    <p:extLst>
+      <p:ext uri="{BB962C8B-B14F-4D97-AF65-F5344CB8AC3E}">
+        <p14:creationId xmlns:p14="http://schemas.microsoft.com/office/powerpoint/2010/main" val="148179160"/>
+      </p:ext>
+    </p:extLst>
+  </p:cSld>
+  <p:clrMap bg1="lt1" tx1="dk1" bg2="lt2" tx2="dk2" accent1="accent1" accent2="accent2" accent3="accent3" accent4="accent4" accent5="accent5" accent6="accent6" hlink="hlink" folHlink="folHlink"/>
+  <p:notesStyle>
+    <a:lvl1pPr marL="0" algn="l" defTabSz="914400" rtl="0" eaLnBrk="1" latinLnBrk="1" hangingPunct="1">
+      <a:defRPr sz="1200" kern="1200">
+        <a:solidFill>
+          <a:schemeClr val="tx1"/>
+        </a:solidFill>
+        <a:latin typeface="+mn-lt"/>
+        <a:ea typeface="+mn-ea"/>
+        <a:cs typeface="+mn-cs"/>
+      </a:defRPr>
+    </a:lvl1pPr>
+    <a:lvl2pPr marL="457200" algn="l" defTabSz="914400" rtl="0" eaLnBrk="1" latinLnBrk="1" hangingPunct="1">
+      <a:defRPr sz="1200" kern="1200">
+        <a:solidFill>
+          <a:schemeClr val="tx1"/>
+        </a:solidFill>
+        <a:latin typeface="+mn-lt"/>
+        <a:ea typeface="+mn-ea"/>
+        <a:cs typeface="+mn-cs"/>
+      </a:defRPr>
+    </a:lvl2pPr>
+    <a:lvl3pPr marL="914400" algn="l" defTabSz="914400" rtl="0" eaLnBrk="1" latinLnBrk="1" hangingPunct="1">
+      <a:defRPr sz="1200" kern="1200">
+        <a:solidFill>
+          <a:schemeClr val="tx1"/>
+        </a:solidFill>
+        <a:latin typeface="+mn-lt"/>
+        <a:ea typeface="+mn-ea"/>
+        <a:cs typeface="+mn-cs"/>
+      </a:defRPr>
+    </a:lvl3pPr>
+    <a:lvl4pPr marL="1371600" algn="l" defTabSz="914400" rtl="0" eaLnBrk="1" latinLnBrk="1" hangingPunct="1">
+      <a:defRPr sz="1200" kern="1200">
+        <a:solidFill>
+          <a:schemeClr val="tx1"/>
+        </a:solidFill>
+        <a:latin typeface="+mn-lt"/>
+        <a:ea typeface="+mn-ea"/>
+        <a:cs typeface="+mn-cs"/>
+      </a:defRPr>
+    </a:lvl4pPr>
+    <a:lvl5pPr marL="1828800" algn="l" defTabSz="914400" rtl="0" eaLnBrk="1" latinLnBrk="1" hangingPunct="1">
+      <a:defRPr sz="1200" kern="1200">
+        <a:solidFill>
+          <a:schemeClr val="tx1"/>
+        </a:solidFill>
+        <a:latin typeface="+mn-lt"/>
+        <a:ea typeface="+mn-ea"/>
+        <a:cs typeface="+mn-cs"/>
+      </a:defRPr>
+    </a:lvl5pPr>
+    <a:lvl6pPr marL="2286000" algn="l" defTabSz="914400" rtl="0" eaLnBrk="1" latinLnBrk="1" hangingPunct="1">
+      <a:defRPr sz="1200" kern="1200">
+        <a:solidFill>
+          <a:schemeClr val="tx1"/>
+        </a:solidFill>
+        <a:latin typeface="+mn-lt"/>
+        <a:ea typeface="+mn-ea"/>
+        <a:cs typeface="+mn-cs"/>
+      </a:defRPr>
+    </a:lvl6pPr>
+    <a:lvl7pPr marL="2743200" algn="l" defTabSz="914400" rtl="0" eaLnBrk="1" latinLnBrk="1" hangingPunct="1">
+      <a:defRPr sz="1200" kern="1200">
+        <a:solidFill>
+          <a:schemeClr val="tx1"/>
+        </a:solidFill>
+        <a:latin typeface="+mn-lt"/>
+        <a:ea typeface="+mn-ea"/>
+        <a:cs typeface="+mn-cs"/>
+      </a:defRPr>
+    </a:lvl7pPr>
+    <a:lvl8pPr marL="3200400" algn="l" defTabSz="914400" rtl="0" eaLnBrk="1" latinLnBrk="1" hangingPunct="1">
+      <a:defRPr sz="1200" kern="1200">
+        <a:solidFill>
+          <a:schemeClr val="tx1"/>
+        </a:solidFill>
+        <a:latin typeface="+mn-lt"/>
+        <a:ea typeface="+mn-ea"/>
+        <a:cs typeface="+mn-cs"/>
+      </a:defRPr>
+    </a:lvl8pPr>
+    <a:lvl9pPr marL="3657600" algn="l" defTabSz="914400" rtl="0" eaLnBrk="1" latinLnBrk="1" hangingPunct="1">
+      <a:defRPr sz="1200" kern="1200">
+        <a:solidFill>
+          <a:schemeClr val="tx1"/>
+        </a:solidFill>
+        <a:latin typeface="+mn-lt"/>
+        <a:ea typeface="+mn-ea"/>
+        <a:cs typeface="+mn-cs"/>
+      </a:defRPr>
+    </a:lvl9pPr>
+  </p:notesStyle>
+</p:notesMaster>
+</file>
+
 <file path=ppt/slideLayouts/slideLayout1.xml><?xml version="1.0" encoding="utf-8"?>
 <p:sldLayout xmlns:a="http://schemas.openxmlformats.org/drawingml/2006/main" xmlns:r="http://schemas.openxmlformats.org/officeDocument/2006/relationships" xmlns:p="http://schemas.openxmlformats.org/presentationml/2006/main" type="title" preserve="1">
   <p:cSld name="제목 슬라이드">
@@ -263,7 +622,7 @@
           <a:p>
             <a:fld id="{0755C73D-4A71-4BEC-AB04-2F24D59A6AA3}" type="datetimeFigureOut">
               <a:rPr lang="ko-KR" altLang="en-US" smtClean="0"/>
-              <a:t>2022-04-13</a:t>
+              <a:t>2022-04-15</a:t>
             </a:fld>
             <a:endParaRPr lang="ko-KR" altLang="en-US"/>
           </a:p>
@@ -461,7 +820,7 @@
           <a:p>
             <a:fld id="{0755C73D-4A71-4BEC-AB04-2F24D59A6AA3}" type="datetimeFigureOut">
               <a:rPr lang="ko-KR" altLang="en-US" smtClean="0"/>
-              <a:t>2022-04-13</a:t>
+              <a:t>2022-04-15</a:t>
             </a:fld>
             <a:endParaRPr lang="ko-KR" altLang="en-US"/>
           </a:p>
@@ -669,7 +1028,7 @@
           <a:p>
             <a:fld id="{0755C73D-4A71-4BEC-AB04-2F24D59A6AA3}" type="datetimeFigureOut">
               <a:rPr lang="ko-KR" altLang="en-US" smtClean="0"/>
-              <a:t>2022-04-13</a:t>
+              <a:t>2022-04-15</a:t>
             </a:fld>
             <a:endParaRPr lang="ko-KR" altLang="en-US"/>
           </a:p>
@@ -867,7 +1226,7 @@
           <a:p>
             <a:fld id="{0755C73D-4A71-4BEC-AB04-2F24D59A6AA3}" type="datetimeFigureOut">
               <a:rPr lang="ko-KR" altLang="en-US" smtClean="0"/>
-              <a:t>2022-04-13</a:t>
+              <a:t>2022-04-15</a:t>
             </a:fld>
             <a:endParaRPr lang="ko-KR" altLang="en-US"/>
           </a:p>
@@ -1142,7 +1501,7 @@
           <a:p>
             <a:fld id="{0755C73D-4A71-4BEC-AB04-2F24D59A6AA3}" type="datetimeFigureOut">
               <a:rPr lang="ko-KR" altLang="en-US" smtClean="0"/>
-              <a:t>2022-04-13</a:t>
+              <a:t>2022-04-15</a:t>
             </a:fld>
             <a:endParaRPr lang="ko-KR" altLang="en-US"/>
           </a:p>
@@ -1407,7 +1766,7 @@
           <a:p>
             <a:fld id="{0755C73D-4A71-4BEC-AB04-2F24D59A6AA3}" type="datetimeFigureOut">
               <a:rPr lang="ko-KR" altLang="en-US" smtClean="0"/>
-              <a:t>2022-04-13</a:t>
+              <a:t>2022-04-15</a:t>
             </a:fld>
             <a:endParaRPr lang="ko-KR" altLang="en-US"/>
           </a:p>
@@ -1819,7 +2178,7 @@
           <a:p>
             <a:fld id="{0755C73D-4A71-4BEC-AB04-2F24D59A6AA3}" type="datetimeFigureOut">
               <a:rPr lang="ko-KR" altLang="en-US" smtClean="0"/>
-              <a:t>2022-04-13</a:t>
+              <a:t>2022-04-15</a:t>
             </a:fld>
             <a:endParaRPr lang="ko-KR" altLang="en-US"/>
           </a:p>
@@ -1960,7 +2319,7 @@
           <a:p>
             <a:fld id="{0755C73D-4A71-4BEC-AB04-2F24D59A6AA3}" type="datetimeFigureOut">
               <a:rPr lang="ko-KR" altLang="en-US" smtClean="0"/>
-              <a:t>2022-04-13</a:t>
+              <a:t>2022-04-15</a:t>
             </a:fld>
             <a:endParaRPr lang="ko-KR" altLang="en-US"/>
           </a:p>
@@ -2073,7 +2432,7 @@
           <a:p>
             <a:fld id="{0755C73D-4A71-4BEC-AB04-2F24D59A6AA3}" type="datetimeFigureOut">
               <a:rPr lang="ko-KR" altLang="en-US" smtClean="0"/>
-              <a:t>2022-04-13</a:t>
+              <a:t>2022-04-15</a:t>
             </a:fld>
             <a:endParaRPr lang="ko-KR" altLang="en-US"/>
           </a:p>
@@ -2384,7 +2743,7 @@
           <a:p>
             <a:fld id="{0755C73D-4A71-4BEC-AB04-2F24D59A6AA3}" type="datetimeFigureOut">
               <a:rPr lang="ko-KR" altLang="en-US" smtClean="0"/>
-              <a:t>2022-04-13</a:t>
+              <a:t>2022-04-15</a:t>
             </a:fld>
             <a:endParaRPr lang="ko-KR" altLang="en-US"/>
           </a:p>
@@ -2672,7 +3031,7 @@
           <a:p>
             <a:fld id="{0755C73D-4A71-4BEC-AB04-2F24D59A6AA3}" type="datetimeFigureOut">
               <a:rPr lang="ko-KR" altLang="en-US" smtClean="0"/>
-              <a:t>2022-04-13</a:t>
+              <a:t>2022-04-15</a:t>
             </a:fld>
             <a:endParaRPr lang="ko-KR" altLang="en-US"/>
           </a:p>
@@ -2913,7 +3272,7 @@
           <a:p>
             <a:fld id="{0755C73D-4A71-4BEC-AB04-2F24D59A6AA3}" type="datetimeFigureOut">
               <a:rPr lang="ko-KR" altLang="en-US" smtClean="0"/>
-              <a:t>2022-04-13</a:t>
+              <a:t>2022-04-15</a:t>
             </a:fld>
             <a:endParaRPr lang="ko-KR" altLang="en-US"/>
           </a:p>
@@ -3344,8 +3703,8 @@
         </p:nvSpPr>
         <p:spPr>
           <a:xfrm>
-            <a:off x="467264" y="197346"/>
-            <a:ext cx="11257472" cy="4524315"/>
+            <a:off x="467264" y="474345"/>
+            <a:ext cx="11257472" cy="5909310"/>
           </a:xfrm>
           <a:prstGeom prst="rect">
             <a:avLst/>
@@ -3504,7 +3863,66 @@
             </a:pPr>
             <a:r>
               <a:rPr lang="ko-KR" altLang="en-US" dirty="0"/>
-              <a:t>현재 개발 진행 상황 및 추후 계획 </a:t>
+              <a:t>현재 개발 진행 상황</a:t>
+            </a:r>
+            <a:br>
+              <a:rPr lang="en-US" altLang="ko-KR" dirty="0"/>
+            </a:br>
+            <a:r>
+              <a:rPr lang="en-US" altLang="ko-KR" dirty="0"/>
+              <a:t> - </a:t>
+            </a:r>
+            <a:r>
+              <a:rPr lang="ko-KR" altLang="en-US" dirty="0"/>
+              <a:t>주간보고 </a:t>
+            </a:r>
+            <a:r>
+              <a:rPr lang="en-US" altLang="ko-KR" dirty="0"/>
+              <a:t>7</a:t>
+            </a:r>
+            <a:r>
+              <a:rPr lang="ko-KR" altLang="en-US" dirty="0"/>
+              <a:t>주차까지 </a:t>
+            </a:r>
+            <a:r>
+              <a:rPr lang="en-US" altLang="ko-KR" dirty="0"/>
+              <a:t>: ERD </a:t>
+            </a:r>
+            <a:r>
+              <a:rPr lang="ko-KR" altLang="en-US" dirty="0"/>
+              <a:t>완성 내용까지</a:t>
+            </a:r>
+            <a:endParaRPr lang="en-US" altLang="ko-KR" dirty="0"/>
+          </a:p>
+          <a:p>
+            <a:pPr marL="342900" indent="-342900">
+              <a:buFont typeface="+mj-lt"/>
+              <a:buAutoNum type="arabicPeriod"/>
+            </a:pPr>
+            <a:endParaRPr lang="en-US" altLang="ko-KR" dirty="0"/>
+          </a:p>
+          <a:p>
+            <a:pPr marL="342900" indent="-342900">
+              <a:buFont typeface="+mj-lt"/>
+              <a:buAutoNum type="arabicPeriod"/>
+            </a:pPr>
+            <a:endParaRPr lang="en-US" altLang="ko-KR" dirty="0"/>
+          </a:p>
+          <a:p>
+            <a:pPr marL="342900" indent="-342900">
+              <a:buFont typeface="+mj-lt"/>
+              <a:buAutoNum type="arabicPeriod"/>
+            </a:pPr>
+            <a:endParaRPr lang="en-US" altLang="ko-KR" dirty="0"/>
+          </a:p>
+          <a:p>
+            <a:pPr marL="342900" indent="-342900">
+              <a:buFont typeface="+mj-lt"/>
+              <a:buAutoNum type="arabicPeriod"/>
+            </a:pPr>
+            <a:r>
+              <a:rPr lang="ko-KR" altLang="en-US" dirty="0"/>
+              <a:t> 추후 계획 </a:t>
             </a:r>
             <a:r>
               <a:rPr lang="en-US" altLang="ko-KR" dirty="0"/>
@@ -3541,6 +3959,796 @@
     <p:extLst>
       <p:ext uri="{BB962C8B-B14F-4D97-AF65-F5344CB8AC3E}">
         <p14:creationId xmlns:p14="http://schemas.microsoft.com/office/powerpoint/2010/main" val="611840648"/>
+      </p:ext>
+    </p:extLst>
+  </p:cSld>
+  <p:clrMapOvr>
+    <a:masterClrMapping/>
+  </p:clrMapOvr>
+</p:sld>
+</file>
+
+<file path=ppt/slides/slide10.xml><?xml version="1.0" encoding="utf-8"?>
+<p:sld xmlns:a="http://schemas.openxmlformats.org/drawingml/2006/main" xmlns:r="http://schemas.openxmlformats.org/officeDocument/2006/relationships" xmlns:p="http://schemas.openxmlformats.org/presentationml/2006/main">
+  <p:cSld>
+    <p:spTree>
+      <p:nvGrpSpPr>
+        <p:cNvPr id="1" name=""/>
+        <p:cNvGrpSpPr/>
+        <p:nvPr/>
+      </p:nvGrpSpPr>
+      <p:grpSpPr>
+        <a:xfrm>
+          <a:off x="0" y="0"/>
+          <a:ext cx="0" cy="0"/>
+          <a:chOff x="0" y="0"/>
+          <a:chExt cx="0" cy="0"/>
+        </a:xfrm>
+      </p:grpSpPr>
+      <p:pic>
+        <p:nvPicPr>
+          <p:cNvPr id="3" name="그림 2">
+            <a:extLst>
+              <a:ext uri="{FF2B5EF4-FFF2-40B4-BE49-F238E27FC236}">
+                <a16:creationId xmlns:a16="http://schemas.microsoft.com/office/drawing/2014/main" id="{4C229E95-FD56-41AA-9D89-8CA460660A05}"/>
+              </a:ext>
+            </a:extLst>
+          </p:cNvPr>
+          <p:cNvPicPr>
+            <a:picLocks noChangeAspect="1"/>
+          </p:cNvPicPr>
+          <p:nvPr/>
+        </p:nvPicPr>
+        <p:blipFill>
+          <a:blip r:embed="rId2"/>
+          <a:stretch>
+            <a:fillRect/>
+          </a:stretch>
+        </p:blipFill>
+        <p:spPr>
+          <a:xfrm>
+            <a:off x="261937" y="347662"/>
+            <a:ext cx="11668125" cy="6162675"/>
+          </a:xfrm>
+          <a:prstGeom prst="rect">
+            <a:avLst/>
+          </a:prstGeom>
+          <a:ln>
+            <a:solidFill>
+              <a:schemeClr val="bg1"/>
+            </a:solidFill>
+          </a:ln>
+        </p:spPr>
+      </p:pic>
+      <p:sp>
+        <p:nvSpPr>
+          <p:cNvPr id="2" name="직사각형 1">
+            <a:extLst>
+              <a:ext uri="{FF2B5EF4-FFF2-40B4-BE49-F238E27FC236}">
+                <a16:creationId xmlns:a16="http://schemas.microsoft.com/office/drawing/2014/main" id="{9E3C006A-1BAB-404F-8B29-9A946CD1EBF0}"/>
+              </a:ext>
+            </a:extLst>
+          </p:cNvPr>
+          <p:cNvSpPr/>
+          <p:nvPr/>
+        </p:nvSpPr>
+        <p:spPr>
+          <a:xfrm>
+            <a:off x="4836160" y="1005840"/>
+            <a:ext cx="2306320" cy="3444240"/>
+          </a:xfrm>
+          <a:prstGeom prst="rect">
+            <a:avLst/>
+          </a:prstGeom>
+          <a:solidFill>
+            <a:schemeClr val="bg1"/>
+          </a:solidFill>
+          <a:ln>
+            <a:noFill/>
+          </a:ln>
+        </p:spPr>
+        <p:style>
+          <a:lnRef idx="2">
+            <a:schemeClr val="accent1">
+              <a:shade val="50000"/>
+            </a:schemeClr>
+          </a:lnRef>
+          <a:fillRef idx="1">
+            <a:schemeClr val="accent1"/>
+          </a:fillRef>
+          <a:effectRef idx="0">
+            <a:schemeClr val="accent1"/>
+          </a:effectRef>
+          <a:fontRef idx="minor">
+            <a:schemeClr val="lt1"/>
+          </a:fontRef>
+        </p:style>
+        <p:txBody>
+          <a:bodyPr rtlCol="0" anchor="ctr"/>
+          <a:lstStyle/>
+          <a:p>
+            <a:pPr algn="ctr"/>
+            <a:endParaRPr lang="ko-KR" altLang="en-US" dirty="0"/>
+          </a:p>
+        </p:txBody>
+      </p:sp>
+      <p:sp>
+        <p:nvSpPr>
+          <p:cNvPr id="4" name="TextBox 3">
+            <a:extLst>
+              <a:ext uri="{FF2B5EF4-FFF2-40B4-BE49-F238E27FC236}">
+                <a16:creationId xmlns:a16="http://schemas.microsoft.com/office/drawing/2014/main" id="{48D4677B-D415-4A39-88DB-46E6664A8C27}"/>
+              </a:ext>
+            </a:extLst>
+          </p:cNvPr>
+          <p:cNvSpPr txBox="1"/>
+          <p:nvPr/>
+        </p:nvSpPr>
+        <p:spPr>
+          <a:xfrm>
+            <a:off x="4683760" y="1159192"/>
+            <a:ext cx="5120640" cy="1754326"/>
+          </a:xfrm>
+          <a:prstGeom prst="rect">
+            <a:avLst/>
+          </a:prstGeom>
+          <a:noFill/>
+        </p:spPr>
+        <p:txBody>
+          <a:bodyPr wrap="square" rtlCol="0">
+            <a:spAutoFit/>
+          </a:bodyPr>
+          <a:lstStyle/>
+          <a:p>
+            <a:r>
+              <a:rPr lang="en-US" altLang="ko-KR" sz="1200" b="1" dirty="0"/>
+              <a:t> - </a:t>
+            </a:r>
+            <a:r>
+              <a:rPr lang="ko-KR" altLang="en-US" sz="1200" b="1" dirty="0"/>
+              <a:t>공용물품을 쉽게 대여</a:t>
+            </a:r>
+            <a:r>
+              <a:rPr lang="en-US" altLang="ko-KR" sz="1200" b="1" dirty="0"/>
+              <a:t>/</a:t>
+            </a:r>
+            <a:r>
+              <a:rPr lang="ko-KR" altLang="en-US" sz="1200" b="1" dirty="0"/>
+              <a:t>반납</a:t>
+            </a:r>
+            <a:br>
+              <a:rPr lang="en-US" altLang="ko-KR" sz="1200" b="1" dirty="0"/>
+            </a:br>
+            <a:endParaRPr lang="en-US" altLang="ko-KR" sz="1200" b="1" dirty="0"/>
+          </a:p>
+          <a:p>
+            <a:r>
+              <a:rPr lang="en-US" altLang="ko-KR" sz="1200" b="1" dirty="0"/>
+              <a:t> - </a:t>
+            </a:r>
+            <a:r>
+              <a:rPr lang="ko-KR" altLang="en-US" sz="1200" b="1" dirty="0"/>
+              <a:t>관리자는 스마트폰으로 간편히</a:t>
+            </a:r>
+            <a:br>
+              <a:rPr lang="en-US" altLang="ko-KR" sz="1200" b="1" dirty="0"/>
+            </a:br>
+            <a:r>
+              <a:rPr lang="en-US" altLang="ko-KR" sz="1200" b="1" dirty="0"/>
+              <a:t>  </a:t>
+            </a:r>
+            <a:r>
+              <a:rPr lang="ko-KR" altLang="en-US" sz="1200" b="1" dirty="0"/>
+              <a:t> 물품관리</a:t>
+            </a:r>
+            <a:br>
+              <a:rPr lang="en-US" altLang="ko-KR" sz="1200" b="1" dirty="0"/>
+            </a:br>
+            <a:endParaRPr lang="en-US" altLang="ko-KR" sz="1200" b="1" dirty="0"/>
+          </a:p>
+          <a:p>
+            <a:r>
+              <a:rPr lang="ko-KR" altLang="en-US" sz="1200" b="1" dirty="0"/>
+              <a:t> </a:t>
+            </a:r>
+            <a:r>
+              <a:rPr lang="en-US" altLang="ko-KR" sz="1200" b="1" dirty="0"/>
+              <a:t>- AI</a:t>
+            </a:r>
+            <a:r>
+              <a:rPr lang="ko-KR" altLang="en-US" sz="1200" b="1" dirty="0"/>
+              <a:t>를 이용한 공용물품의 </a:t>
+            </a:r>
+            <a:br>
+              <a:rPr lang="en-US" altLang="ko-KR" sz="1200" b="1" dirty="0"/>
+            </a:br>
+            <a:r>
+              <a:rPr lang="en-US" altLang="ko-KR" sz="1200" b="1" dirty="0"/>
+              <a:t>   </a:t>
+            </a:r>
+            <a:r>
+              <a:rPr lang="ko-KR" altLang="en-US" sz="1200" b="1" dirty="0"/>
+              <a:t>효율적인 유지</a:t>
+            </a:r>
+            <a:r>
+              <a:rPr lang="en-US" altLang="ko-KR" sz="1200" b="1" dirty="0"/>
+              <a:t>/</a:t>
+            </a:r>
+            <a:r>
+              <a:rPr lang="ko-KR" altLang="en-US" sz="1200" b="1" dirty="0"/>
+              <a:t>보수</a:t>
+            </a:r>
+            <a:endParaRPr lang="en-US" altLang="ko-KR" sz="1200" b="1" dirty="0"/>
+          </a:p>
+          <a:p>
+            <a:endParaRPr lang="en-US" altLang="ko-KR" sz="1200" b="1" dirty="0"/>
+          </a:p>
+          <a:p>
+            <a:r>
+              <a:rPr lang="en-US" altLang="ko-KR" sz="1200" b="1" dirty="0"/>
+              <a:t> -  </a:t>
+            </a:r>
+            <a:r>
+              <a:rPr lang="ko-KR" altLang="en-US" sz="1200" b="1" dirty="0"/>
+              <a:t>온라인을 통해 손쉬운 물품 조회</a:t>
+            </a:r>
+            <a:endParaRPr lang="en-US" altLang="ko-KR" sz="1200" b="1" dirty="0"/>
+          </a:p>
+        </p:txBody>
+      </p:sp>
+    </p:spTree>
+    <p:extLst>
+      <p:ext uri="{BB962C8B-B14F-4D97-AF65-F5344CB8AC3E}">
+        <p14:creationId xmlns:p14="http://schemas.microsoft.com/office/powerpoint/2010/main" val="2141911129"/>
+      </p:ext>
+    </p:extLst>
+  </p:cSld>
+  <p:clrMapOvr>
+    <a:masterClrMapping/>
+  </p:clrMapOvr>
+</p:sld>
+</file>
+
+<file path=ppt/slides/slide11.xml><?xml version="1.0" encoding="utf-8"?>
+<p:sld xmlns:a="http://schemas.openxmlformats.org/drawingml/2006/main" xmlns:r="http://schemas.openxmlformats.org/officeDocument/2006/relationships" xmlns:p="http://schemas.openxmlformats.org/presentationml/2006/main">
+  <p:cSld>
+    <p:spTree>
+      <p:nvGrpSpPr>
+        <p:cNvPr id="1" name=""/>
+        <p:cNvGrpSpPr/>
+        <p:nvPr/>
+      </p:nvGrpSpPr>
+      <p:grpSpPr>
+        <a:xfrm>
+          <a:off x="0" y="0"/>
+          <a:ext cx="0" cy="0"/>
+          <a:chOff x="0" y="0"/>
+          <a:chExt cx="0" cy="0"/>
+        </a:xfrm>
+      </p:grpSpPr>
+      <p:sp>
+        <p:nvSpPr>
+          <p:cNvPr id="2" name="TextBox 1">
+            <a:extLst>
+              <a:ext uri="{FF2B5EF4-FFF2-40B4-BE49-F238E27FC236}">
+                <a16:creationId xmlns:a16="http://schemas.microsoft.com/office/drawing/2014/main" id="{F64B0E79-ECB5-4B31-B077-B5EFA767E8E7}"/>
+              </a:ext>
+            </a:extLst>
+          </p:cNvPr>
+          <p:cNvSpPr txBox="1"/>
+          <p:nvPr/>
+        </p:nvSpPr>
+        <p:spPr>
+          <a:xfrm>
+            <a:off x="5311170" y="501134"/>
+            <a:ext cx="1569660" cy="369332"/>
+          </a:xfrm>
+          <a:prstGeom prst="rect">
+            <a:avLst/>
+          </a:prstGeom>
+          <a:noFill/>
+        </p:spPr>
+        <p:txBody>
+          <a:bodyPr wrap="none" rtlCol="0">
+            <a:spAutoFit/>
+          </a:bodyPr>
+          <a:lstStyle/>
+          <a:p>
+            <a:r>
+              <a:rPr lang="ko-KR" altLang="en-US" dirty="0"/>
+              <a:t>개발진행상황</a:t>
+            </a:r>
+          </a:p>
+        </p:txBody>
+      </p:sp>
+      <p:sp>
+        <p:nvSpPr>
+          <p:cNvPr id="3" name="직사각형 2">
+            <a:extLst>
+              <a:ext uri="{FF2B5EF4-FFF2-40B4-BE49-F238E27FC236}">
+                <a16:creationId xmlns:a16="http://schemas.microsoft.com/office/drawing/2014/main" id="{EEF47FA9-9A28-4701-ACC4-2030126E7E03}"/>
+              </a:ext>
+            </a:extLst>
+          </p:cNvPr>
+          <p:cNvSpPr/>
+          <p:nvPr/>
+        </p:nvSpPr>
+        <p:spPr>
+          <a:xfrm>
+            <a:off x="386080" y="629920"/>
+            <a:ext cx="1727200" cy="369332"/>
+          </a:xfrm>
+          <a:prstGeom prst="rect">
+            <a:avLst/>
+          </a:prstGeom>
+        </p:spPr>
+        <p:style>
+          <a:lnRef idx="2">
+            <a:schemeClr val="accent1">
+              <a:shade val="50000"/>
+            </a:schemeClr>
+          </a:lnRef>
+          <a:fillRef idx="1">
+            <a:schemeClr val="accent1"/>
+          </a:fillRef>
+          <a:effectRef idx="0">
+            <a:schemeClr val="accent1"/>
+          </a:effectRef>
+          <a:fontRef idx="minor">
+            <a:schemeClr val="lt1"/>
+          </a:fontRef>
+        </p:style>
+        <p:txBody>
+          <a:bodyPr rtlCol="0" anchor="ctr"/>
+          <a:lstStyle/>
+          <a:p>
+            <a:pPr algn="ctr"/>
+            <a:r>
+              <a:rPr lang="en-US" altLang="ko-KR" dirty="0"/>
+              <a:t>1</a:t>
+            </a:r>
+            <a:r>
+              <a:rPr lang="ko-KR" altLang="en-US" dirty="0"/>
+              <a:t>주차</a:t>
+            </a:r>
+          </a:p>
+        </p:txBody>
+      </p:sp>
+      <p:sp>
+        <p:nvSpPr>
+          <p:cNvPr id="4" name="직사각형 3">
+            <a:extLst>
+              <a:ext uri="{FF2B5EF4-FFF2-40B4-BE49-F238E27FC236}">
+                <a16:creationId xmlns:a16="http://schemas.microsoft.com/office/drawing/2014/main" id="{6DA803DB-33E5-4317-86BA-DCAA9F1987BB}"/>
+              </a:ext>
+            </a:extLst>
+          </p:cNvPr>
+          <p:cNvSpPr/>
+          <p:nvPr/>
+        </p:nvSpPr>
+        <p:spPr>
+          <a:xfrm>
+            <a:off x="386080" y="2072640"/>
+            <a:ext cx="1727200" cy="369332"/>
+          </a:xfrm>
+          <a:prstGeom prst="rect">
+            <a:avLst/>
+          </a:prstGeom>
+        </p:spPr>
+        <p:style>
+          <a:lnRef idx="2">
+            <a:schemeClr val="accent1">
+              <a:shade val="50000"/>
+            </a:schemeClr>
+          </a:lnRef>
+          <a:fillRef idx="1">
+            <a:schemeClr val="accent1"/>
+          </a:fillRef>
+          <a:effectRef idx="0">
+            <a:schemeClr val="accent1"/>
+          </a:effectRef>
+          <a:fontRef idx="minor">
+            <a:schemeClr val="lt1"/>
+          </a:fontRef>
+        </p:style>
+        <p:txBody>
+          <a:bodyPr rtlCol="0" anchor="ctr"/>
+          <a:lstStyle/>
+          <a:p>
+            <a:pPr algn="ctr"/>
+            <a:r>
+              <a:rPr lang="en-US" altLang="ko-KR" dirty="0"/>
+              <a:t>2</a:t>
+            </a:r>
+            <a:r>
+              <a:rPr lang="ko-KR" altLang="en-US" dirty="0"/>
+              <a:t>주차</a:t>
+            </a:r>
+          </a:p>
+        </p:txBody>
+      </p:sp>
+    </p:spTree>
+    <p:extLst>
+      <p:ext uri="{BB962C8B-B14F-4D97-AF65-F5344CB8AC3E}">
+        <p14:creationId xmlns:p14="http://schemas.microsoft.com/office/powerpoint/2010/main" val="174594291"/>
+      </p:ext>
+    </p:extLst>
+  </p:cSld>
+  <p:clrMapOvr>
+    <a:masterClrMapping/>
+  </p:clrMapOvr>
+</p:sld>
+</file>
+
+<file path=ppt/slides/slide12.xml><?xml version="1.0" encoding="utf-8"?>
+<p:sld xmlns:a="http://schemas.openxmlformats.org/drawingml/2006/main" xmlns:r="http://schemas.openxmlformats.org/officeDocument/2006/relationships" xmlns:p="http://schemas.openxmlformats.org/presentationml/2006/main">
+  <p:cSld>
+    <p:spTree>
+      <p:nvGrpSpPr>
+        <p:cNvPr id="1" name=""/>
+        <p:cNvGrpSpPr/>
+        <p:nvPr/>
+      </p:nvGrpSpPr>
+      <p:grpSpPr>
+        <a:xfrm>
+          <a:off x="0" y="0"/>
+          <a:ext cx="0" cy="0"/>
+          <a:chOff x="0" y="0"/>
+          <a:chExt cx="0" cy="0"/>
+        </a:xfrm>
+      </p:grpSpPr>
+      <p:sp>
+        <p:nvSpPr>
+          <p:cNvPr id="2" name="TextBox 1">
+            <a:extLst>
+              <a:ext uri="{FF2B5EF4-FFF2-40B4-BE49-F238E27FC236}">
+                <a16:creationId xmlns:a16="http://schemas.microsoft.com/office/drawing/2014/main" id="{F64B0E79-ECB5-4B31-B077-B5EFA767E8E7}"/>
+              </a:ext>
+            </a:extLst>
+          </p:cNvPr>
+          <p:cNvSpPr txBox="1"/>
+          <p:nvPr/>
+        </p:nvSpPr>
+        <p:spPr>
+          <a:xfrm>
+            <a:off x="3892512" y="379214"/>
+            <a:ext cx="4406976" cy="369332"/>
+          </a:xfrm>
+          <a:prstGeom prst="rect">
+            <a:avLst/>
+          </a:prstGeom>
+          <a:noFill/>
+        </p:spPr>
+        <p:txBody>
+          <a:bodyPr wrap="none" rtlCol="0">
+            <a:spAutoFit/>
+          </a:bodyPr>
+          <a:lstStyle/>
+          <a:p>
+            <a:r>
+              <a:rPr lang="ko-KR" altLang="en-US"/>
+              <a:t>추후 계획 </a:t>
+            </a:r>
+            <a:r>
+              <a:rPr lang="en-US" altLang="ko-KR"/>
+              <a:t>(</a:t>
+            </a:r>
+            <a:r>
+              <a:rPr lang="ko-KR" altLang="en-US"/>
+              <a:t>사용기술</a:t>
+            </a:r>
+            <a:r>
+              <a:rPr lang="en-US" altLang="ko-KR"/>
+              <a:t>/</a:t>
+            </a:r>
+            <a:r>
+              <a:rPr lang="ko-KR" altLang="en-US"/>
+              <a:t>프레임워크</a:t>
+            </a:r>
+            <a:r>
+              <a:rPr lang="en-US" altLang="ko-KR"/>
+              <a:t>, </a:t>
+            </a:r>
+            <a:r>
+              <a:rPr lang="ko-KR" altLang="en-US"/>
+              <a:t>로드맵</a:t>
+            </a:r>
+            <a:r>
+              <a:rPr lang="en-US" altLang="ko-KR"/>
+              <a:t>)</a:t>
+            </a:r>
+            <a:endParaRPr lang="ko-KR" altLang="en-US" dirty="0"/>
+          </a:p>
+        </p:txBody>
+      </p:sp>
+      <p:grpSp>
+        <p:nvGrpSpPr>
+          <p:cNvPr id="5" name="그룹 4">
+            <a:extLst>
+              <a:ext uri="{FF2B5EF4-FFF2-40B4-BE49-F238E27FC236}">
+                <a16:creationId xmlns:a16="http://schemas.microsoft.com/office/drawing/2014/main" id="{1C205265-545C-4647-929A-31AB97694E08}"/>
+              </a:ext>
+            </a:extLst>
+          </p:cNvPr>
+          <p:cNvGrpSpPr/>
+          <p:nvPr/>
+        </p:nvGrpSpPr>
+        <p:grpSpPr>
+          <a:xfrm>
+            <a:off x="628688" y="1184900"/>
+            <a:ext cx="4196080" cy="4488200"/>
+            <a:chOff x="1497368" y="1184900"/>
+            <a:chExt cx="4196080" cy="4488200"/>
+          </a:xfrm>
+        </p:grpSpPr>
+        <p:pic>
+          <p:nvPicPr>
+            <p:cNvPr id="1026" name="Picture 2" descr="애자일하게 일하라&quot;, 애자일(Agile)이란? : 네이버 포스트">
+              <a:extLst>
+                <a:ext uri="{FF2B5EF4-FFF2-40B4-BE49-F238E27FC236}">
+                  <a16:creationId xmlns:a16="http://schemas.microsoft.com/office/drawing/2014/main" id="{FB22C42D-46C5-4F30-96EA-4CB1850A9763}"/>
+                </a:ext>
+              </a:extLst>
+            </p:cNvPr>
+            <p:cNvPicPr>
+              <a:picLocks noChangeAspect="1" noChangeArrowheads="1"/>
+            </p:cNvPicPr>
+            <p:nvPr/>
+          </p:nvPicPr>
+          <p:blipFill rotWithShape="1">
+            <a:blip r:embed="rId2">
+              <a:clrChange>
+                <a:clrFrom>
+                  <a:srgbClr val="FFFFFF"/>
+                </a:clrFrom>
+                <a:clrTo>
+                  <a:srgbClr val="FFFFFF">
+                    <a:alpha val="0"/>
+                  </a:srgbClr>
+                </a:clrTo>
+              </a:clrChange>
+              <a:duotone>
+                <a:schemeClr val="accent2">
+                  <a:shade val="45000"/>
+                  <a:satMod val="135000"/>
+                </a:schemeClr>
+                <a:prstClr val="white"/>
+              </a:duotone>
+              <a:extLst>
+                <a:ext uri="{28A0092B-C50C-407E-A947-70E740481C1C}">
+                  <a14:useLocalDpi xmlns:a14="http://schemas.microsoft.com/office/drawing/2010/main" val="0"/>
+                </a:ext>
+              </a:extLst>
+            </a:blip>
+            <a:srcRect l="25821" r="25165" b="6645"/>
+            <a:stretch/>
+          </p:blipFill>
+          <p:spPr bwMode="auto">
+            <a:xfrm>
+              <a:off x="1507528" y="1184900"/>
+              <a:ext cx="4185920" cy="4484628"/>
+            </a:xfrm>
+            <a:prstGeom prst="rect">
+              <a:avLst/>
+            </a:prstGeom>
+            <a:noFill/>
+            <a:extLst>
+              <a:ext uri="{909E8E84-426E-40DD-AFC4-6F175D3DCCD1}">
+                <a14:hiddenFill xmlns:a14="http://schemas.microsoft.com/office/drawing/2010/main">
+                  <a:solidFill>
+                    <a:srgbClr val="FFFFFF"/>
+                  </a:solidFill>
+                </a14:hiddenFill>
+              </a:ext>
+            </a:extLst>
+          </p:spPr>
+        </p:pic>
+        <p:sp>
+          <p:nvSpPr>
+            <p:cNvPr id="3" name="직사각형 2">
+              <a:extLst>
+                <a:ext uri="{FF2B5EF4-FFF2-40B4-BE49-F238E27FC236}">
+                  <a16:creationId xmlns:a16="http://schemas.microsoft.com/office/drawing/2014/main" id="{57E9670C-83B6-4563-8C98-843F96787031}"/>
+                </a:ext>
+              </a:extLst>
+            </p:cNvPr>
+            <p:cNvSpPr/>
+            <p:nvPr/>
+          </p:nvSpPr>
+          <p:spPr>
+            <a:xfrm>
+              <a:off x="1497368" y="5256540"/>
+              <a:ext cx="467360" cy="416560"/>
+            </a:xfrm>
+            <a:prstGeom prst="rect">
+              <a:avLst/>
+            </a:prstGeom>
+            <a:solidFill>
+              <a:schemeClr val="bg1"/>
+            </a:solidFill>
+            <a:ln>
+              <a:noFill/>
+            </a:ln>
+          </p:spPr>
+          <p:style>
+            <a:lnRef idx="2">
+              <a:schemeClr val="accent1">
+                <a:shade val="50000"/>
+              </a:schemeClr>
+            </a:lnRef>
+            <a:fillRef idx="1">
+              <a:schemeClr val="accent1"/>
+            </a:fillRef>
+            <a:effectRef idx="0">
+              <a:schemeClr val="accent1"/>
+            </a:effectRef>
+            <a:fontRef idx="minor">
+              <a:schemeClr val="lt1"/>
+            </a:fontRef>
+          </p:style>
+          <p:txBody>
+            <a:bodyPr rtlCol="0" anchor="ctr"/>
+            <a:lstStyle/>
+            <a:p>
+              <a:pPr algn="ctr"/>
+              <a:endParaRPr lang="ko-KR" altLang="en-US"/>
+            </a:p>
+          </p:txBody>
+        </p:sp>
+        <p:sp>
+          <p:nvSpPr>
+            <p:cNvPr id="12" name="직사각형 11">
+              <a:extLst>
+                <a:ext uri="{FF2B5EF4-FFF2-40B4-BE49-F238E27FC236}">
+                  <a16:creationId xmlns:a16="http://schemas.microsoft.com/office/drawing/2014/main" id="{AFC685A8-BCBD-4C80-8119-42C327FF6ED6}"/>
+                </a:ext>
+              </a:extLst>
+            </p:cNvPr>
+            <p:cNvSpPr/>
+            <p:nvPr/>
+          </p:nvSpPr>
+          <p:spPr>
+            <a:xfrm>
+              <a:off x="3133128" y="3722380"/>
+              <a:ext cx="843280" cy="416560"/>
+            </a:xfrm>
+            <a:prstGeom prst="rect">
+              <a:avLst/>
+            </a:prstGeom>
+            <a:solidFill>
+              <a:schemeClr val="bg1"/>
+            </a:solidFill>
+            <a:ln>
+              <a:noFill/>
+            </a:ln>
+          </p:spPr>
+          <p:style>
+            <a:lnRef idx="2">
+              <a:schemeClr val="accent1">
+                <a:shade val="50000"/>
+              </a:schemeClr>
+            </a:lnRef>
+            <a:fillRef idx="1">
+              <a:schemeClr val="accent1"/>
+            </a:fillRef>
+            <a:effectRef idx="0">
+              <a:schemeClr val="accent1"/>
+            </a:effectRef>
+            <a:fontRef idx="minor">
+              <a:schemeClr val="lt1"/>
+            </a:fontRef>
+          </p:style>
+          <p:txBody>
+            <a:bodyPr rtlCol="0" anchor="ctr"/>
+            <a:lstStyle/>
+            <a:p>
+              <a:pPr algn="ctr"/>
+              <a:endParaRPr lang="ko-KR" altLang="en-US"/>
+            </a:p>
+          </p:txBody>
+        </p:sp>
+      </p:grpSp>
+      <p:sp>
+        <p:nvSpPr>
+          <p:cNvPr id="16" name="TextBox 15">
+            <a:extLst>
+              <a:ext uri="{FF2B5EF4-FFF2-40B4-BE49-F238E27FC236}">
+                <a16:creationId xmlns:a16="http://schemas.microsoft.com/office/drawing/2014/main" id="{12830152-798F-441C-B9F9-41A7C73E327E}"/>
+              </a:ext>
+            </a:extLst>
+          </p:cNvPr>
+          <p:cNvSpPr txBox="1"/>
+          <p:nvPr/>
+        </p:nvSpPr>
+        <p:spPr>
+          <a:xfrm>
+            <a:off x="5457152" y="2134552"/>
+            <a:ext cx="6096000" cy="2585323"/>
+          </a:xfrm>
+          <a:prstGeom prst="rect">
+            <a:avLst/>
+          </a:prstGeom>
+          <a:noFill/>
+        </p:spPr>
+        <p:txBody>
+          <a:bodyPr wrap="square">
+            <a:spAutoFit/>
+          </a:bodyPr>
+          <a:lstStyle/>
+          <a:p>
+            <a:r>
+              <a:rPr lang="ko-KR" altLang="en-US" dirty="0"/>
+              <a:t>애자일 개발론을 개발 방법론으로 채택하였다. </a:t>
+            </a:r>
+          </a:p>
+          <a:p>
+            <a:endParaRPr lang="ko-KR" altLang="en-US" dirty="0"/>
+          </a:p>
+          <a:p>
+            <a:r>
+              <a:rPr lang="ko-KR" altLang="en-US" dirty="0"/>
+              <a:t>화면 흐름도, 요구사항 명세서, </a:t>
+            </a:r>
+            <a:r>
+              <a:rPr lang="ko-KR" altLang="en-US" dirty="0" err="1"/>
+              <a:t>ERD를</a:t>
+            </a:r>
+            <a:r>
+              <a:rPr lang="ko-KR" altLang="en-US" dirty="0"/>
+              <a:t> 기반으로 화면설계서, 기능명세서 작성</a:t>
+            </a:r>
+          </a:p>
+          <a:p>
+            <a:r>
+              <a:rPr lang="ko-KR" altLang="en-US" dirty="0"/>
+              <a:t>그 후 애자일 개발론을 통한 개발 진행 협의</a:t>
+            </a:r>
+          </a:p>
+          <a:p>
+            <a:endParaRPr lang="ko-KR" altLang="en-US" dirty="0"/>
+          </a:p>
+          <a:p>
+            <a:r>
+              <a:rPr lang="ko-KR" altLang="en-US" dirty="0"/>
+              <a:t>화면설계서 기반으로 </a:t>
+            </a:r>
+            <a:r>
+              <a:rPr lang="ko-KR" altLang="en-US" dirty="0" err="1"/>
+              <a:t>UI화면페이지,기능</a:t>
+            </a:r>
+            <a:r>
+              <a:rPr lang="ko-KR" altLang="en-US" dirty="0"/>
+              <a:t> 단위별로 구현, </a:t>
+            </a:r>
+            <a:r>
+              <a:rPr lang="ko-KR" altLang="en-US" dirty="0" err="1"/>
+              <a:t>팀회의</a:t>
+            </a:r>
+            <a:r>
+              <a:rPr lang="ko-KR" altLang="en-US" dirty="0"/>
+              <a:t>, 피드백 및 수렴 후 </a:t>
+            </a:r>
+          </a:p>
+          <a:p>
+            <a:r>
+              <a:rPr lang="ko-KR" altLang="en-US" dirty="0"/>
+              <a:t>다음 </a:t>
+            </a:r>
+            <a:r>
+              <a:rPr lang="ko-KR" altLang="en-US" dirty="0" err="1"/>
+              <a:t>UI화면페이지,기능</a:t>
+            </a:r>
+            <a:r>
+              <a:rPr lang="ko-KR" altLang="en-US" dirty="0"/>
+              <a:t> 단위 구현으로 진행계획</a:t>
+            </a:r>
+          </a:p>
+        </p:txBody>
+      </p:sp>
+    </p:spTree>
+    <p:extLst>
+      <p:ext uri="{BB962C8B-B14F-4D97-AF65-F5344CB8AC3E}">
+        <p14:creationId xmlns:p14="http://schemas.microsoft.com/office/powerpoint/2010/main" val="728438641"/>
       </p:ext>
     </p:extLst>
   </p:cSld>
@@ -3569,10 +4777,10 @@
       </p:grpSpPr>
       <p:sp>
         <p:nvSpPr>
-          <p:cNvPr id="4" name="TextBox 3">
-            <a:extLst>
-              <a:ext uri="{FF2B5EF4-FFF2-40B4-BE49-F238E27FC236}">
-                <a16:creationId xmlns:a16="http://schemas.microsoft.com/office/drawing/2014/main" id="{0114C94C-9F28-4500-AA49-8917AA32256C}"/>
+          <p:cNvPr id="2" name="TextBox 1">
+            <a:extLst>
+              <a:ext uri="{FF2B5EF4-FFF2-40B4-BE49-F238E27FC236}">
+                <a16:creationId xmlns:a16="http://schemas.microsoft.com/office/drawing/2014/main" id="{F64B0E79-ECB5-4B31-B077-B5EFA767E8E7}"/>
               </a:ext>
             </a:extLst>
           </p:cNvPr>
@@ -3581,8 +4789,8 @@
         </p:nvSpPr>
         <p:spPr>
           <a:xfrm>
-            <a:off x="467264" y="818448"/>
-            <a:ext cx="11257472" cy="5078313"/>
+            <a:off x="69011" y="156077"/>
+            <a:ext cx="1338828" cy="369332"/>
           </a:xfrm>
           <a:prstGeom prst="rect">
             <a:avLst/>
@@ -3590,218 +4798,299 @@
           <a:noFill/>
         </p:spPr>
         <p:txBody>
+          <a:bodyPr wrap="none" rtlCol="0">
+            <a:spAutoFit/>
+          </a:bodyPr>
+          <a:lstStyle/>
+          <a:p>
+            <a:r>
+              <a:rPr lang="ko-KR" altLang="en-US" dirty="0" err="1"/>
+              <a:t>인트로화면</a:t>
+            </a:r>
+            <a:endParaRPr lang="ko-KR" altLang="en-US" dirty="0"/>
+          </a:p>
+        </p:txBody>
+      </p:sp>
+      <p:sp>
+        <p:nvSpPr>
+          <p:cNvPr id="3" name="TextBox 2">
+            <a:extLst>
+              <a:ext uri="{FF2B5EF4-FFF2-40B4-BE49-F238E27FC236}">
+                <a16:creationId xmlns:a16="http://schemas.microsoft.com/office/drawing/2014/main" id="{D25302C3-4366-40A2-9CF1-97452AD946D5}"/>
+              </a:ext>
+            </a:extLst>
+          </p:cNvPr>
+          <p:cNvSpPr txBox="1"/>
+          <p:nvPr/>
+        </p:nvSpPr>
+        <p:spPr>
+          <a:xfrm>
+            <a:off x="3890514" y="1604513"/>
+            <a:ext cx="3916392" cy="410818"/>
+          </a:xfrm>
+          <a:prstGeom prst="rect">
+            <a:avLst/>
+          </a:prstGeom>
+          <a:noFill/>
+        </p:spPr>
+        <p:txBody>
           <a:bodyPr wrap="square" rtlCol="0">
             <a:spAutoFit/>
           </a:bodyPr>
           <a:lstStyle/>
           <a:p>
-            <a:r>
-              <a:rPr lang="en-US" altLang="ko-KR" b="1" dirty="0"/>
-              <a:t>1. </a:t>
-            </a:r>
-            <a:r>
-              <a:rPr lang="ko-KR" altLang="en-US" b="1" dirty="0"/>
-              <a:t>문제상황 및 동기 제시</a:t>
-            </a:r>
-            <a:br>
-              <a:rPr lang="en-US" altLang="ko-KR" dirty="0"/>
-            </a:br>
-            <a:r>
-              <a:rPr lang="en-US" altLang="ko-KR" dirty="0"/>
-              <a:t> - </a:t>
-            </a:r>
-            <a:r>
-              <a:rPr lang="ko-KR" altLang="en-US" dirty="0"/>
-              <a:t>수불대장이 수기로 작성되어</a:t>
-            </a:r>
-            <a:r>
-              <a:rPr lang="en-US" altLang="ko-KR" dirty="0"/>
-              <a:t>, </a:t>
-            </a:r>
-            <a:r>
-              <a:rPr lang="ko-KR" altLang="en-US" dirty="0"/>
-              <a:t>관리</a:t>
-            </a:r>
-            <a:r>
-              <a:rPr lang="en-US" altLang="ko-KR" dirty="0"/>
-              <a:t>/</a:t>
-            </a:r>
-            <a:r>
-              <a:rPr lang="ko-KR" altLang="en-US" dirty="0"/>
-              <a:t>보관이 불편함</a:t>
-            </a:r>
-            <a:br>
-              <a:rPr lang="en-US" altLang="ko-KR" dirty="0"/>
-            </a:br>
-            <a:r>
-              <a:rPr lang="en-US" altLang="ko-KR" dirty="0"/>
-              <a:t> - </a:t>
-            </a:r>
-            <a:r>
-              <a:rPr lang="ko-KR" altLang="en-US" dirty="0"/>
-              <a:t>재고 관리를 위해 관리자가 직접 물품 점검</a:t>
-            </a:r>
-            <a:br>
-              <a:rPr lang="en-US" altLang="ko-KR" dirty="0"/>
-            </a:br>
-            <a:r>
-              <a:rPr lang="en-US" altLang="ko-KR" dirty="0"/>
-              <a:t> - </a:t>
-            </a:r>
-            <a:r>
-              <a:rPr lang="ko-KR" altLang="en-US" dirty="0"/>
-              <a:t>관리자의 역량만으로 추가 물품 선정</a:t>
-            </a:r>
-            <a:br>
-              <a:rPr lang="en-US" altLang="ko-KR" dirty="0"/>
-            </a:br>
-            <a:r>
-              <a:rPr lang="en-US" altLang="ko-KR" dirty="0"/>
-              <a:t> - </a:t>
-            </a:r>
-            <a:r>
-              <a:rPr lang="ko-KR" altLang="en-US" dirty="0"/>
-              <a:t>사용자의 필체가 불량할 시 정보 식별이 어려움</a:t>
-            </a:r>
-            <a:br>
-              <a:rPr lang="en-US" altLang="ko-KR" dirty="0"/>
-            </a:br>
-            <a:r>
-              <a:rPr lang="en-US" altLang="ko-KR" dirty="0"/>
-              <a:t> - </a:t>
-            </a:r>
-            <a:r>
-              <a:rPr lang="ko-KR" altLang="en-US" dirty="0"/>
-              <a:t>자주 사용되는 물건에 대한 관리를 관리자가 모든 물건을 확인하며 해야함</a:t>
-            </a:r>
-            <a:br>
-              <a:rPr lang="en-US" altLang="ko-KR" dirty="0"/>
-            </a:br>
-            <a:br>
-              <a:rPr lang="en-US" altLang="ko-KR" dirty="0"/>
-            </a:br>
-            <a:endParaRPr lang="en-US" altLang="ko-KR" dirty="0"/>
-          </a:p>
-          <a:p>
-            <a:br>
-              <a:rPr lang="en-US" altLang="ko-KR" dirty="0"/>
-            </a:br>
-            <a:endParaRPr lang="en-US" altLang="ko-KR" dirty="0"/>
-          </a:p>
-          <a:p>
-            <a:r>
-              <a:rPr lang="ko-KR" altLang="en-US" b="1" dirty="0"/>
-              <a:t> </a:t>
-            </a:r>
-            <a:r>
-              <a:rPr lang="en-US" altLang="ko-KR" b="1" dirty="0"/>
-              <a:t>2. </a:t>
-            </a:r>
-            <a:r>
-              <a:rPr lang="ko-KR" altLang="en-US" b="1" dirty="0"/>
-              <a:t>문제에 대한 해결방안 및 타겟 고객 제시</a:t>
-            </a:r>
-            <a:br>
-              <a:rPr lang="en-US" altLang="ko-KR" dirty="0"/>
-            </a:br>
-            <a:r>
-              <a:rPr lang="ko-KR" altLang="en-US" dirty="0"/>
-              <a:t> </a:t>
-            </a:r>
-            <a:r>
-              <a:rPr lang="en-US" altLang="ko-KR" dirty="0"/>
-              <a:t>- </a:t>
-            </a:r>
-            <a:r>
-              <a:rPr lang="ko-KR" altLang="en-US" dirty="0"/>
-              <a:t>수기로 작성하던 수불대장의 디지털화</a:t>
-            </a:r>
-            <a:br>
-              <a:rPr lang="en-US" altLang="ko-KR" dirty="0"/>
-            </a:br>
-            <a:r>
-              <a:rPr lang="ko-KR" altLang="en-US" dirty="0"/>
-              <a:t> </a:t>
-            </a:r>
-            <a:r>
-              <a:rPr lang="en-US" altLang="ko-KR" dirty="0"/>
-              <a:t>- </a:t>
-            </a:r>
-            <a:r>
-              <a:rPr lang="ko-KR" altLang="en-US" dirty="0"/>
-              <a:t>저비용으로 소규모의 구성원에도 적은 부담</a:t>
-            </a:r>
-            <a:br>
-              <a:rPr lang="en-US" altLang="ko-KR" dirty="0"/>
-            </a:br>
-            <a:r>
-              <a:rPr lang="ko-KR" altLang="en-US" dirty="0"/>
-              <a:t> </a:t>
-            </a:r>
-            <a:r>
-              <a:rPr lang="en-US" altLang="ko-KR" dirty="0"/>
-              <a:t>- </a:t>
-            </a:r>
-            <a:r>
-              <a:rPr lang="ko-KR" altLang="en-US" dirty="0"/>
-              <a:t>점검 및 추가 구매에 대한 제안을 하는 </a:t>
-            </a:r>
-            <a:r>
-              <a:rPr lang="en-US" altLang="ko-KR" dirty="0"/>
-              <a:t>AI </a:t>
-            </a:r>
-            <a:r>
-              <a:rPr lang="ko-KR" altLang="en-US" dirty="0"/>
-              <a:t>지원</a:t>
-            </a:r>
-            <a:br>
-              <a:rPr lang="en-US" altLang="ko-KR" dirty="0"/>
-            </a:br>
-            <a:r>
-              <a:rPr lang="ko-KR" altLang="en-US" dirty="0"/>
-              <a:t> </a:t>
-            </a:r>
-            <a:r>
-              <a:rPr lang="en-US" altLang="ko-KR" dirty="0"/>
-              <a:t>- e-</a:t>
-            </a:r>
-            <a:r>
-              <a:rPr lang="ko-KR" altLang="en-US" dirty="0"/>
-              <a:t>커머스 연계를 통한 물품 환경에 맞는 제품 추천</a:t>
-            </a:r>
-            <a:br>
-              <a:rPr lang="en-US" altLang="ko-KR" dirty="0"/>
-            </a:br>
-            <a:br>
-              <a:rPr lang="en-US" altLang="ko-KR" dirty="0"/>
-            </a:br>
-            <a:r>
-              <a:rPr lang="en-US" altLang="ko-KR" dirty="0"/>
-              <a:t> =&gt; </a:t>
-            </a:r>
-            <a:r>
-              <a:rPr lang="ko-KR" altLang="en-US" dirty="0"/>
-              <a:t>소규모의 물품</a:t>
-            </a:r>
-            <a:r>
-              <a:rPr lang="en-US" altLang="ko-KR" dirty="0"/>
-              <a:t>/</a:t>
-            </a:r>
-            <a:r>
-              <a:rPr lang="ko-KR" altLang="en-US" dirty="0"/>
-              <a:t>자재관리가 필요한 기업</a:t>
-            </a:r>
-            <a:br>
-              <a:rPr lang="en-US" altLang="ko-KR" dirty="0"/>
-            </a:br>
-            <a:endParaRPr lang="en-US" altLang="ko-KR" dirty="0"/>
+            <a:pPr marL="0" marR="0" indent="0" algn="ctr" fontAlgn="base" latinLnBrk="0">
+              <a:lnSpc>
+                <a:spcPct val="130000"/>
+              </a:lnSpc>
+              <a:spcBef>
+                <a:spcPts val="0"/>
+              </a:spcBef>
+              <a:spcAft>
+                <a:spcPts val="0"/>
+              </a:spcAft>
+            </a:pPr>
+            <a:r>
+              <a:rPr lang="en-US" altLang="ko-KR" sz="1800" b="1" kern="0" spc="-10" dirty="0">
+                <a:solidFill>
+                  <a:srgbClr val="000000"/>
+                </a:solidFill>
+                <a:effectLst/>
+                <a:latin typeface="맑은 고딕" panose="020B0503020000020004" pitchFamily="50" charset="-127"/>
+                <a:ea typeface="맑은 고딕" panose="020B0503020000020004" pitchFamily="50" charset="-127"/>
+              </a:rPr>
+              <a:t>AI</a:t>
+            </a:r>
+            <a:r>
+              <a:rPr lang="ko-KR" altLang="en-US" sz="1800" b="1" kern="0" spc="-10" dirty="0">
+                <a:solidFill>
+                  <a:srgbClr val="000000"/>
+                </a:solidFill>
+                <a:effectLst/>
+                <a:latin typeface="맑은 고딕" panose="020B0503020000020004" pitchFamily="50" charset="-127"/>
+                <a:ea typeface="맑은 고딕" panose="020B0503020000020004" pitchFamily="50" charset="-127"/>
+              </a:rPr>
+              <a:t>기반 온라인 수불대장</a:t>
+            </a:r>
+            <a:endParaRPr lang="ko-KR" altLang="en-US" sz="1800" kern="0" spc="0" dirty="0">
+              <a:solidFill>
+                <a:srgbClr val="000000"/>
+              </a:solidFill>
+              <a:effectLst/>
+              <a:latin typeface="바탕" panose="02030600000101010101" pitchFamily="18" charset="-127"/>
+            </a:endParaRPr>
+          </a:p>
+        </p:txBody>
+      </p:sp>
+      <p:sp>
+        <p:nvSpPr>
+          <p:cNvPr id="4" name="TextBox 3">
+            <a:extLst>
+              <a:ext uri="{FF2B5EF4-FFF2-40B4-BE49-F238E27FC236}">
+                <a16:creationId xmlns:a16="http://schemas.microsoft.com/office/drawing/2014/main" id="{39A3C524-0DB1-41BD-8214-23238CE76C6A}"/>
+              </a:ext>
+            </a:extLst>
+          </p:cNvPr>
+          <p:cNvSpPr txBox="1"/>
+          <p:nvPr/>
+        </p:nvSpPr>
+        <p:spPr>
+          <a:xfrm>
+            <a:off x="3890514" y="2602302"/>
+            <a:ext cx="3916392" cy="410818"/>
+          </a:xfrm>
+          <a:prstGeom prst="rect">
+            <a:avLst/>
+          </a:prstGeom>
+          <a:noFill/>
+        </p:spPr>
+        <p:txBody>
+          <a:bodyPr wrap="square" rtlCol="0">
+            <a:spAutoFit/>
+          </a:bodyPr>
+          <a:lstStyle/>
+          <a:p>
+            <a:pPr marL="0" marR="0" indent="0" algn="ctr" fontAlgn="base" latinLnBrk="0">
+              <a:lnSpc>
+                <a:spcPct val="130000"/>
+              </a:lnSpc>
+              <a:spcBef>
+                <a:spcPts val="0"/>
+              </a:spcBef>
+              <a:spcAft>
+                <a:spcPts val="0"/>
+              </a:spcAft>
+            </a:pPr>
+            <a:r>
+              <a:rPr lang="ko-KR" altLang="en-US" sz="1800" b="1" kern="0" spc="-10">
+                <a:solidFill>
+                  <a:srgbClr val="000000"/>
+                </a:solidFill>
+                <a:effectLst/>
+                <a:latin typeface="맑은 고딕" panose="020B0503020000020004" pitchFamily="50" charset="-127"/>
+                <a:ea typeface="맑은 고딕" panose="020B0503020000020004" pitchFamily="50" charset="-127"/>
+              </a:rPr>
+              <a:t>우리팀이름</a:t>
+            </a:r>
+            <a:endParaRPr lang="ko-KR" altLang="en-US" sz="1800" kern="0" spc="0" dirty="0">
+              <a:solidFill>
+                <a:srgbClr val="000000"/>
+              </a:solidFill>
+              <a:effectLst/>
+              <a:latin typeface="바탕" panose="02030600000101010101" pitchFamily="18" charset="-127"/>
+            </a:endParaRPr>
+          </a:p>
+        </p:txBody>
+      </p:sp>
+      <p:sp>
+        <p:nvSpPr>
+          <p:cNvPr id="5" name="TextBox 4">
+            <a:extLst>
+              <a:ext uri="{FF2B5EF4-FFF2-40B4-BE49-F238E27FC236}">
+                <a16:creationId xmlns:a16="http://schemas.microsoft.com/office/drawing/2014/main" id="{56EE5909-2724-4E46-999A-C0098E1CB1B0}"/>
+              </a:ext>
+            </a:extLst>
+          </p:cNvPr>
+          <p:cNvSpPr txBox="1"/>
+          <p:nvPr/>
+        </p:nvSpPr>
+        <p:spPr>
+          <a:xfrm>
+            <a:off x="7971227" y="5294888"/>
+            <a:ext cx="3916392" cy="1131015"/>
+          </a:xfrm>
+          <a:prstGeom prst="rect">
+            <a:avLst/>
+          </a:prstGeom>
+          <a:noFill/>
+        </p:spPr>
+        <p:txBody>
+          <a:bodyPr wrap="square" rtlCol="0">
+            <a:spAutoFit/>
+          </a:bodyPr>
+          <a:lstStyle/>
+          <a:p>
+            <a:pPr algn="ctr" fontAlgn="base" latinLnBrk="0">
+              <a:lnSpc>
+                <a:spcPct val="130000"/>
+              </a:lnSpc>
+            </a:pPr>
+            <a:r>
+              <a:rPr lang="en-US" altLang="ko-KR" sz="1800" b="1" kern="0" spc="-10" dirty="0">
+                <a:solidFill>
+                  <a:srgbClr val="000000"/>
+                </a:solidFill>
+                <a:effectLst/>
+                <a:latin typeface="맑은 고딕" panose="020B0503020000020004" pitchFamily="50" charset="-127"/>
+                <a:ea typeface="맑은 고딕" panose="020B0503020000020004" pitchFamily="50" charset="-127"/>
+              </a:rPr>
+              <a:t>20193146 </a:t>
+            </a:r>
+            <a:r>
+              <a:rPr lang="ko-KR" altLang="en-US" sz="1800" b="1" kern="0" spc="-10" dirty="0">
+                <a:solidFill>
+                  <a:srgbClr val="000000"/>
+                </a:solidFill>
+                <a:effectLst/>
+                <a:latin typeface="맑은 고딕" panose="020B0503020000020004" pitchFamily="50" charset="-127"/>
+                <a:ea typeface="맑은 고딕" panose="020B0503020000020004" pitchFamily="50" charset="-127"/>
+              </a:rPr>
+              <a:t>정현수</a:t>
+            </a:r>
+            <a:endParaRPr lang="en-US" altLang="ko-KR" sz="1800" b="1" kern="0" spc="-10" dirty="0">
+              <a:solidFill>
+                <a:srgbClr val="000000"/>
+              </a:solidFill>
+              <a:effectLst/>
+              <a:latin typeface="맑은 고딕" panose="020B0503020000020004" pitchFamily="50" charset="-127"/>
+              <a:ea typeface="맑은 고딕" panose="020B0503020000020004" pitchFamily="50" charset="-127"/>
+            </a:endParaRPr>
+          </a:p>
+          <a:p>
+            <a:pPr algn="ctr" fontAlgn="base" latinLnBrk="0">
+              <a:lnSpc>
+                <a:spcPct val="130000"/>
+              </a:lnSpc>
+            </a:pPr>
+            <a:r>
+              <a:rPr lang="en-US" altLang="ko-KR" sz="1800" b="1" kern="0" spc="-10" dirty="0">
+                <a:solidFill>
+                  <a:srgbClr val="000000"/>
+                </a:solidFill>
+                <a:effectLst/>
+                <a:latin typeface="맑은 고딕" panose="020B0503020000020004" pitchFamily="50" charset="-127"/>
+                <a:ea typeface="맑은 고딕" panose="020B0503020000020004" pitchFamily="50" charset="-127"/>
+              </a:rPr>
+              <a:t>20193107 </a:t>
+            </a:r>
+            <a:r>
+              <a:rPr lang="ko-KR" altLang="en-US" sz="1800" b="1" kern="0" spc="-10" dirty="0" err="1">
+                <a:solidFill>
+                  <a:srgbClr val="000000"/>
+                </a:solidFill>
+                <a:effectLst/>
+                <a:latin typeface="맑은 고딕" panose="020B0503020000020004" pitchFamily="50" charset="-127"/>
+                <a:ea typeface="맑은 고딕" panose="020B0503020000020004" pitchFamily="50" charset="-127"/>
+              </a:rPr>
+              <a:t>김성안</a:t>
+            </a:r>
+            <a:endParaRPr lang="en-US" altLang="ko-KR" sz="1800" b="1" kern="0" spc="-10" dirty="0">
+              <a:solidFill>
+                <a:srgbClr val="000000"/>
+              </a:solidFill>
+              <a:effectLst/>
+              <a:latin typeface="맑은 고딕" panose="020B0503020000020004" pitchFamily="50" charset="-127"/>
+              <a:ea typeface="맑은 고딕" panose="020B0503020000020004" pitchFamily="50" charset="-127"/>
+            </a:endParaRPr>
+          </a:p>
+          <a:p>
+            <a:pPr marL="0" marR="0" indent="0" algn="ctr" fontAlgn="base" latinLnBrk="0">
+              <a:lnSpc>
+                <a:spcPct val="130000"/>
+              </a:lnSpc>
+              <a:spcBef>
+                <a:spcPts val="0"/>
+              </a:spcBef>
+              <a:spcAft>
+                <a:spcPts val="0"/>
+              </a:spcAft>
+            </a:pPr>
+            <a:r>
+              <a:rPr lang="en-US" altLang="ko-KR" sz="1800" b="1" kern="0" spc="-10" dirty="0">
+                <a:solidFill>
+                  <a:srgbClr val="000000"/>
+                </a:solidFill>
+                <a:effectLst/>
+                <a:latin typeface="맑은 고딕" panose="020B0503020000020004" pitchFamily="50" charset="-127"/>
+                <a:ea typeface="맑은 고딕" panose="020B0503020000020004" pitchFamily="50" charset="-127"/>
+              </a:rPr>
+              <a:t>20193148 </a:t>
+            </a:r>
+            <a:r>
+              <a:rPr lang="ko-KR" altLang="en-US" sz="1800" b="1" kern="0" spc="-10" dirty="0">
+                <a:solidFill>
+                  <a:srgbClr val="000000"/>
+                </a:solidFill>
+                <a:effectLst/>
+                <a:latin typeface="맑은 고딕" panose="020B0503020000020004" pitchFamily="50" charset="-127"/>
+                <a:ea typeface="맑은 고딕" panose="020B0503020000020004" pitchFamily="50" charset="-127"/>
+              </a:rPr>
+              <a:t>황진주</a:t>
+            </a:r>
+            <a:endParaRPr lang="ko-KR" altLang="en-US" sz="1800" kern="0" spc="0" dirty="0">
+              <a:solidFill>
+                <a:srgbClr val="000000"/>
+              </a:solidFill>
+              <a:effectLst/>
+              <a:latin typeface="바탕" panose="02030600000101010101" pitchFamily="18" charset="-127"/>
+            </a:endParaRPr>
           </a:p>
         </p:txBody>
       </p:sp>
     </p:spTree>
     <p:extLst>
       <p:ext uri="{BB962C8B-B14F-4D97-AF65-F5344CB8AC3E}">
-        <p14:creationId xmlns:p14="http://schemas.microsoft.com/office/powerpoint/2010/main" val="4095424269"/>
+        <p14:creationId xmlns:p14="http://schemas.microsoft.com/office/powerpoint/2010/main" val="195194658"/>
       </p:ext>
     </p:extLst>
   </p:cSld>
@@ -3833,7 +5122,7 @@
           <p:cNvPr id="2" name="TextBox 1">
             <a:extLst>
               <a:ext uri="{FF2B5EF4-FFF2-40B4-BE49-F238E27FC236}">
-                <a16:creationId xmlns:a16="http://schemas.microsoft.com/office/drawing/2014/main" id="{E7CE649F-28D8-4F73-9E29-FF35777D063A}"/>
+                <a16:creationId xmlns:a16="http://schemas.microsoft.com/office/drawing/2014/main" id="{F64B0E79-ECB5-4B31-B077-B5EFA767E8E7}"/>
               </a:ext>
             </a:extLst>
           </p:cNvPr>
@@ -3842,8 +5131,8 @@
         </p:nvSpPr>
         <p:spPr>
           <a:xfrm>
-            <a:off x="109267" y="94890"/>
-            <a:ext cx="11973465" cy="6986528"/>
+            <a:off x="5581291" y="3244334"/>
+            <a:ext cx="646331" cy="369332"/>
           </a:xfrm>
           <a:prstGeom prst="rect">
             <a:avLst/>
@@ -3851,351 +5140,14 @@
           <a:noFill/>
         </p:spPr>
         <p:txBody>
-          <a:bodyPr wrap="square" rtlCol="0">
+          <a:bodyPr wrap="none" rtlCol="0">
             <a:spAutoFit/>
           </a:bodyPr>
           <a:lstStyle/>
           <a:p>
             <a:r>
-              <a:rPr lang="en-US" altLang="ko-KR" sz="1600" b="1" dirty="0"/>
-              <a:t>3.</a:t>
-            </a:r>
-            <a:r>
-              <a:rPr lang="ko-KR" altLang="en-US" sz="1600" b="1" dirty="0"/>
-              <a:t>구체적 아이디어</a:t>
-            </a:r>
-          </a:p>
-          <a:p>
-            <a:endParaRPr lang="ko-KR" altLang="en-US" sz="1600" dirty="0"/>
-          </a:p>
-          <a:p>
-            <a:r>
-              <a:rPr lang="ko-KR" altLang="en-US" sz="1600" dirty="0"/>
-              <a:t> </a:t>
-            </a:r>
-            <a:r>
-              <a:rPr lang="en-US" altLang="ko-KR" sz="1600" dirty="0"/>
-              <a:t>- </a:t>
-            </a:r>
-            <a:r>
-              <a:rPr lang="ko-KR" altLang="en-US" sz="1600" dirty="0"/>
-              <a:t>개인 혹은 공동 소유의 전용 물품에 대한 관리 체계 제공</a:t>
-            </a:r>
-          </a:p>
-          <a:p>
-            <a:r>
-              <a:rPr lang="ko-KR" altLang="en-US" sz="1600" dirty="0"/>
-              <a:t> </a:t>
-            </a:r>
-            <a:r>
-              <a:rPr lang="en-US" altLang="ko-KR" sz="1600" dirty="0"/>
-              <a:t>- </a:t>
-            </a:r>
-            <a:r>
-              <a:rPr lang="ko-KR" altLang="en-US" sz="1600" dirty="0"/>
-              <a:t>널리 보급된 자원의 활용을 극대화하여 완전한 저비용 체계 강조</a:t>
-            </a:r>
-          </a:p>
-          <a:p>
-            <a:r>
-              <a:rPr lang="ko-KR" altLang="en-US" sz="1600" dirty="0"/>
-              <a:t> </a:t>
-            </a:r>
-            <a:r>
-              <a:rPr lang="en-US" altLang="ko-KR" sz="1600" dirty="0"/>
-              <a:t>- </a:t>
-            </a:r>
-            <a:r>
-              <a:rPr lang="ko-KR" altLang="en-US" sz="1600" dirty="0"/>
-              <a:t>수기 수불대장의 온라인 대체</a:t>
-            </a:r>
-          </a:p>
-          <a:p>
-            <a:endParaRPr lang="en-US" altLang="ko-KR" sz="1600" dirty="0"/>
-          </a:p>
-          <a:p>
-            <a:r>
-              <a:rPr lang="ko-KR" altLang="en-US" sz="1600" dirty="0"/>
-              <a:t> </a:t>
-            </a:r>
-            <a:r>
-              <a:rPr lang="en-US" altLang="ko-KR" sz="1600" dirty="0"/>
-              <a:t>- </a:t>
-            </a:r>
-            <a:r>
-              <a:rPr lang="ko-KR" altLang="en-US" sz="1600" dirty="0"/>
-              <a:t>수불대장의 온라인 기록 </a:t>
-            </a:r>
-            <a:r>
-              <a:rPr lang="en-US" altLang="ko-KR" sz="1600" dirty="0"/>
-              <a:t>(</a:t>
-            </a:r>
-            <a:r>
-              <a:rPr lang="ko-KR" altLang="en-US" sz="1600" dirty="0"/>
-              <a:t>수불대장 훼손 피해 예방</a:t>
-            </a:r>
-            <a:r>
-              <a:rPr lang="en-US" altLang="ko-KR" sz="1600" dirty="0"/>
-              <a:t>)</a:t>
-            </a:r>
-          </a:p>
-          <a:p>
-            <a:r>
-              <a:rPr lang="en-US" altLang="ko-KR" sz="1600" dirty="0"/>
-              <a:t>   - </a:t>
-            </a:r>
-            <a:r>
-              <a:rPr lang="ko-KR" altLang="en-US" sz="1600" dirty="0"/>
-              <a:t>수기 작성</a:t>
-            </a:r>
-            <a:r>
-              <a:rPr lang="en-US" altLang="ko-KR" sz="1600" dirty="0"/>
-              <a:t>/</a:t>
-            </a:r>
-            <a:r>
-              <a:rPr lang="ko-KR" altLang="en-US" sz="1600" dirty="0"/>
-              <a:t>가독성 불편 해소</a:t>
-            </a:r>
-          </a:p>
-          <a:p>
-            <a:r>
-              <a:rPr lang="ko-KR" altLang="en-US" sz="1600" dirty="0"/>
-              <a:t>   </a:t>
-            </a:r>
-            <a:r>
-              <a:rPr lang="en-US" altLang="ko-KR" sz="1600" dirty="0"/>
-              <a:t>- </a:t>
-            </a:r>
-            <a:r>
-              <a:rPr lang="ko-KR" altLang="en-US" sz="1600" dirty="0"/>
-              <a:t>실시간 대여</a:t>
-            </a:r>
-            <a:r>
-              <a:rPr lang="en-US" altLang="ko-KR" sz="1600" dirty="0"/>
-              <a:t>/</a:t>
-            </a:r>
-            <a:r>
-              <a:rPr lang="ko-KR" altLang="en-US" sz="1600" dirty="0"/>
-              <a:t>반납 현황 파악</a:t>
-            </a:r>
-          </a:p>
-          <a:p>
-            <a:r>
-              <a:rPr lang="ko-KR" altLang="en-US" sz="1600" dirty="0"/>
-              <a:t>   </a:t>
-            </a:r>
-            <a:r>
-              <a:rPr lang="en-US" altLang="ko-KR" sz="1600" dirty="0"/>
-              <a:t>- </a:t>
-            </a:r>
-            <a:r>
-              <a:rPr lang="ko-KR" altLang="en-US" sz="1600" dirty="0"/>
-              <a:t>분실</a:t>
-            </a:r>
-            <a:r>
-              <a:rPr lang="en-US" altLang="ko-KR" sz="1600" dirty="0"/>
-              <a:t>/</a:t>
-            </a:r>
-            <a:r>
-              <a:rPr lang="ko-KR" altLang="en-US" sz="1600" dirty="0"/>
-              <a:t>도난</a:t>
-            </a:r>
-            <a:r>
-              <a:rPr lang="en-US" altLang="ko-KR" sz="1600" dirty="0"/>
-              <a:t>/</a:t>
-            </a:r>
-            <a:r>
-              <a:rPr lang="ko-KR" altLang="en-US" sz="1600" dirty="0"/>
-              <a:t>파손 추적 용이</a:t>
-            </a:r>
-          </a:p>
-          <a:p>
-            <a:endParaRPr lang="en-US" altLang="ko-KR" sz="1600" dirty="0"/>
-          </a:p>
-          <a:p>
-            <a:r>
-              <a:rPr lang="en-US" altLang="ko-KR" sz="1600" dirty="0"/>
-              <a:t> - AI</a:t>
-            </a:r>
-            <a:r>
-              <a:rPr lang="ko-KR" altLang="en-US" sz="1600" dirty="0"/>
-              <a:t>를 접목한 분석</a:t>
-            </a:r>
-            <a:r>
-              <a:rPr lang="en-US" altLang="ko-KR" sz="1600" dirty="0"/>
-              <a:t>/</a:t>
-            </a:r>
-            <a:r>
-              <a:rPr lang="ko-KR" altLang="en-US" sz="1600" dirty="0"/>
-              <a:t>제안 및 </a:t>
-            </a:r>
-            <a:r>
-              <a:rPr lang="en-US" altLang="ko-KR" sz="1600" dirty="0"/>
-              <a:t>e-</a:t>
-            </a:r>
-            <a:r>
-              <a:rPr lang="ko-KR" altLang="en-US" sz="1600" dirty="0"/>
-              <a:t>커머스 연계</a:t>
-            </a:r>
-          </a:p>
-          <a:p>
-            <a:r>
-              <a:rPr lang="en-US" altLang="ko-KR" sz="1600" dirty="0"/>
-              <a:t> - IT </a:t>
-            </a:r>
-            <a:r>
-              <a:rPr lang="ko-KR" altLang="en-US" sz="1600" dirty="0"/>
-              <a:t>업계에서의 플랫폼화 추세 강조</a:t>
-            </a:r>
-            <a:br>
-              <a:rPr lang="en-US" altLang="ko-KR" sz="1600" dirty="0"/>
-            </a:br>
-            <a:r>
-              <a:rPr lang="en-US" altLang="ko-KR" sz="1600" dirty="0"/>
-              <a:t>   ex) </a:t>
-            </a:r>
-            <a:r>
-              <a:rPr lang="ko-KR" altLang="en-US" sz="1600" dirty="0"/>
-              <a:t>네이버 카페로 시작한 중고나라의 현 시장 가치 등 플랫폼이 가지는 이점 강조</a:t>
-            </a:r>
-            <a:endParaRPr lang="en-US" altLang="ko-KR" sz="1600" dirty="0"/>
-          </a:p>
-          <a:p>
-            <a:r>
-              <a:rPr lang="ko-KR" altLang="en-US" sz="1600" dirty="0"/>
-              <a:t>  </a:t>
-            </a:r>
-            <a:r>
-              <a:rPr lang="en-US" altLang="ko-KR" sz="1600" dirty="0"/>
-              <a:t>=&gt; </a:t>
-            </a:r>
-            <a:r>
-              <a:rPr lang="ko-KR" altLang="en-US" sz="1600" dirty="0"/>
-              <a:t>물품관리 시스템의 플랫폼화 계획에 대한 사업적 이점 강조</a:t>
-            </a:r>
-            <a:endParaRPr lang="en-US" altLang="ko-KR" sz="1600" dirty="0"/>
-          </a:p>
-          <a:p>
-            <a:endParaRPr lang="en-US" altLang="ko-KR" sz="1600" dirty="0"/>
-          </a:p>
-          <a:p>
-            <a:r>
-              <a:rPr lang="ko-KR" altLang="en-US" sz="1600" b="1" dirty="0"/>
-              <a:t>여기서 플랫폼이란</a:t>
-            </a:r>
-            <a:r>
-              <a:rPr lang="en-US" altLang="ko-KR" sz="1600" b="1" dirty="0"/>
-              <a:t>?</a:t>
-            </a:r>
-          </a:p>
-          <a:p>
-            <a:r>
-              <a:rPr lang="ko-KR" altLang="en-US" sz="1600" dirty="0"/>
-              <a:t>경계가 없던 땅이 구획되면서 용도에 따라 다양한 형태로 활용될 수 있는 공간 상징</a:t>
-            </a:r>
-          </a:p>
-          <a:p>
-            <a:endParaRPr lang="ko-KR" altLang="en-US" sz="1600" dirty="0"/>
-          </a:p>
-          <a:p>
-            <a:endParaRPr lang="ko-KR" altLang="en-US" sz="1600" dirty="0"/>
-          </a:p>
-          <a:p>
-            <a:r>
-              <a:rPr lang="ko-KR" altLang="en-US" sz="1600" b="1" dirty="0"/>
-              <a:t>기초 동작 방식 </a:t>
-            </a:r>
-            <a:r>
-              <a:rPr lang="en-US" altLang="ko-KR" sz="1600" b="1" dirty="0"/>
-              <a:t>(</a:t>
-            </a:r>
-            <a:r>
-              <a:rPr lang="ko-KR" altLang="en-US" sz="1600" b="1" dirty="0"/>
-              <a:t>수행계획서 내용</a:t>
-            </a:r>
-            <a:r>
-              <a:rPr lang="en-US" altLang="ko-KR" sz="1600" b="1" dirty="0"/>
-              <a:t>)</a:t>
-            </a:r>
-          </a:p>
-          <a:p>
-            <a:r>
-              <a:rPr lang="en-US" altLang="ko-KR" sz="1600" dirty="0"/>
-              <a:t>   ① </a:t>
-            </a:r>
-            <a:r>
-              <a:rPr lang="ko-KR" altLang="en-US" sz="1600" dirty="0"/>
-              <a:t>특정 일련번호를 가진 </a:t>
-            </a:r>
-            <a:r>
-              <a:rPr lang="en-US" altLang="ko-KR" sz="1600" dirty="0"/>
-              <a:t>QR </a:t>
-            </a:r>
-            <a:r>
-              <a:rPr lang="ko-KR" altLang="en-US" sz="1600" dirty="0"/>
-              <a:t>코드를 관리 대상 물품에 부착</a:t>
-            </a:r>
-          </a:p>
-          <a:p>
-            <a:r>
-              <a:rPr lang="ko-KR" altLang="en-US" sz="1600" dirty="0"/>
-              <a:t>   ② 해당 물품을 온라인 환경에 등록</a:t>
-            </a:r>
-          </a:p>
-          <a:p>
-            <a:r>
-              <a:rPr lang="ko-KR" altLang="en-US" sz="1600" dirty="0"/>
-              <a:t>   ③ 어플리케이션을 통해 실시간 대여</a:t>
-            </a:r>
-            <a:r>
-              <a:rPr lang="en-US" altLang="ko-KR" sz="1600" dirty="0"/>
-              <a:t>/</a:t>
-            </a:r>
-            <a:r>
-              <a:rPr lang="ko-KR" altLang="en-US" sz="1600" dirty="0"/>
-              <a:t>반납 현황을 확인하고 </a:t>
-            </a:r>
-          </a:p>
-          <a:p>
-            <a:r>
-              <a:rPr lang="ko-KR" altLang="en-US" sz="1600" dirty="0"/>
-              <a:t>     대여 및 반납을 진행</a:t>
-            </a:r>
-          </a:p>
-          <a:p>
-            <a:r>
-              <a:rPr lang="ko-KR" altLang="en-US" sz="1600" dirty="0"/>
-              <a:t>   ④ 관리자는 </a:t>
-            </a:r>
-            <a:r>
-              <a:rPr lang="en-US" altLang="ko-KR" sz="1600" dirty="0"/>
-              <a:t>AI</a:t>
-            </a:r>
-            <a:r>
-              <a:rPr lang="ko-KR" altLang="en-US" sz="1600" dirty="0"/>
-              <a:t>의 분석 결과</a:t>
-            </a:r>
-            <a:r>
-              <a:rPr lang="en-US" altLang="ko-KR" sz="1600" dirty="0"/>
-              <a:t>(</a:t>
-            </a:r>
-            <a:r>
-              <a:rPr lang="ko-KR" altLang="en-US" sz="1600" dirty="0"/>
-              <a:t>자주 대여하는 물품 추가 구매 </a:t>
-            </a:r>
-          </a:p>
-          <a:p>
-            <a:r>
-              <a:rPr lang="ko-KR" altLang="en-US" sz="1600" dirty="0"/>
-              <a:t>     제안 등</a:t>
-            </a:r>
-            <a:r>
-              <a:rPr lang="en-US" altLang="ko-KR" sz="1600" dirty="0"/>
-              <a:t>)</a:t>
-            </a:r>
-            <a:r>
-              <a:rPr lang="ko-KR" altLang="en-US" sz="1600" dirty="0"/>
-              <a:t>에 따라 후속 조치 시행</a:t>
+              <a:rPr lang="ko-KR" altLang="en-US" dirty="0"/>
+              <a:t>목차</a:t>
             </a:r>
           </a:p>
         </p:txBody>
@@ -4203,7 +5155,7 @@
     </p:spTree>
     <p:extLst>
       <p:ext uri="{BB962C8B-B14F-4D97-AF65-F5344CB8AC3E}">
-        <p14:creationId xmlns:p14="http://schemas.microsoft.com/office/powerpoint/2010/main" val="3301039295"/>
+        <p14:creationId xmlns:p14="http://schemas.microsoft.com/office/powerpoint/2010/main" val="2088228134"/>
       </p:ext>
     </p:extLst>
   </p:cSld>
@@ -4232,10 +5184,10 @@
       </p:grpSpPr>
       <p:sp>
         <p:nvSpPr>
-          <p:cNvPr id="2" name="TextBox 1">
-            <a:extLst>
-              <a:ext uri="{FF2B5EF4-FFF2-40B4-BE49-F238E27FC236}">
-                <a16:creationId xmlns:a16="http://schemas.microsoft.com/office/drawing/2014/main" id="{E7CE649F-28D8-4F73-9E29-FF35777D063A}"/>
+          <p:cNvPr id="4" name="TextBox 3">
+            <a:extLst>
+              <a:ext uri="{FF2B5EF4-FFF2-40B4-BE49-F238E27FC236}">
+                <a16:creationId xmlns:a16="http://schemas.microsoft.com/office/drawing/2014/main" id="{0114C94C-9F28-4500-AA49-8917AA32256C}"/>
               </a:ext>
             </a:extLst>
           </p:cNvPr>
@@ -4244,8 +5196,8 @@
         </p:nvSpPr>
         <p:spPr>
           <a:xfrm>
-            <a:off x="109267" y="151179"/>
-            <a:ext cx="11973465" cy="6555641"/>
+            <a:off x="411480" y="4479008"/>
+            <a:ext cx="11257472" cy="1754326"/>
           </a:xfrm>
           <a:prstGeom prst="rect">
             <a:avLst/>
@@ -4259,354 +5211,320 @@
           <a:lstStyle/>
           <a:p>
             <a:r>
-              <a:rPr lang="en-US" altLang="ko-KR" sz="2000" b="1" dirty="0"/>
-              <a:t>4. </a:t>
-            </a:r>
-            <a:r>
-              <a:rPr lang="ko-KR" altLang="en-US" sz="2000" b="1" dirty="0"/>
-              <a:t>경쟁사 분석</a:t>
-            </a:r>
-            <a:endParaRPr lang="en-US" altLang="ko-KR" sz="2000" b="1" dirty="0"/>
-          </a:p>
-          <a:p>
-            <a:r>
-              <a:rPr lang="ko-KR" altLang="en-US" sz="2000" b="1" dirty="0"/>
-              <a:t>경쟁사 </a:t>
-            </a:r>
-            <a:r>
-              <a:rPr lang="en-US" altLang="ko-KR" sz="2000" b="1" dirty="0"/>
+              <a:rPr lang="en-US" altLang="ko-KR" b="1" dirty="0"/>
+              <a:t>1. </a:t>
+            </a:r>
+            <a:r>
+              <a:rPr lang="ko-KR" altLang="en-US" b="1" dirty="0"/>
+              <a:t>문제상황 및 동기 제시 </a:t>
+            </a:r>
+            <a:r>
+              <a:rPr lang="en-US" altLang="ko-KR" b="1" dirty="0"/>
               <a:t>(</a:t>
             </a:r>
             <a:r>
-              <a:rPr lang="ko-KR" altLang="en-US" sz="2000" b="1" dirty="0"/>
-              <a:t>이지판매</a:t>
-            </a:r>
-            <a:r>
-              <a:rPr lang="en-US" altLang="ko-KR" sz="2000" b="1" dirty="0"/>
+              <a:rPr lang="ko-KR" altLang="en-US" b="1" dirty="0"/>
+              <a:t>필요한 이유</a:t>
+            </a:r>
+            <a:r>
+              <a:rPr lang="en-US" altLang="ko-KR" b="1" dirty="0"/>
               <a:t>)</a:t>
             </a:r>
-          </a:p>
-          <a:p>
-            <a:pPr marL="342900" indent="-342900">
-              <a:buFont typeface="Arial" panose="020B0604020202020204" pitchFamily="34" charset="0"/>
-              <a:buChar char="•"/>
-            </a:pPr>
-            <a:r>
-              <a:rPr lang="ko-KR" altLang="en-US" sz="2000" dirty="0"/>
-              <a:t>초기 비용 발생으로 소규모</a:t>
-            </a:r>
-            <a:r>
-              <a:rPr lang="en-US" altLang="ko-KR" sz="2000" dirty="0"/>
+            <a:br>
+              <a:rPr lang="en-US" altLang="ko-KR" dirty="0"/>
+            </a:br>
+            <a:r>
+              <a:rPr lang="en-US" altLang="ko-KR" dirty="0"/>
+              <a:t> - </a:t>
+            </a:r>
+            <a:r>
+              <a:rPr lang="ko-KR" altLang="en-US" dirty="0"/>
+              <a:t>수불대장이 수기로 작성되어</a:t>
+            </a:r>
+            <a:r>
+              <a:rPr lang="en-US" altLang="ko-KR" dirty="0"/>
+              <a:t>, </a:t>
+            </a:r>
+            <a:r>
+              <a:rPr lang="ko-KR" altLang="en-US" dirty="0"/>
+              <a:t>관리</a:t>
+            </a:r>
+            <a:r>
+              <a:rPr lang="en-US" altLang="ko-KR" dirty="0"/>
               <a:t>/</a:t>
             </a:r>
             <a:r>
-              <a:rPr lang="ko-KR" altLang="en-US" sz="2000" dirty="0"/>
-              <a:t>개인 사용자의 접근성 낮음</a:t>
-            </a:r>
-          </a:p>
-          <a:p>
-            <a:pPr marL="342900" indent="-342900">
-              <a:buFont typeface="Arial" panose="020B0604020202020204" pitchFamily="34" charset="0"/>
-              <a:buChar char="•"/>
-            </a:pPr>
-            <a:r>
-              <a:rPr lang="en-US" altLang="ko-KR" sz="2000" dirty="0"/>
-              <a:t>(</a:t>
-            </a:r>
-            <a:r>
-              <a:rPr lang="ko-KR" altLang="en-US" sz="2000" dirty="0"/>
-              <a:t>월 </a:t>
-            </a:r>
-            <a:r>
-              <a:rPr lang="en-US" altLang="ko-KR" sz="2000" dirty="0"/>
-              <a:t>44,000/ </a:t>
-            </a:r>
-            <a:r>
-              <a:rPr lang="ko-KR" altLang="en-US" sz="2000" dirty="0"/>
-              <a:t>혹은 최초 </a:t>
-            </a:r>
-            <a:r>
-              <a:rPr lang="en-US" altLang="ko-KR" sz="2000" dirty="0"/>
-              <a:t>275,000~ </a:t>
-            </a:r>
-            <a:r>
-              <a:rPr lang="ko-KR" altLang="en-US" sz="2000" dirty="0"/>
-              <a:t>비용 지불 필요</a:t>
-            </a:r>
-            <a:r>
-              <a:rPr lang="en-US" altLang="ko-KR" sz="2000" dirty="0"/>
-              <a:t>)</a:t>
-            </a:r>
-          </a:p>
-          <a:p>
-            <a:pPr marL="342900" indent="-342900">
-              <a:buFont typeface="Arial" panose="020B0604020202020204" pitchFamily="34" charset="0"/>
-              <a:buChar char="•"/>
-            </a:pPr>
-            <a:r>
-              <a:rPr lang="ko-KR" altLang="en-US" sz="2000" dirty="0"/>
-              <a:t>어플리케이션 형태로 제공하지 않음</a:t>
-            </a:r>
-          </a:p>
-          <a:p>
-            <a:pPr marL="342900" indent="-342900">
-              <a:buFont typeface="Arial" panose="020B0604020202020204" pitchFamily="34" charset="0"/>
-              <a:buChar char="•"/>
-            </a:pPr>
-            <a:r>
-              <a:rPr lang="ko-KR" altLang="en-US" sz="2000" dirty="0"/>
-              <a:t>바코드 스캐너 등 필요</a:t>
-            </a:r>
-          </a:p>
-          <a:p>
-            <a:pPr marL="342900" indent="-342900">
-              <a:buFont typeface="Arial" panose="020B0604020202020204" pitchFamily="34" charset="0"/>
-              <a:buChar char="•"/>
-            </a:pPr>
-            <a:r>
-              <a:rPr lang="ko-KR" altLang="en-US" sz="2000" dirty="0"/>
-              <a:t>사용성 복잡</a:t>
-            </a:r>
-          </a:p>
-          <a:p>
-            <a:endParaRPr lang="en-US" altLang="ko-KR" sz="2000" dirty="0"/>
-          </a:p>
-          <a:p>
-            <a:endParaRPr lang="ko-KR" altLang="en-US" sz="2000" dirty="0"/>
-          </a:p>
-          <a:p>
-            <a:r>
-              <a:rPr lang="ko-KR" altLang="en-US" sz="2000" b="1" dirty="0"/>
-              <a:t>경쟁사 </a:t>
-            </a:r>
-            <a:r>
-              <a:rPr lang="en-US" altLang="ko-KR" sz="2000" b="1" dirty="0"/>
-              <a:t>(</a:t>
-            </a:r>
-            <a:r>
-              <a:rPr lang="ko-KR" altLang="en-US" sz="2000" b="1" dirty="0" err="1"/>
-              <a:t>박스히어로</a:t>
-            </a:r>
-            <a:r>
-              <a:rPr lang="en-US" altLang="ko-KR" sz="2000" b="1" dirty="0"/>
-              <a:t>)</a:t>
-            </a:r>
-          </a:p>
-          <a:p>
-            <a:pPr marL="342900" indent="-342900">
-              <a:buFont typeface="Arial" panose="020B0604020202020204" pitchFamily="34" charset="0"/>
-              <a:buChar char="•"/>
-            </a:pPr>
-            <a:r>
-              <a:rPr lang="ko-KR" altLang="en-US" sz="2000" dirty="0"/>
-              <a:t>외부 사업자 간의 거래 </a:t>
-            </a:r>
-            <a:r>
-              <a:rPr lang="en-US" altLang="ko-KR" sz="2000" dirty="0">
-                <a:sym typeface="Wingdings" panose="05000000000000000000" pitchFamily="2" charset="2"/>
-              </a:rPr>
-              <a:t></a:t>
-            </a:r>
-            <a:r>
-              <a:rPr lang="en-US" altLang="ko-KR" sz="2000" dirty="0"/>
-              <a:t> </a:t>
-            </a:r>
-            <a:r>
-              <a:rPr lang="ko-KR" altLang="en-US" sz="2000" dirty="0"/>
-              <a:t>내부자 간의 대여</a:t>
-            </a:r>
-            <a:endParaRPr lang="en-US" altLang="ko-KR" sz="2000" dirty="0"/>
-          </a:p>
-          <a:p>
-            <a:pPr marL="342900" indent="-342900">
-              <a:buFont typeface="Arial" panose="020B0604020202020204" pitchFamily="34" charset="0"/>
-              <a:buChar char="•"/>
-            </a:pPr>
-            <a:r>
-              <a:rPr lang="ko-KR" altLang="en-US" sz="2000" dirty="0"/>
-              <a:t>입고</a:t>
-            </a:r>
-            <a:r>
-              <a:rPr lang="en-US" altLang="ko-KR" sz="2000" dirty="0"/>
-              <a:t>/</a:t>
-            </a:r>
-            <a:r>
-              <a:rPr lang="ko-KR" altLang="en-US" sz="2000" dirty="0"/>
-              <a:t>출고 형태 </a:t>
-            </a:r>
-            <a:r>
-              <a:rPr lang="en-US" altLang="ko-KR" sz="2000" dirty="0">
-                <a:sym typeface="Wingdings" panose="05000000000000000000" pitchFamily="2" charset="2"/>
-              </a:rPr>
-              <a:t></a:t>
-            </a:r>
-            <a:r>
-              <a:rPr lang="en-US" altLang="ko-KR" sz="2000" dirty="0"/>
-              <a:t> </a:t>
-            </a:r>
-            <a:r>
-              <a:rPr lang="ko-KR" altLang="en-US" sz="2000" dirty="0"/>
-              <a:t>대여</a:t>
-            </a:r>
-            <a:r>
-              <a:rPr lang="en-US" altLang="ko-KR" sz="2000" dirty="0"/>
-              <a:t>/</a:t>
-            </a:r>
-            <a:r>
-              <a:rPr lang="ko-KR" altLang="en-US" sz="2000" dirty="0"/>
-              <a:t>반납 형태</a:t>
-            </a:r>
-            <a:endParaRPr lang="en-US" altLang="ko-KR" sz="2000" dirty="0"/>
-          </a:p>
-          <a:p>
-            <a:pPr marL="342900" indent="-342900">
-              <a:buFont typeface="Arial" panose="020B0604020202020204" pitchFamily="34" charset="0"/>
-              <a:buChar char="•"/>
-            </a:pPr>
-            <a:r>
-              <a:rPr lang="en-US" altLang="ko-KR" sz="2000" dirty="0"/>
-              <a:t>=&gt; </a:t>
-            </a:r>
-            <a:r>
-              <a:rPr lang="ko-KR" altLang="en-US" sz="2000" dirty="0"/>
-              <a:t>사용 목적의 대상자의 차이</a:t>
-            </a:r>
-            <a:endParaRPr lang="en-US" altLang="ko-KR" sz="2000" dirty="0"/>
-          </a:p>
-          <a:p>
-            <a:endParaRPr lang="en-US" altLang="ko-KR" sz="2000" dirty="0"/>
-          </a:p>
-          <a:p>
-            <a:endParaRPr lang="en-US" altLang="ko-KR" sz="2000" dirty="0"/>
-          </a:p>
-          <a:p>
-            <a:r>
-              <a:rPr lang="ko-KR" altLang="en-US" sz="2000" b="1" dirty="0"/>
-              <a:t>우리</a:t>
-            </a:r>
-          </a:p>
-          <a:p>
-            <a:pPr marL="342900" indent="-342900">
-              <a:buFont typeface="Arial" panose="020B0604020202020204" pitchFamily="34" charset="0"/>
-              <a:buChar char="•"/>
-            </a:pPr>
-            <a:r>
-              <a:rPr lang="ko-KR" altLang="en-US" sz="2000" dirty="0"/>
-              <a:t>비용 최소화 목표</a:t>
-            </a:r>
-          </a:p>
-          <a:p>
-            <a:pPr marL="342900" indent="-342900">
-              <a:buFont typeface="Arial" panose="020B0604020202020204" pitchFamily="34" charset="0"/>
-              <a:buChar char="•"/>
-            </a:pPr>
-            <a:r>
-              <a:rPr lang="ko-KR" altLang="en-US" sz="2000" dirty="0"/>
-              <a:t>개인</a:t>
-            </a:r>
-            <a:r>
-              <a:rPr lang="en-US" altLang="ko-KR" sz="2000" dirty="0"/>
-              <a:t>/</a:t>
-            </a:r>
-            <a:r>
-              <a:rPr lang="ko-KR" altLang="en-US" sz="2000" dirty="0"/>
-              <a:t>소규모 단체의 전용 물품 관리 편의에 초점 </a:t>
-            </a:r>
-            <a:r>
-              <a:rPr lang="en-US" altLang="ko-KR" sz="2000" dirty="0"/>
-              <a:t>(</a:t>
-            </a:r>
-            <a:r>
-              <a:rPr lang="ko-KR" altLang="en-US" sz="2000" dirty="0"/>
-              <a:t>접근 편의성 강조</a:t>
-            </a:r>
-            <a:r>
-              <a:rPr lang="en-US" altLang="ko-KR" sz="2000" dirty="0"/>
-              <a:t>)</a:t>
-            </a:r>
-          </a:p>
-          <a:p>
-            <a:pPr marL="342900" indent="-342900">
-              <a:buFont typeface="Arial" panose="020B0604020202020204" pitchFamily="34" charset="0"/>
-              <a:buChar char="•"/>
-            </a:pPr>
-            <a:r>
-              <a:rPr lang="ko-KR" altLang="en-US" sz="2000" dirty="0"/>
-              <a:t>어플리케이션 형태로 제공</a:t>
-            </a:r>
-            <a:r>
-              <a:rPr lang="en-US" altLang="ko-KR" sz="2000" dirty="0"/>
-              <a:t>, </a:t>
-            </a:r>
-            <a:r>
-              <a:rPr lang="ko-KR" altLang="en-US" sz="2000" dirty="0"/>
-              <a:t>대여</a:t>
-            </a:r>
-            <a:r>
-              <a:rPr lang="en-US" altLang="ko-KR" sz="2000" dirty="0"/>
-              <a:t>/</a:t>
-            </a:r>
-            <a:r>
-              <a:rPr lang="ko-KR" altLang="en-US" sz="2000" dirty="0"/>
-              <a:t>반납에 초점</a:t>
-            </a:r>
-          </a:p>
-          <a:p>
-            <a:pPr marL="342900" indent="-342900">
-              <a:buFont typeface="Arial" panose="020B0604020202020204" pitchFamily="34" charset="0"/>
-              <a:buChar char="•"/>
-            </a:pPr>
-            <a:r>
-              <a:rPr lang="ko-KR" altLang="en-US" sz="2000" dirty="0"/>
-              <a:t>스마트폰 카메라 활용</a:t>
-            </a:r>
-          </a:p>
-          <a:p>
-            <a:pPr marL="342900" indent="-342900">
-              <a:buFont typeface="Arial" panose="020B0604020202020204" pitchFamily="34" charset="0"/>
-              <a:buChar char="•"/>
-            </a:pPr>
-            <a:r>
-              <a:rPr lang="ko-KR" altLang="en-US" sz="2000" dirty="0"/>
-              <a:t>사용성 간편</a:t>
-            </a:r>
-          </a:p>
-        </p:txBody>
-      </p:sp>
-      <p:pic>
-        <p:nvPicPr>
-          <p:cNvPr id="4" name="그림 3">
-            <a:extLst>
-              <a:ext uri="{FF2B5EF4-FFF2-40B4-BE49-F238E27FC236}">
-                <a16:creationId xmlns:a16="http://schemas.microsoft.com/office/drawing/2014/main" id="{D07B0081-A2BF-42CC-9F8F-2575FEB20898}"/>
-              </a:ext>
-            </a:extLst>
-          </p:cNvPr>
-          <p:cNvPicPr>
-            <a:picLocks noChangeAspect="1"/>
-          </p:cNvPicPr>
+              <a:rPr lang="ko-KR" altLang="en-US" dirty="0"/>
+              <a:t>보관이 불편함</a:t>
+            </a:r>
+            <a:br>
+              <a:rPr lang="en-US" altLang="ko-KR" dirty="0"/>
+            </a:br>
+            <a:r>
+              <a:rPr lang="en-US" altLang="ko-KR" dirty="0"/>
+              <a:t> - </a:t>
+            </a:r>
+            <a:r>
+              <a:rPr lang="ko-KR" altLang="en-US" dirty="0"/>
+              <a:t>재고 관리를 위해 관리자가 직접 물품 점검</a:t>
+            </a:r>
+            <a:br>
+              <a:rPr lang="en-US" altLang="ko-KR" dirty="0"/>
+            </a:br>
+            <a:r>
+              <a:rPr lang="en-US" altLang="ko-KR" dirty="0"/>
+              <a:t> - </a:t>
+            </a:r>
+            <a:r>
+              <a:rPr lang="ko-KR" altLang="en-US" dirty="0"/>
+              <a:t>관리자의 역량만으로 추가 물품 선정</a:t>
+            </a:r>
+            <a:br>
+              <a:rPr lang="en-US" altLang="ko-KR" dirty="0"/>
+            </a:br>
+            <a:r>
+              <a:rPr lang="en-US" altLang="ko-KR" dirty="0"/>
+              <a:t> - </a:t>
+            </a:r>
+            <a:r>
+              <a:rPr lang="ko-KR" altLang="en-US" dirty="0"/>
+              <a:t>사용자의 필체가 불량할 시 정보 식별이 어려움</a:t>
+            </a:r>
+            <a:br>
+              <a:rPr lang="en-US" altLang="ko-KR" dirty="0"/>
+            </a:br>
+            <a:r>
+              <a:rPr lang="en-US" altLang="ko-KR" dirty="0"/>
+              <a:t> - </a:t>
+            </a:r>
+            <a:r>
+              <a:rPr lang="ko-KR" altLang="en-US" dirty="0"/>
+              <a:t>물건관리 시 관리자가 모든 물건을 확인하며 해야함</a:t>
+            </a:r>
+            <a:endParaRPr lang="en-US" altLang="ko-KR" dirty="0"/>
+          </a:p>
+        </p:txBody>
+      </p:sp>
+      <p:sp>
+        <p:nvSpPr>
+          <p:cNvPr id="2" name="직사각형 1">
+            <a:extLst>
+              <a:ext uri="{FF2B5EF4-FFF2-40B4-BE49-F238E27FC236}">
+                <a16:creationId xmlns:a16="http://schemas.microsoft.com/office/drawing/2014/main" id="{02535189-2062-4AC0-BCD1-D2426C2DAF0A}"/>
+              </a:ext>
+            </a:extLst>
+          </p:cNvPr>
+          <p:cNvSpPr/>
           <p:nvPr/>
-        </p:nvPicPr>
-        <p:blipFill>
-          <a:blip r:embed="rId2"/>
-          <a:stretch>
-            <a:fillRect/>
-          </a:stretch>
-        </p:blipFill>
+        </p:nvSpPr>
         <p:spPr>
           <a:xfrm>
-            <a:off x="8471573" y="1696925"/>
-            <a:ext cx="3611159" cy="3261360"/>
+            <a:off x="411480" y="0"/>
+            <a:ext cx="314960" cy="873760"/>
           </a:xfrm>
           <a:prstGeom prst="rect">
             <a:avLst/>
           </a:prstGeom>
         </p:spPr>
-      </p:pic>
+        <p:style>
+          <a:lnRef idx="2">
+            <a:schemeClr val="accent1">
+              <a:shade val="50000"/>
+            </a:schemeClr>
+          </a:lnRef>
+          <a:fillRef idx="1">
+            <a:schemeClr val="accent1"/>
+          </a:fillRef>
+          <a:effectRef idx="0">
+            <a:schemeClr val="accent1"/>
+          </a:effectRef>
+          <a:fontRef idx="minor">
+            <a:schemeClr val="lt1"/>
+          </a:fontRef>
+        </p:style>
+        <p:txBody>
+          <a:bodyPr rtlCol="0" anchor="ctr"/>
+          <a:lstStyle/>
+          <a:p>
+            <a:pPr algn="ctr"/>
+            <a:endParaRPr lang="ko-KR" altLang="en-US"/>
+          </a:p>
+        </p:txBody>
+      </p:sp>
+      <p:sp>
+        <p:nvSpPr>
+          <p:cNvPr id="3" name="TextBox 2">
+            <a:extLst>
+              <a:ext uri="{FF2B5EF4-FFF2-40B4-BE49-F238E27FC236}">
+                <a16:creationId xmlns:a16="http://schemas.microsoft.com/office/drawing/2014/main" id="{E12C5C19-5210-472D-A3C8-D675B5F5C73A}"/>
+              </a:ext>
+            </a:extLst>
+          </p:cNvPr>
+          <p:cNvSpPr txBox="1"/>
+          <p:nvPr/>
+        </p:nvSpPr>
+        <p:spPr>
+          <a:xfrm>
+            <a:off x="833120" y="252214"/>
+            <a:ext cx="1651414" cy="369332"/>
+          </a:xfrm>
+          <a:prstGeom prst="rect">
+            <a:avLst/>
+          </a:prstGeom>
+          <a:noFill/>
+        </p:spPr>
+        <p:txBody>
+          <a:bodyPr wrap="none" rtlCol="0">
+            <a:spAutoFit/>
+          </a:bodyPr>
+          <a:lstStyle/>
+          <a:p>
+            <a:r>
+              <a:rPr lang="ko-KR" altLang="en-US"/>
+              <a:t>프로젝트 개요</a:t>
+            </a:r>
+          </a:p>
+        </p:txBody>
+      </p:sp>
+      <p:sp>
+        <p:nvSpPr>
+          <p:cNvPr id="6" name="TextBox 5">
+            <a:extLst>
+              <a:ext uri="{FF2B5EF4-FFF2-40B4-BE49-F238E27FC236}">
+                <a16:creationId xmlns:a16="http://schemas.microsoft.com/office/drawing/2014/main" id="{F52A3B48-EF8B-449A-B5B9-A793EDB6938C}"/>
+              </a:ext>
+            </a:extLst>
+          </p:cNvPr>
+          <p:cNvSpPr txBox="1"/>
+          <p:nvPr/>
+        </p:nvSpPr>
+        <p:spPr>
+          <a:xfrm>
+            <a:off x="2686252" y="1758769"/>
+            <a:ext cx="6819496" cy="770917"/>
+          </a:xfrm>
+          <a:prstGeom prst="rect">
+            <a:avLst/>
+          </a:prstGeom>
+          <a:noFill/>
+        </p:spPr>
+        <p:txBody>
+          <a:bodyPr wrap="none" rtlCol="0">
+            <a:spAutoFit/>
+          </a:bodyPr>
+          <a:lstStyle/>
+          <a:p>
+            <a:pPr marL="0" marR="0" indent="0" algn="ctr" fontAlgn="base" latinLnBrk="0">
+              <a:lnSpc>
+                <a:spcPct val="130000"/>
+              </a:lnSpc>
+              <a:spcBef>
+                <a:spcPts val="0"/>
+              </a:spcBef>
+              <a:spcAft>
+                <a:spcPts val="0"/>
+              </a:spcAft>
+            </a:pPr>
+            <a:r>
+              <a:rPr lang="ko-KR" altLang="en-US" sz="1800" kern="0" spc="0" dirty="0">
+                <a:solidFill>
+                  <a:srgbClr val="000000"/>
+                </a:solidFill>
+                <a:effectLst/>
+                <a:latin typeface="맑은 고딕" panose="020B0503020000020004" pitchFamily="50" charset="-127"/>
+                <a:ea typeface="맑은 고딕" panose="020B0503020000020004" pitchFamily="50" charset="-127"/>
+              </a:rPr>
+              <a:t>공동으로 사용하는 물품들을 저비용</a:t>
+            </a:r>
+            <a:r>
+              <a:rPr lang="en-US" altLang="ko-KR" sz="1800" kern="0" spc="0" dirty="0">
+                <a:solidFill>
+                  <a:srgbClr val="000000"/>
+                </a:solidFill>
+                <a:effectLst/>
+                <a:latin typeface="맑은 고딕" panose="020B0503020000020004" pitchFamily="50" charset="-127"/>
+                <a:ea typeface="맑은 고딕" panose="020B0503020000020004" pitchFamily="50" charset="-127"/>
+              </a:rPr>
+              <a:t>/</a:t>
+            </a:r>
+            <a:r>
+              <a:rPr lang="ko-KR" altLang="en-US" sz="1800" kern="0" spc="0" dirty="0">
+                <a:solidFill>
+                  <a:srgbClr val="000000"/>
+                </a:solidFill>
+                <a:effectLst/>
+                <a:latin typeface="맑은 고딕" panose="020B0503020000020004" pitchFamily="50" charset="-127"/>
+                <a:ea typeface="맑은 고딕" panose="020B0503020000020004" pitchFamily="50" charset="-127"/>
+              </a:rPr>
+              <a:t>온라인으로 관리할 수 있고</a:t>
+            </a:r>
+            <a:r>
+              <a:rPr lang="en-US" altLang="ko-KR" sz="1800" kern="0" spc="0" dirty="0">
+                <a:solidFill>
+                  <a:srgbClr val="000000"/>
+                </a:solidFill>
+                <a:effectLst/>
+                <a:latin typeface="맑은 고딕" panose="020B0503020000020004" pitchFamily="50" charset="-127"/>
+                <a:ea typeface="맑은 고딕" panose="020B0503020000020004" pitchFamily="50" charset="-127"/>
+              </a:rPr>
+              <a:t>,</a:t>
+            </a:r>
+            <a:endParaRPr lang="ko-KR" altLang="en-US" sz="1800" kern="0" spc="0" dirty="0">
+              <a:solidFill>
+                <a:srgbClr val="000000"/>
+              </a:solidFill>
+              <a:effectLst/>
+              <a:latin typeface="바탕" panose="02030600000101010101" pitchFamily="18" charset="-127"/>
+            </a:endParaRPr>
+          </a:p>
+          <a:p>
+            <a:pPr marL="0" marR="0" indent="0" algn="ctr" fontAlgn="base" latinLnBrk="0">
+              <a:lnSpc>
+                <a:spcPct val="130000"/>
+              </a:lnSpc>
+              <a:spcBef>
+                <a:spcPts val="0"/>
+              </a:spcBef>
+              <a:spcAft>
+                <a:spcPts val="0"/>
+              </a:spcAft>
+            </a:pPr>
+            <a:r>
+              <a:rPr lang="en-US" altLang="ko-KR" sz="1800" kern="0" spc="0" dirty="0">
+                <a:solidFill>
+                  <a:srgbClr val="000000"/>
+                </a:solidFill>
+                <a:effectLst/>
+                <a:latin typeface="맑은 고딕" panose="020B0503020000020004" pitchFamily="50" charset="-127"/>
+                <a:ea typeface="맑은 고딕" panose="020B0503020000020004" pitchFamily="50" charset="-127"/>
+              </a:rPr>
+              <a:t>AI</a:t>
+            </a:r>
+            <a:r>
+              <a:rPr lang="ko-KR" altLang="en-US" sz="1800" kern="0" spc="0" dirty="0">
+                <a:solidFill>
+                  <a:srgbClr val="000000"/>
+                </a:solidFill>
+                <a:effectLst/>
+                <a:latin typeface="맑은 고딕" panose="020B0503020000020004" pitchFamily="50" charset="-127"/>
+                <a:ea typeface="맑은 고딕" panose="020B0503020000020004" pitchFamily="50" charset="-127"/>
+              </a:rPr>
+              <a:t>에 기반하여 맞춤 제안 또한 수행할 수 있는 아이템</a:t>
+            </a:r>
+            <a:endParaRPr lang="ko-KR" altLang="en-US" sz="1800" kern="0" spc="0" dirty="0">
+              <a:solidFill>
+                <a:srgbClr val="000000"/>
+              </a:solidFill>
+              <a:effectLst/>
+              <a:latin typeface="바탕" panose="02030600000101010101" pitchFamily="18" charset="-127"/>
+            </a:endParaRPr>
+          </a:p>
+        </p:txBody>
+      </p:sp>
     </p:spTree>
     <p:extLst>
       <p:ext uri="{BB962C8B-B14F-4D97-AF65-F5344CB8AC3E}">
-        <p14:creationId xmlns:p14="http://schemas.microsoft.com/office/powerpoint/2010/main" val="1086676814"/>
+        <p14:creationId xmlns:p14="http://schemas.microsoft.com/office/powerpoint/2010/main" val="4095424269"/>
       </p:ext>
     </p:extLst>
   </p:cSld>
@@ -4633,12 +5551,664 @@
           <a:chExt cx="0" cy="0"/>
         </a:xfrm>
       </p:grpSpPr>
+      <p:sp>
+        <p:nvSpPr>
+          <p:cNvPr id="4" name="TextBox 3">
+            <a:extLst>
+              <a:ext uri="{FF2B5EF4-FFF2-40B4-BE49-F238E27FC236}">
+                <a16:creationId xmlns:a16="http://schemas.microsoft.com/office/drawing/2014/main" id="{0114C94C-9F28-4500-AA49-8917AA32256C}"/>
+              </a:ext>
+            </a:extLst>
+          </p:cNvPr>
+          <p:cNvSpPr txBox="1"/>
+          <p:nvPr/>
+        </p:nvSpPr>
+        <p:spPr>
+          <a:xfrm>
+            <a:off x="1412240" y="4224020"/>
+            <a:ext cx="7752176" cy="2308324"/>
+          </a:xfrm>
+          <a:prstGeom prst="rect">
+            <a:avLst/>
+          </a:prstGeom>
+          <a:noFill/>
+        </p:spPr>
+        <p:txBody>
+          <a:bodyPr wrap="square" rtlCol="0">
+            <a:spAutoFit/>
+          </a:bodyPr>
+          <a:lstStyle/>
+          <a:p>
+            <a:pPr algn="ctr"/>
+            <a:r>
+              <a:rPr lang="en-US" altLang="ko-KR" b="1" dirty="0"/>
+              <a:t>2. </a:t>
+            </a:r>
+            <a:r>
+              <a:rPr lang="ko-KR" altLang="en-US" b="1" dirty="0"/>
+              <a:t>문제에 대한 해결방안 및 타겟 고객 제시</a:t>
+            </a:r>
+            <a:br>
+              <a:rPr lang="en-US" altLang="ko-KR" dirty="0"/>
+            </a:br>
+            <a:r>
+              <a:rPr lang="ko-KR" altLang="en-US" dirty="0"/>
+              <a:t> </a:t>
+            </a:r>
+            <a:r>
+              <a:rPr lang="en-US" altLang="ko-KR" dirty="0"/>
+              <a:t>- </a:t>
+            </a:r>
+            <a:r>
+              <a:rPr lang="ko-KR" altLang="en-US" dirty="0"/>
+              <a:t>수기로 작성하던 수불대장의 디지털화</a:t>
+            </a:r>
+            <a:br>
+              <a:rPr lang="en-US" altLang="ko-KR" dirty="0"/>
+            </a:br>
+            <a:r>
+              <a:rPr lang="ko-KR" altLang="en-US" dirty="0"/>
+              <a:t> </a:t>
+            </a:r>
+            <a:r>
+              <a:rPr lang="en-US" altLang="ko-KR" dirty="0"/>
+              <a:t>- </a:t>
+            </a:r>
+            <a:r>
+              <a:rPr lang="ko-KR" altLang="en-US" dirty="0"/>
+              <a:t>저비용으로 소규모의 구성원에도 적은 부담</a:t>
+            </a:r>
+            <a:br>
+              <a:rPr lang="en-US" altLang="ko-KR" dirty="0"/>
+            </a:br>
+            <a:r>
+              <a:rPr lang="ko-KR" altLang="en-US" dirty="0"/>
+              <a:t> </a:t>
+            </a:r>
+            <a:r>
+              <a:rPr lang="en-US" altLang="ko-KR" dirty="0"/>
+              <a:t>- </a:t>
+            </a:r>
+            <a:r>
+              <a:rPr lang="ko-KR" altLang="en-US" dirty="0"/>
+              <a:t>점검 및 추가 구매에 대한 제안을 하는 </a:t>
+            </a:r>
+            <a:r>
+              <a:rPr lang="en-US" altLang="ko-KR" dirty="0"/>
+              <a:t>AI </a:t>
+            </a:r>
+            <a:r>
+              <a:rPr lang="ko-KR" altLang="en-US" dirty="0"/>
+              <a:t>지원</a:t>
+            </a:r>
+            <a:br>
+              <a:rPr lang="en-US" altLang="ko-KR" dirty="0"/>
+            </a:br>
+            <a:r>
+              <a:rPr lang="ko-KR" altLang="en-US" dirty="0"/>
+              <a:t> </a:t>
+            </a:r>
+            <a:r>
+              <a:rPr lang="en-US" altLang="ko-KR" dirty="0"/>
+              <a:t>- e-</a:t>
+            </a:r>
+            <a:r>
+              <a:rPr lang="ko-KR" altLang="en-US" dirty="0"/>
+              <a:t>커머스 연계를 통한 물품 환경에 맞는 제품 추천</a:t>
+            </a:r>
+            <a:br>
+              <a:rPr lang="en-US" altLang="ko-KR" dirty="0"/>
+            </a:br>
+            <a:br>
+              <a:rPr lang="en-US" altLang="ko-KR" dirty="0"/>
+            </a:br>
+            <a:r>
+              <a:rPr lang="en-US" altLang="ko-KR" dirty="0"/>
+              <a:t> =&gt; </a:t>
+            </a:r>
+            <a:r>
+              <a:rPr lang="ko-KR" altLang="en-US" dirty="0"/>
+              <a:t>소규모의 물품</a:t>
+            </a:r>
+            <a:r>
+              <a:rPr lang="en-US" altLang="ko-KR" dirty="0"/>
+              <a:t>/</a:t>
+            </a:r>
+            <a:r>
+              <a:rPr lang="ko-KR" altLang="en-US" dirty="0"/>
+              <a:t>자재관리가 필요한 기업</a:t>
+            </a:r>
+            <a:br>
+              <a:rPr lang="en-US" altLang="ko-KR" dirty="0"/>
+            </a:br>
+            <a:endParaRPr lang="en-US" altLang="ko-KR" dirty="0"/>
+          </a:p>
+        </p:txBody>
+      </p:sp>
+      <p:sp>
+        <p:nvSpPr>
+          <p:cNvPr id="2" name="직사각형 1">
+            <a:extLst>
+              <a:ext uri="{FF2B5EF4-FFF2-40B4-BE49-F238E27FC236}">
+                <a16:creationId xmlns:a16="http://schemas.microsoft.com/office/drawing/2014/main" id="{0B980C3E-14FD-44A8-A121-96AD3FCA96D2}"/>
+              </a:ext>
+            </a:extLst>
+          </p:cNvPr>
+          <p:cNvSpPr/>
+          <p:nvPr/>
+        </p:nvSpPr>
+        <p:spPr>
+          <a:xfrm>
+            <a:off x="1412240" y="542558"/>
+            <a:ext cx="2123440" cy="1534160"/>
+          </a:xfrm>
+          <a:prstGeom prst="rect">
+            <a:avLst/>
+          </a:prstGeom>
+        </p:spPr>
+        <p:style>
+          <a:lnRef idx="2">
+            <a:schemeClr val="accent1">
+              <a:shade val="50000"/>
+            </a:schemeClr>
+          </a:lnRef>
+          <a:fillRef idx="1">
+            <a:schemeClr val="accent1"/>
+          </a:fillRef>
+          <a:effectRef idx="0">
+            <a:schemeClr val="accent1"/>
+          </a:effectRef>
+          <a:fontRef idx="minor">
+            <a:schemeClr val="lt1"/>
+          </a:fontRef>
+        </p:style>
+        <p:txBody>
+          <a:bodyPr rtlCol="0" anchor="ctr"/>
+          <a:lstStyle/>
+          <a:p>
+            <a:pPr algn="ctr"/>
+            <a:endParaRPr lang="ko-KR" altLang="en-US"/>
+          </a:p>
+        </p:txBody>
+      </p:sp>
+      <p:sp>
+        <p:nvSpPr>
+          <p:cNvPr id="5" name="직사각형 4">
+            <a:extLst>
+              <a:ext uri="{FF2B5EF4-FFF2-40B4-BE49-F238E27FC236}">
+                <a16:creationId xmlns:a16="http://schemas.microsoft.com/office/drawing/2014/main" id="{D1C6FBD2-C0D9-4B4D-AAE6-089799D5BB1A}"/>
+              </a:ext>
+            </a:extLst>
+          </p:cNvPr>
+          <p:cNvSpPr/>
+          <p:nvPr/>
+        </p:nvSpPr>
+        <p:spPr>
+          <a:xfrm>
+            <a:off x="3972560" y="521236"/>
+            <a:ext cx="2123440" cy="1534160"/>
+          </a:xfrm>
+          <a:prstGeom prst="rect">
+            <a:avLst/>
+          </a:prstGeom>
+        </p:spPr>
+        <p:style>
+          <a:lnRef idx="2">
+            <a:schemeClr val="accent1">
+              <a:shade val="50000"/>
+            </a:schemeClr>
+          </a:lnRef>
+          <a:fillRef idx="1">
+            <a:schemeClr val="accent1"/>
+          </a:fillRef>
+          <a:effectRef idx="0">
+            <a:schemeClr val="accent1"/>
+          </a:effectRef>
+          <a:fontRef idx="minor">
+            <a:schemeClr val="lt1"/>
+          </a:fontRef>
+        </p:style>
+        <p:txBody>
+          <a:bodyPr rtlCol="0" anchor="ctr"/>
+          <a:lstStyle/>
+          <a:p>
+            <a:pPr algn="ctr"/>
+            <a:endParaRPr lang="ko-KR" altLang="en-US"/>
+          </a:p>
+        </p:txBody>
+      </p:sp>
+      <p:sp>
+        <p:nvSpPr>
+          <p:cNvPr id="6" name="직사각형 5">
+            <a:extLst>
+              <a:ext uri="{FF2B5EF4-FFF2-40B4-BE49-F238E27FC236}">
+                <a16:creationId xmlns:a16="http://schemas.microsoft.com/office/drawing/2014/main" id="{F8BF106C-3B9D-4594-87A5-A1198C9C7C5F}"/>
+              </a:ext>
+            </a:extLst>
+          </p:cNvPr>
+          <p:cNvSpPr/>
+          <p:nvPr/>
+        </p:nvSpPr>
+        <p:spPr>
+          <a:xfrm>
+            <a:off x="6532880" y="542558"/>
+            <a:ext cx="2123440" cy="1534160"/>
+          </a:xfrm>
+          <a:prstGeom prst="rect">
+            <a:avLst/>
+          </a:prstGeom>
+        </p:spPr>
+        <p:style>
+          <a:lnRef idx="2">
+            <a:schemeClr val="accent1">
+              <a:shade val="50000"/>
+            </a:schemeClr>
+          </a:lnRef>
+          <a:fillRef idx="1">
+            <a:schemeClr val="accent1"/>
+          </a:fillRef>
+          <a:effectRef idx="0">
+            <a:schemeClr val="accent1"/>
+          </a:effectRef>
+          <a:fontRef idx="minor">
+            <a:schemeClr val="lt1"/>
+          </a:fontRef>
+        </p:style>
+        <p:txBody>
+          <a:bodyPr rtlCol="0" anchor="ctr"/>
+          <a:lstStyle/>
+          <a:p>
+            <a:pPr algn="ctr"/>
+            <a:endParaRPr lang="ko-KR" altLang="en-US"/>
+          </a:p>
+        </p:txBody>
+      </p:sp>
+      <p:sp>
+        <p:nvSpPr>
+          <p:cNvPr id="7" name="직사각형 6">
+            <a:extLst>
+              <a:ext uri="{FF2B5EF4-FFF2-40B4-BE49-F238E27FC236}">
+                <a16:creationId xmlns:a16="http://schemas.microsoft.com/office/drawing/2014/main" id="{55AD5938-D2B5-44F0-9583-6AD5FF377CA7}"/>
+              </a:ext>
+            </a:extLst>
+          </p:cNvPr>
+          <p:cNvSpPr/>
+          <p:nvPr/>
+        </p:nvSpPr>
+        <p:spPr>
+          <a:xfrm>
+            <a:off x="9093200" y="521236"/>
+            <a:ext cx="2123440" cy="1534160"/>
+          </a:xfrm>
+          <a:prstGeom prst="rect">
+            <a:avLst/>
+          </a:prstGeom>
+        </p:spPr>
+        <p:style>
+          <a:lnRef idx="2">
+            <a:schemeClr val="accent1">
+              <a:shade val="50000"/>
+            </a:schemeClr>
+          </a:lnRef>
+          <a:fillRef idx="1">
+            <a:schemeClr val="accent1"/>
+          </a:fillRef>
+          <a:effectRef idx="0">
+            <a:schemeClr val="accent1"/>
+          </a:effectRef>
+          <a:fontRef idx="minor">
+            <a:schemeClr val="lt1"/>
+          </a:fontRef>
+        </p:style>
+        <p:txBody>
+          <a:bodyPr rtlCol="0" anchor="ctr"/>
+          <a:lstStyle/>
+          <a:p>
+            <a:pPr algn="ctr"/>
+            <a:endParaRPr lang="ko-KR" altLang="en-US"/>
+          </a:p>
+        </p:txBody>
+      </p:sp>
+      <p:sp>
+        <p:nvSpPr>
+          <p:cNvPr id="3" name="화살표: 오른쪽 2">
+            <a:extLst>
+              <a:ext uri="{FF2B5EF4-FFF2-40B4-BE49-F238E27FC236}">
+                <a16:creationId xmlns:a16="http://schemas.microsoft.com/office/drawing/2014/main" id="{74951C10-5E5E-4810-AB74-818F21CF9B01}"/>
+              </a:ext>
+            </a:extLst>
+          </p:cNvPr>
+          <p:cNvSpPr/>
+          <p:nvPr/>
+        </p:nvSpPr>
+        <p:spPr>
+          <a:xfrm>
+            <a:off x="2834640" y="5821680"/>
+            <a:ext cx="619760" cy="416560"/>
+          </a:xfrm>
+          <a:prstGeom prst="rightArrow">
+            <a:avLst/>
+          </a:prstGeom>
+        </p:spPr>
+        <p:style>
+          <a:lnRef idx="2">
+            <a:schemeClr val="accent1">
+              <a:shade val="50000"/>
+            </a:schemeClr>
+          </a:lnRef>
+          <a:fillRef idx="1">
+            <a:schemeClr val="accent1"/>
+          </a:fillRef>
+          <a:effectRef idx="0">
+            <a:schemeClr val="accent1"/>
+          </a:effectRef>
+          <a:fontRef idx="minor">
+            <a:schemeClr val="lt1"/>
+          </a:fontRef>
+        </p:style>
+        <p:txBody>
+          <a:bodyPr rtlCol="0" anchor="ctr"/>
+          <a:lstStyle/>
+          <a:p>
+            <a:pPr algn="ctr"/>
+            <a:endParaRPr lang="ko-KR" altLang="en-US"/>
+          </a:p>
+        </p:txBody>
+      </p:sp>
+    </p:spTree>
+    <p:extLst>
+      <p:ext uri="{BB962C8B-B14F-4D97-AF65-F5344CB8AC3E}">
+        <p14:creationId xmlns:p14="http://schemas.microsoft.com/office/powerpoint/2010/main" val="182149857"/>
+      </p:ext>
+    </p:extLst>
+  </p:cSld>
+  <p:clrMapOvr>
+    <a:masterClrMapping/>
+  </p:clrMapOvr>
+</p:sld>
+</file>
+
+<file path=ppt/slides/slide6.xml><?xml version="1.0" encoding="utf-8"?>
+<p:sld xmlns:a="http://schemas.openxmlformats.org/drawingml/2006/main" xmlns:r="http://schemas.openxmlformats.org/officeDocument/2006/relationships" xmlns:p="http://schemas.openxmlformats.org/presentationml/2006/main">
+  <p:cSld>
+    <p:spTree>
+      <p:nvGrpSpPr>
+        <p:cNvPr id="1" name=""/>
+        <p:cNvGrpSpPr/>
+        <p:nvPr/>
+      </p:nvGrpSpPr>
+      <p:grpSpPr>
+        <a:xfrm>
+          <a:off x="0" y="0"/>
+          <a:ext cx="0" cy="0"/>
+          <a:chOff x="0" y="0"/>
+          <a:chExt cx="0" cy="0"/>
+        </a:xfrm>
+      </p:grpSpPr>
+      <p:sp>
+        <p:nvSpPr>
+          <p:cNvPr id="2" name="TextBox 1">
+            <a:extLst>
+              <a:ext uri="{FF2B5EF4-FFF2-40B4-BE49-F238E27FC236}">
+                <a16:creationId xmlns:a16="http://schemas.microsoft.com/office/drawing/2014/main" id="{E7CE649F-28D8-4F73-9E29-FF35777D063A}"/>
+              </a:ext>
+            </a:extLst>
+          </p:cNvPr>
+          <p:cNvSpPr txBox="1"/>
+          <p:nvPr/>
+        </p:nvSpPr>
+        <p:spPr>
+          <a:xfrm>
+            <a:off x="1106193" y="979587"/>
+            <a:ext cx="9979613" cy="584775"/>
+          </a:xfrm>
+          <a:prstGeom prst="rect">
+            <a:avLst/>
+          </a:prstGeom>
+          <a:noFill/>
+        </p:spPr>
+        <p:txBody>
+          <a:bodyPr wrap="square" rtlCol="0">
+            <a:spAutoFit/>
+          </a:bodyPr>
+          <a:lstStyle/>
+          <a:p>
+            <a:pPr algn="ctr"/>
+            <a:r>
+              <a:rPr lang="ko-KR" altLang="en-US" sz="1600" b="1" dirty="0"/>
+              <a:t>여기서 플랫폼이란</a:t>
+            </a:r>
+            <a:r>
+              <a:rPr lang="en-US" altLang="ko-KR" sz="1600" b="1" dirty="0"/>
+              <a:t>?</a:t>
+            </a:r>
+          </a:p>
+          <a:p>
+            <a:pPr algn="ctr"/>
+            <a:r>
+              <a:rPr lang="ko-KR" altLang="en-US" sz="1600" dirty="0"/>
+              <a:t>경계가 없던 땅이 구획되면서 용도에 따라 다양한 형태로 활용될 수 있는 공간 상징</a:t>
+            </a:r>
+          </a:p>
+        </p:txBody>
+      </p:sp>
+      <p:sp>
+        <p:nvSpPr>
+          <p:cNvPr id="3" name="TextBox 2">
+            <a:extLst>
+              <a:ext uri="{FF2B5EF4-FFF2-40B4-BE49-F238E27FC236}">
+                <a16:creationId xmlns:a16="http://schemas.microsoft.com/office/drawing/2014/main" id="{3A5A14B6-BFD1-4F9B-8423-1F626CD93575}"/>
+              </a:ext>
+            </a:extLst>
+          </p:cNvPr>
+          <p:cNvSpPr txBox="1"/>
+          <p:nvPr/>
+        </p:nvSpPr>
+        <p:spPr>
+          <a:xfrm>
+            <a:off x="767080" y="2445136"/>
+            <a:ext cx="10124440" cy="923330"/>
+          </a:xfrm>
+          <a:prstGeom prst="rect">
+            <a:avLst/>
+          </a:prstGeom>
+          <a:noFill/>
+        </p:spPr>
+        <p:txBody>
+          <a:bodyPr wrap="square">
+            <a:spAutoFit/>
+          </a:bodyPr>
+          <a:lstStyle/>
+          <a:p>
+            <a:r>
+              <a:rPr lang="en-US" altLang="ko-KR" sz="1800" dirty="0"/>
+              <a:t>- IT </a:t>
+            </a:r>
+            <a:r>
+              <a:rPr lang="ko-KR" altLang="en-US" sz="1800" dirty="0"/>
+              <a:t>업계에서의 플랫폼화 추세 강조</a:t>
+            </a:r>
+            <a:br>
+              <a:rPr lang="en-US" altLang="ko-KR" sz="1800" dirty="0"/>
+            </a:br>
+            <a:r>
+              <a:rPr lang="en-US" altLang="ko-KR" sz="1800" dirty="0"/>
+              <a:t>   ex) </a:t>
+            </a:r>
+            <a:r>
+              <a:rPr lang="ko-KR" altLang="en-US" sz="1800" dirty="0"/>
+              <a:t>네이버 카페로 시작한 중고나라의 현 시장 가치 등 플랫폼이 가지는 이점 강조</a:t>
+            </a:r>
+            <a:endParaRPr lang="en-US" altLang="ko-KR" sz="1800" dirty="0"/>
+          </a:p>
+          <a:p>
+            <a:r>
+              <a:rPr lang="ko-KR" altLang="en-US" sz="1800" dirty="0"/>
+              <a:t>  </a:t>
+            </a:r>
+            <a:r>
+              <a:rPr lang="en-US" altLang="ko-KR" sz="1800" dirty="0"/>
+              <a:t>=&gt; </a:t>
+            </a:r>
+            <a:r>
+              <a:rPr lang="ko-KR" altLang="en-US" sz="1800" dirty="0"/>
+              <a:t>물품관리 시스템의 플랫폼화 계획에 대한 사업적 이점 강조</a:t>
+            </a:r>
+            <a:endParaRPr lang="en-US" altLang="ko-KR" sz="1800" dirty="0"/>
+          </a:p>
+        </p:txBody>
+      </p:sp>
+    </p:spTree>
+    <p:extLst>
+      <p:ext uri="{BB962C8B-B14F-4D97-AF65-F5344CB8AC3E}">
+        <p14:creationId xmlns:p14="http://schemas.microsoft.com/office/powerpoint/2010/main" val="2124799865"/>
+      </p:ext>
+    </p:extLst>
+  </p:cSld>
+  <p:clrMapOvr>
+    <a:masterClrMapping/>
+  </p:clrMapOvr>
+</p:sld>
+</file>
+
+<file path=ppt/slides/slide7.xml><?xml version="1.0" encoding="utf-8"?>
+<p:sld xmlns:a="http://schemas.openxmlformats.org/drawingml/2006/main" xmlns:r="http://schemas.openxmlformats.org/officeDocument/2006/relationships" xmlns:p="http://schemas.openxmlformats.org/presentationml/2006/main">
+  <p:cSld>
+    <p:spTree>
+      <p:nvGrpSpPr>
+        <p:cNvPr id="1" name=""/>
+        <p:cNvGrpSpPr/>
+        <p:nvPr/>
+      </p:nvGrpSpPr>
+      <p:grpSpPr>
+        <a:xfrm>
+          <a:off x="0" y="0"/>
+          <a:ext cx="0" cy="0"/>
+          <a:chOff x="0" y="0"/>
+          <a:chExt cx="0" cy="0"/>
+        </a:xfrm>
+      </p:grpSpPr>
+      <p:sp>
+        <p:nvSpPr>
+          <p:cNvPr id="5" name="TextBox 4">
+            <a:extLst>
+              <a:ext uri="{FF2B5EF4-FFF2-40B4-BE49-F238E27FC236}">
+                <a16:creationId xmlns:a16="http://schemas.microsoft.com/office/drawing/2014/main" id="{8D4AA8DA-5779-4DFF-952F-BEE4B2C6C1BF}"/>
+              </a:ext>
+            </a:extLst>
+          </p:cNvPr>
+          <p:cNvSpPr txBox="1"/>
+          <p:nvPr/>
+        </p:nvSpPr>
+        <p:spPr>
+          <a:xfrm>
+            <a:off x="1076960" y="4932845"/>
+            <a:ext cx="10038080" cy="1477328"/>
+          </a:xfrm>
+          <a:prstGeom prst="rect">
+            <a:avLst/>
+          </a:prstGeom>
+          <a:noFill/>
+        </p:spPr>
+        <p:txBody>
+          <a:bodyPr wrap="square">
+            <a:spAutoFit/>
+          </a:bodyPr>
+          <a:lstStyle/>
+          <a:p>
+            <a:r>
+              <a:rPr lang="ko-KR" altLang="en-US" sz="1800" b="1" dirty="0"/>
+              <a:t>기초 동작 방식 </a:t>
+            </a:r>
+            <a:r>
+              <a:rPr lang="en-US" altLang="ko-KR" sz="1800" b="1" dirty="0"/>
+              <a:t>(</a:t>
+            </a:r>
+            <a:r>
+              <a:rPr lang="ko-KR" altLang="en-US" sz="1800" b="1" dirty="0"/>
+              <a:t>수행계획서 내용</a:t>
+            </a:r>
+            <a:r>
+              <a:rPr lang="en-US" altLang="ko-KR" sz="1800" b="1" dirty="0"/>
+              <a:t>)</a:t>
+            </a:r>
+          </a:p>
+          <a:p>
+            <a:r>
+              <a:rPr lang="en-US" altLang="ko-KR" sz="1800" dirty="0"/>
+              <a:t>   ① </a:t>
+            </a:r>
+            <a:r>
+              <a:rPr lang="ko-KR" altLang="en-US" sz="1800" dirty="0"/>
+              <a:t>특정 일련번호를 가진 </a:t>
+            </a:r>
+            <a:r>
+              <a:rPr lang="en-US" altLang="ko-KR" sz="1800" dirty="0"/>
+              <a:t>QR </a:t>
+            </a:r>
+            <a:r>
+              <a:rPr lang="ko-KR" altLang="en-US" sz="1800" dirty="0"/>
+              <a:t>코드를 관리 대상 물품에 부착</a:t>
+            </a:r>
+          </a:p>
+          <a:p>
+            <a:r>
+              <a:rPr lang="ko-KR" altLang="en-US" sz="1800" dirty="0"/>
+              <a:t>   ② 해당 물품을 온라인 환경에 등록</a:t>
+            </a:r>
+          </a:p>
+          <a:p>
+            <a:r>
+              <a:rPr lang="ko-KR" altLang="en-US" sz="1800" dirty="0"/>
+              <a:t>   ③ 어플리케이션을 통해 실시간 대여</a:t>
+            </a:r>
+            <a:r>
+              <a:rPr lang="en-US" altLang="ko-KR" sz="1800" dirty="0"/>
+              <a:t>/</a:t>
+            </a:r>
+            <a:r>
+              <a:rPr lang="ko-KR" altLang="en-US" sz="1800" dirty="0"/>
+              <a:t>반납 현황을 확인하고 대여 및 반납을 진행</a:t>
+            </a:r>
+          </a:p>
+          <a:p>
+            <a:r>
+              <a:rPr lang="ko-KR" altLang="en-US" sz="1800" dirty="0"/>
+              <a:t>   ④ 관리자는 </a:t>
+            </a:r>
+            <a:r>
+              <a:rPr lang="en-US" altLang="ko-KR" sz="1800" dirty="0"/>
+              <a:t>AI</a:t>
+            </a:r>
+            <a:r>
+              <a:rPr lang="ko-KR" altLang="en-US" sz="1800" dirty="0"/>
+              <a:t>의 분석 결과</a:t>
+            </a:r>
+            <a:r>
+              <a:rPr lang="en-US" altLang="ko-KR" sz="1800" dirty="0"/>
+              <a:t>(</a:t>
+            </a:r>
+            <a:r>
+              <a:rPr lang="ko-KR" altLang="en-US" sz="1800" dirty="0"/>
+              <a:t>자주 대여하는 물품 추가 구매 제안 등</a:t>
+            </a:r>
+            <a:r>
+              <a:rPr lang="en-US" altLang="ko-KR" sz="1800" dirty="0"/>
+              <a:t>)</a:t>
+            </a:r>
+            <a:r>
+              <a:rPr lang="ko-KR" altLang="en-US" sz="1800" dirty="0"/>
+              <a:t>에 따라 후속 조치 시행</a:t>
+            </a:r>
+          </a:p>
+        </p:txBody>
+      </p:sp>
       <p:pic>
         <p:nvPicPr>
-          <p:cNvPr id="3" name="그림 2">
-            <a:extLst>
-              <a:ext uri="{FF2B5EF4-FFF2-40B4-BE49-F238E27FC236}">
-                <a16:creationId xmlns:a16="http://schemas.microsoft.com/office/drawing/2014/main" id="{4C229E95-FD56-41AA-9D89-8CA460660A05}"/>
+          <p:cNvPr id="9" name="Picture 1">
+            <a:extLst>
+              <a:ext uri="{FF2B5EF4-FFF2-40B4-BE49-F238E27FC236}">
+                <a16:creationId xmlns:a16="http://schemas.microsoft.com/office/drawing/2014/main" id="{15BF4FA2-0611-49B5-BDE3-89F740AC8D16}"/>
               </a:ext>
             </a:extLst>
           </p:cNvPr>
@@ -4655,8 +6225,1034 @@
         </p:blipFill>
         <p:spPr>
           <a:xfrm>
-            <a:off x="261937" y="347662"/>
-            <a:ext cx="11668125" cy="6162675"/>
+            <a:off x="1559339" y="1588840"/>
+            <a:ext cx="9235882" cy="1926190"/>
+          </a:xfrm>
+          <a:prstGeom prst="rect">
+            <a:avLst/>
+          </a:prstGeom>
+          <a:noFill/>
+          <a:ln>
+            <a:noFill/>
+          </a:ln>
+          <a:effectLst/>
+        </p:spPr>
+      </p:pic>
+    </p:spTree>
+    <p:extLst>
+      <p:ext uri="{BB962C8B-B14F-4D97-AF65-F5344CB8AC3E}">
+        <p14:creationId xmlns:p14="http://schemas.microsoft.com/office/powerpoint/2010/main" val="2309713525"/>
+      </p:ext>
+    </p:extLst>
+  </p:cSld>
+  <p:clrMapOvr>
+    <a:masterClrMapping/>
+  </p:clrMapOvr>
+</p:sld>
+</file>
+
+<file path=ppt/slides/slide8.xml><?xml version="1.0" encoding="utf-8"?>
+<p:sld xmlns:a="http://schemas.openxmlformats.org/drawingml/2006/main" xmlns:r="http://schemas.openxmlformats.org/officeDocument/2006/relationships" xmlns:p="http://schemas.openxmlformats.org/presentationml/2006/main">
+  <p:cSld>
+    <p:spTree>
+      <p:nvGrpSpPr>
+        <p:cNvPr id="1" name=""/>
+        <p:cNvGrpSpPr/>
+        <p:nvPr/>
+      </p:nvGrpSpPr>
+      <p:grpSpPr>
+        <a:xfrm>
+          <a:off x="0" y="0"/>
+          <a:ext cx="0" cy="0"/>
+          <a:chOff x="0" y="0"/>
+          <a:chExt cx="0" cy="0"/>
+        </a:xfrm>
+      </p:grpSpPr>
+      <p:sp>
+        <p:nvSpPr>
+          <p:cNvPr id="3" name="직사각형 2">
+            <a:extLst>
+              <a:ext uri="{FF2B5EF4-FFF2-40B4-BE49-F238E27FC236}">
+                <a16:creationId xmlns:a16="http://schemas.microsoft.com/office/drawing/2014/main" id="{96D2ABF8-E369-462E-B132-2B2FC9B481B5}"/>
+              </a:ext>
+            </a:extLst>
+          </p:cNvPr>
+          <p:cNvSpPr/>
+          <p:nvPr/>
+        </p:nvSpPr>
+        <p:spPr>
+          <a:xfrm>
+            <a:off x="304800" y="497840"/>
+            <a:ext cx="2092960" cy="396240"/>
+          </a:xfrm>
+          <a:prstGeom prst="rect">
+            <a:avLst/>
+          </a:prstGeom>
+        </p:spPr>
+        <p:style>
+          <a:lnRef idx="2">
+            <a:schemeClr val="accent1">
+              <a:shade val="50000"/>
+            </a:schemeClr>
+          </a:lnRef>
+          <a:fillRef idx="1">
+            <a:schemeClr val="accent1"/>
+          </a:fillRef>
+          <a:effectRef idx="0">
+            <a:schemeClr val="accent1"/>
+          </a:effectRef>
+          <a:fontRef idx="minor">
+            <a:schemeClr val="lt1"/>
+          </a:fontRef>
+        </p:style>
+        <p:txBody>
+          <a:bodyPr rtlCol="0" anchor="ctr"/>
+          <a:lstStyle/>
+          <a:p>
+            <a:pPr algn="ctr"/>
+            <a:r>
+              <a:rPr lang="ko-KR" altLang="en-US" dirty="0"/>
+              <a:t>온라인 수불대장</a:t>
+            </a:r>
+          </a:p>
+        </p:txBody>
+      </p:sp>
+      <p:sp>
+        <p:nvSpPr>
+          <p:cNvPr id="4" name="직사각형 3">
+            <a:extLst>
+              <a:ext uri="{FF2B5EF4-FFF2-40B4-BE49-F238E27FC236}">
+                <a16:creationId xmlns:a16="http://schemas.microsoft.com/office/drawing/2014/main" id="{B6A396B5-9796-4A25-A338-B77696A2F8C2}"/>
+              </a:ext>
+            </a:extLst>
+          </p:cNvPr>
+          <p:cNvSpPr/>
+          <p:nvPr/>
+        </p:nvSpPr>
+        <p:spPr>
+          <a:xfrm>
+            <a:off x="304800" y="1804700"/>
+            <a:ext cx="2092960" cy="396240"/>
+          </a:xfrm>
+          <a:prstGeom prst="rect">
+            <a:avLst/>
+          </a:prstGeom>
+        </p:spPr>
+        <p:style>
+          <a:lnRef idx="2">
+            <a:schemeClr val="accent1">
+              <a:shade val="50000"/>
+            </a:schemeClr>
+          </a:lnRef>
+          <a:fillRef idx="1">
+            <a:schemeClr val="accent1"/>
+          </a:fillRef>
+          <a:effectRef idx="0">
+            <a:schemeClr val="accent1"/>
+          </a:effectRef>
+          <a:fontRef idx="minor">
+            <a:schemeClr val="lt1"/>
+          </a:fontRef>
+        </p:style>
+        <p:txBody>
+          <a:bodyPr rtlCol="0" anchor="ctr"/>
+          <a:lstStyle/>
+          <a:p>
+            <a:pPr algn="ctr"/>
+            <a:r>
+              <a:rPr lang="en-US" altLang="ko-KR" dirty="0"/>
+              <a:t>QR</a:t>
+            </a:r>
+            <a:r>
+              <a:rPr lang="ko-KR" altLang="en-US" dirty="0"/>
+              <a:t> 대여 반납</a:t>
+            </a:r>
+          </a:p>
+        </p:txBody>
+      </p:sp>
+      <p:sp>
+        <p:nvSpPr>
+          <p:cNvPr id="5" name="직사각형 4">
+            <a:extLst>
+              <a:ext uri="{FF2B5EF4-FFF2-40B4-BE49-F238E27FC236}">
+                <a16:creationId xmlns:a16="http://schemas.microsoft.com/office/drawing/2014/main" id="{956C5DB1-78D2-492E-8E6D-E65C4E9F8F5C}"/>
+              </a:ext>
+            </a:extLst>
+          </p:cNvPr>
+          <p:cNvSpPr/>
+          <p:nvPr/>
+        </p:nvSpPr>
+        <p:spPr>
+          <a:xfrm>
+            <a:off x="304800" y="3155623"/>
+            <a:ext cx="2092960" cy="396240"/>
+          </a:xfrm>
+          <a:prstGeom prst="rect">
+            <a:avLst/>
+          </a:prstGeom>
+        </p:spPr>
+        <p:style>
+          <a:lnRef idx="2">
+            <a:schemeClr val="accent1">
+              <a:shade val="50000"/>
+            </a:schemeClr>
+          </a:lnRef>
+          <a:fillRef idx="1">
+            <a:schemeClr val="accent1"/>
+          </a:fillRef>
+          <a:effectRef idx="0">
+            <a:schemeClr val="accent1"/>
+          </a:effectRef>
+          <a:fontRef idx="minor">
+            <a:schemeClr val="lt1"/>
+          </a:fontRef>
+        </p:style>
+        <p:txBody>
+          <a:bodyPr rtlCol="0" anchor="ctr"/>
+          <a:lstStyle/>
+          <a:p>
+            <a:pPr algn="ctr"/>
+            <a:r>
+              <a:rPr lang="en-US" altLang="ko-KR" dirty="0"/>
+              <a:t>AI </a:t>
+            </a:r>
+            <a:r>
+              <a:rPr lang="ko-KR" altLang="en-US" dirty="0"/>
+              <a:t>이용한 관리</a:t>
+            </a:r>
+          </a:p>
+        </p:txBody>
+      </p:sp>
+      <p:sp>
+        <p:nvSpPr>
+          <p:cNvPr id="6" name="직사각형 5">
+            <a:extLst>
+              <a:ext uri="{FF2B5EF4-FFF2-40B4-BE49-F238E27FC236}">
+                <a16:creationId xmlns:a16="http://schemas.microsoft.com/office/drawing/2014/main" id="{7FC68D6D-C261-47A6-A2AC-36A4C94CBC96}"/>
+              </a:ext>
+            </a:extLst>
+          </p:cNvPr>
+          <p:cNvSpPr/>
+          <p:nvPr/>
+        </p:nvSpPr>
+        <p:spPr>
+          <a:xfrm>
+            <a:off x="304800" y="4576743"/>
+            <a:ext cx="2092960" cy="396240"/>
+          </a:xfrm>
+          <a:prstGeom prst="rect">
+            <a:avLst/>
+          </a:prstGeom>
+        </p:spPr>
+        <p:style>
+          <a:lnRef idx="2">
+            <a:schemeClr val="accent1">
+              <a:shade val="50000"/>
+            </a:schemeClr>
+          </a:lnRef>
+          <a:fillRef idx="1">
+            <a:schemeClr val="accent1"/>
+          </a:fillRef>
+          <a:effectRef idx="0">
+            <a:schemeClr val="accent1"/>
+          </a:effectRef>
+          <a:fontRef idx="minor">
+            <a:schemeClr val="lt1"/>
+          </a:fontRef>
+        </p:style>
+        <p:txBody>
+          <a:bodyPr rtlCol="0" anchor="ctr"/>
+          <a:lstStyle/>
+          <a:p>
+            <a:pPr algn="ctr"/>
+            <a:r>
+              <a:rPr lang="en-US" altLang="ko-KR" dirty="0"/>
+              <a:t>E-</a:t>
+            </a:r>
+            <a:r>
+              <a:rPr lang="ko-KR" altLang="en-US" dirty="0"/>
+              <a:t>커머스 물품추천</a:t>
+            </a:r>
+          </a:p>
+        </p:txBody>
+      </p:sp>
+      <p:sp>
+        <p:nvSpPr>
+          <p:cNvPr id="8" name="TextBox 7">
+            <a:extLst>
+              <a:ext uri="{FF2B5EF4-FFF2-40B4-BE49-F238E27FC236}">
+                <a16:creationId xmlns:a16="http://schemas.microsoft.com/office/drawing/2014/main" id="{6899C866-1D21-4526-A864-87D5D42AC5B0}"/>
+              </a:ext>
+            </a:extLst>
+          </p:cNvPr>
+          <p:cNvSpPr txBox="1"/>
+          <p:nvPr/>
+        </p:nvSpPr>
+        <p:spPr>
+          <a:xfrm>
+            <a:off x="487680" y="5102901"/>
+            <a:ext cx="8128000" cy="646331"/>
+          </a:xfrm>
+          <a:prstGeom prst="rect">
+            <a:avLst/>
+          </a:prstGeom>
+          <a:noFill/>
+        </p:spPr>
+        <p:txBody>
+          <a:bodyPr wrap="square">
+            <a:spAutoFit/>
+          </a:bodyPr>
+          <a:lstStyle/>
+          <a:p>
+            <a:pPr marL="285750" indent="-285750">
+              <a:buFontTx/>
+              <a:buChar char="-"/>
+            </a:pPr>
+            <a:r>
+              <a:rPr lang="ko-KR" altLang="en-US" dirty="0"/>
+              <a:t>기업의 대여</a:t>
+            </a:r>
+            <a:r>
+              <a:rPr lang="en-US" altLang="ko-KR" dirty="0"/>
+              <a:t>/</a:t>
+            </a:r>
+            <a:r>
+              <a:rPr lang="ko-KR" altLang="en-US" dirty="0"/>
+              <a:t>반납 데이터를 </a:t>
+            </a:r>
+            <a:r>
+              <a:rPr lang="en-US" altLang="ko-KR" dirty="0"/>
+              <a:t>e-</a:t>
+            </a:r>
+            <a:r>
+              <a:rPr lang="ko-KR" altLang="en-US" dirty="0"/>
+              <a:t>커머스에 제공</a:t>
+            </a:r>
+            <a:endParaRPr lang="en-US" altLang="ko-KR" dirty="0"/>
+          </a:p>
+          <a:p>
+            <a:pPr marL="285750" indent="-285750">
+              <a:buFontTx/>
+              <a:buChar char="-"/>
+            </a:pPr>
+            <a:r>
+              <a:rPr lang="en-US" altLang="ko-KR" dirty="0"/>
+              <a:t>E-</a:t>
+            </a:r>
+            <a:r>
+              <a:rPr lang="ko-KR" altLang="en-US" dirty="0" err="1"/>
+              <a:t>커머는</a:t>
+            </a:r>
+            <a:r>
+              <a:rPr lang="ko-KR" altLang="en-US" dirty="0"/>
+              <a:t> 데이터를 분석해 기업에 필요한 물품 추천</a:t>
+            </a:r>
+            <a:endParaRPr lang="ko-KR" altLang="en-US" sz="1800" dirty="0"/>
+          </a:p>
+        </p:txBody>
+      </p:sp>
+      <p:sp>
+        <p:nvSpPr>
+          <p:cNvPr id="10" name="TextBox 9">
+            <a:extLst>
+              <a:ext uri="{FF2B5EF4-FFF2-40B4-BE49-F238E27FC236}">
+                <a16:creationId xmlns:a16="http://schemas.microsoft.com/office/drawing/2014/main" id="{77E97EAD-A1C8-419C-AF5A-4DF2698CC9E3}"/>
+              </a:ext>
+            </a:extLst>
+          </p:cNvPr>
+          <p:cNvSpPr txBox="1"/>
+          <p:nvPr/>
+        </p:nvSpPr>
+        <p:spPr>
+          <a:xfrm>
+            <a:off x="487680" y="3740905"/>
+            <a:ext cx="8128000" cy="646331"/>
+          </a:xfrm>
+          <a:prstGeom prst="rect">
+            <a:avLst/>
+          </a:prstGeom>
+          <a:noFill/>
+        </p:spPr>
+        <p:txBody>
+          <a:bodyPr wrap="square">
+            <a:spAutoFit/>
+          </a:bodyPr>
+          <a:lstStyle/>
+          <a:p>
+            <a:r>
+              <a:rPr lang="en-US" altLang="ko-KR" sz="1800" dirty="0"/>
+              <a:t> - AI</a:t>
+            </a:r>
+            <a:r>
+              <a:rPr lang="ko-KR" altLang="en-US" sz="1800" dirty="0"/>
+              <a:t>를 접목한 </a:t>
+            </a:r>
+            <a:r>
+              <a:rPr lang="ko-KR" altLang="en-US" dirty="0"/>
+              <a:t>사용도 분석</a:t>
+            </a:r>
+            <a:endParaRPr lang="en-US" altLang="ko-KR" sz="1800" dirty="0"/>
+          </a:p>
+          <a:p>
+            <a:r>
+              <a:rPr lang="en-US" altLang="ko-KR" sz="1800" dirty="0"/>
+              <a:t> - </a:t>
+            </a:r>
+            <a:r>
+              <a:rPr lang="ko-KR" altLang="en-US" sz="1800" dirty="0"/>
+              <a:t>관리자에게 관리를 위한 추천</a:t>
+            </a:r>
+            <a:endParaRPr lang="en-US" altLang="ko-KR" sz="1800" dirty="0"/>
+          </a:p>
+        </p:txBody>
+      </p:sp>
+      <p:sp>
+        <p:nvSpPr>
+          <p:cNvPr id="12" name="TextBox 11">
+            <a:extLst>
+              <a:ext uri="{FF2B5EF4-FFF2-40B4-BE49-F238E27FC236}">
+                <a16:creationId xmlns:a16="http://schemas.microsoft.com/office/drawing/2014/main" id="{9B160C80-96DD-459A-B6E2-11FDD7D80C6C}"/>
+              </a:ext>
+            </a:extLst>
+          </p:cNvPr>
+          <p:cNvSpPr txBox="1"/>
+          <p:nvPr/>
+        </p:nvSpPr>
+        <p:spPr>
+          <a:xfrm>
+            <a:off x="487680" y="1004193"/>
+            <a:ext cx="8128000" cy="646331"/>
+          </a:xfrm>
+          <a:prstGeom prst="rect">
+            <a:avLst/>
+          </a:prstGeom>
+          <a:noFill/>
+        </p:spPr>
+        <p:txBody>
+          <a:bodyPr wrap="square">
+            <a:spAutoFit/>
+          </a:bodyPr>
+          <a:lstStyle/>
+          <a:p>
+            <a:r>
+              <a:rPr lang="ko-KR" altLang="en-US" sz="1800" dirty="0"/>
+              <a:t> </a:t>
+            </a:r>
+            <a:r>
+              <a:rPr lang="en-US" altLang="ko-KR" sz="1800" dirty="0"/>
+              <a:t>- </a:t>
+            </a:r>
+            <a:r>
+              <a:rPr lang="ko-KR" altLang="en-US" sz="1800" dirty="0"/>
+              <a:t>개인 혹은 공동 소유의 전용 물품에 대한 관리 체계 제공</a:t>
+            </a:r>
+          </a:p>
+          <a:p>
+            <a:r>
+              <a:rPr lang="ko-KR" altLang="en-US" sz="1800" dirty="0"/>
+              <a:t> </a:t>
+            </a:r>
+            <a:r>
+              <a:rPr lang="en-US" altLang="ko-KR" sz="1800" dirty="0"/>
+              <a:t>- </a:t>
+            </a:r>
+            <a:r>
+              <a:rPr lang="ko-KR" altLang="en-US" sz="1800" dirty="0"/>
+              <a:t>널리 보급된 자원의 활용을 극대화하여 완전한 저비용 체계 강조</a:t>
+            </a:r>
+          </a:p>
+        </p:txBody>
+      </p:sp>
+      <p:sp>
+        <p:nvSpPr>
+          <p:cNvPr id="15" name="TextBox 14">
+            <a:extLst>
+              <a:ext uri="{FF2B5EF4-FFF2-40B4-BE49-F238E27FC236}">
+                <a16:creationId xmlns:a16="http://schemas.microsoft.com/office/drawing/2014/main" id="{025D5E10-3685-40E2-A966-A6D93E7564C8}"/>
+              </a:ext>
+            </a:extLst>
+          </p:cNvPr>
+          <p:cNvSpPr txBox="1"/>
+          <p:nvPr/>
+        </p:nvSpPr>
+        <p:spPr>
+          <a:xfrm>
+            <a:off x="487680" y="2378909"/>
+            <a:ext cx="8128000" cy="646331"/>
+          </a:xfrm>
+          <a:prstGeom prst="rect">
+            <a:avLst/>
+          </a:prstGeom>
+          <a:noFill/>
+        </p:spPr>
+        <p:txBody>
+          <a:bodyPr wrap="square">
+            <a:spAutoFit/>
+          </a:bodyPr>
+          <a:lstStyle/>
+          <a:p>
+            <a:r>
+              <a:rPr lang="en-US" altLang="ko-KR" sz="1800" dirty="0"/>
+              <a:t> - </a:t>
+            </a:r>
+            <a:r>
+              <a:rPr lang="ko-KR" altLang="en-US" sz="1800" dirty="0"/>
+              <a:t>관리자 </a:t>
+            </a:r>
+            <a:r>
+              <a:rPr lang="en-US" altLang="ko-KR" sz="1800" dirty="0"/>
+              <a:t>: </a:t>
+            </a:r>
+            <a:r>
+              <a:rPr lang="ko-KR" altLang="en-US" sz="1800" dirty="0"/>
+              <a:t>개인 물품 코드를 등록</a:t>
+            </a:r>
+            <a:endParaRPr lang="en-US" altLang="ko-KR" sz="1800" dirty="0"/>
+          </a:p>
+          <a:p>
+            <a:r>
+              <a:rPr lang="en-US" altLang="ko-KR" dirty="0"/>
+              <a:t> - </a:t>
+            </a:r>
+            <a:r>
+              <a:rPr lang="ko-KR" altLang="en-US" dirty="0"/>
+              <a:t>사용자 </a:t>
+            </a:r>
+            <a:r>
+              <a:rPr lang="en-US" altLang="ko-KR" dirty="0"/>
+              <a:t>: QR</a:t>
+            </a:r>
+            <a:r>
+              <a:rPr lang="ko-KR" altLang="en-US" dirty="0"/>
+              <a:t>코드를 이용한 간단한 물품</a:t>
+            </a:r>
+            <a:r>
+              <a:rPr lang="en-US" altLang="ko-KR" dirty="0"/>
+              <a:t> </a:t>
+            </a:r>
+            <a:r>
+              <a:rPr lang="ko-KR" altLang="en-US" dirty="0"/>
+              <a:t>대여</a:t>
+            </a:r>
+            <a:r>
+              <a:rPr lang="en-US" altLang="ko-KR" dirty="0"/>
+              <a:t>/</a:t>
+            </a:r>
+            <a:r>
+              <a:rPr lang="ko-KR" altLang="en-US" dirty="0"/>
+              <a:t>반납</a:t>
+            </a:r>
+            <a:endParaRPr lang="ko-KR" altLang="en-US" sz="1800" dirty="0"/>
+          </a:p>
+        </p:txBody>
+      </p:sp>
+      <p:sp>
+        <p:nvSpPr>
+          <p:cNvPr id="17" name="직사각형 16">
+            <a:extLst>
+              <a:ext uri="{FF2B5EF4-FFF2-40B4-BE49-F238E27FC236}">
+                <a16:creationId xmlns:a16="http://schemas.microsoft.com/office/drawing/2014/main" id="{7156EE92-98E0-461F-B92C-85C5B49EE5E2}"/>
+              </a:ext>
+            </a:extLst>
+          </p:cNvPr>
+          <p:cNvSpPr/>
+          <p:nvPr/>
+        </p:nvSpPr>
+        <p:spPr>
+          <a:xfrm>
+            <a:off x="8463280" y="589399"/>
+            <a:ext cx="3423920" cy="5528687"/>
+          </a:xfrm>
+          <a:prstGeom prst="rect">
+            <a:avLst/>
+          </a:prstGeom>
+        </p:spPr>
+        <p:style>
+          <a:lnRef idx="2">
+            <a:schemeClr val="accent1">
+              <a:shade val="50000"/>
+            </a:schemeClr>
+          </a:lnRef>
+          <a:fillRef idx="1">
+            <a:schemeClr val="accent1"/>
+          </a:fillRef>
+          <a:effectRef idx="0">
+            <a:schemeClr val="accent1"/>
+          </a:effectRef>
+          <a:fontRef idx="minor">
+            <a:schemeClr val="lt1"/>
+          </a:fontRef>
+        </p:style>
+        <p:txBody>
+          <a:bodyPr rtlCol="0" anchor="ctr"/>
+          <a:lstStyle/>
+          <a:p>
+            <a:pPr algn="ctr"/>
+            <a:r>
+              <a:rPr lang="ko-KR" altLang="en-US" dirty="0"/>
+              <a:t>한 </a:t>
+            </a:r>
+            <a:r>
+              <a:rPr lang="ko-KR" altLang="en-US" dirty="0" err="1"/>
+              <a:t>장짜리</a:t>
+            </a:r>
+            <a:r>
+              <a:rPr lang="ko-KR" altLang="en-US" dirty="0"/>
+              <a:t> </a:t>
+            </a:r>
+            <a:r>
+              <a:rPr lang="ko-KR" altLang="en-US" dirty="0" err="1"/>
+              <a:t>목업</a:t>
+            </a:r>
+            <a:endParaRPr lang="ko-KR" altLang="en-US" dirty="0"/>
+          </a:p>
+        </p:txBody>
+      </p:sp>
+    </p:spTree>
+    <p:extLst>
+      <p:ext uri="{BB962C8B-B14F-4D97-AF65-F5344CB8AC3E}">
+        <p14:creationId xmlns:p14="http://schemas.microsoft.com/office/powerpoint/2010/main" val="3301039295"/>
+      </p:ext>
+    </p:extLst>
+  </p:cSld>
+  <p:clrMapOvr>
+    <a:masterClrMapping/>
+  </p:clrMapOvr>
+</p:sld>
+</file>
+
+<file path=ppt/slides/slide9.xml><?xml version="1.0" encoding="utf-8"?>
+<p:sld xmlns:a="http://schemas.openxmlformats.org/drawingml/2006/main" xmlns:r="http://schemas.openxmlformats.org/officeDocument/2006/relationships" xmlns:p="http://schemas.openxmlformats.org/presentationml/2006/main">
+  <p:cSld>
+    <p:spTree>
+      <p:nvGrpSpPr>
+        <p:cNvPr id="1" name=""/>
+        <p:cNvGrpSpPr/>
+        <p:nvPr/>
+      </p:nvGrpSpPr>
+      <p:grpSpPr>
+        <a:xfrm>
+          <a:off x="0" y="0"/>
+          <a:ext cx="0" cy="0"/>
+          <a:chOff x="0" y="0"/>
+          <a:chExt cx="0" cy="0"/>
+        </a:xfrm>
+      </p:grpSpPr>
+      <p:sp>
+        <p:nvSpPr>
+          <p:cNvPr id="2" name="TextBox 1">
+            <a:extLst>
+              <a:ext uri="{FF2B5EF4-FFF2-40B4-BE49-F238E27FC236}">
+                <a16:creationId xmlns:a16="http://schemas.microsoft.com/office/drawing/2014/main" id="{E7CE649F-28D8-4F73-9E29-FF35777D063A}"/>
+              </a:ext>
+            </a:extLst>
+          </p:cNvPr>
+          <p:cNvSpPr txBox="1"/>
+          <p:nvPr/>
+        </p:nvSpPr>
+        <p:spPr>
+          <a:xfrm>
+            <a:off x="109267" y="151179"/>
+            <a:ext cx="11973465" cy="6555641"/>
+          </a:xfrm>
+          <a:prstGeom prst="rect">
+            <a:avLst/>
+          </a:prstGeom>
+          <a:noFill/>
+        </p:spPr>
+        <p:txBody>
+          <a:bodyPr wrap="square" rtlCol="0">
+            <a:spAutoFit/>
+          </a:bodyPr>
+          <a:lstStyle/>
+          <a:p>
+            <a:r>
+              <a:rPr lang="en-US" altLang="ko-KR" sz="2000" b="1" dirty="0"/>
+              <a:t>4. </a:t>
+            </a:r>
+            <a:r>
+              <a:rPr lang="ko-KR" altLang="en-US" sz="2000" b="1" dirty="0"/>
+              <a:t>경쟁사 분석</a:t>
+            </a:r>
+            <a:endParaRPr lang="en-US" altLang="ko-KR" sz="2000" b="1" dirty="0"/>
+          </a:p>
+          <a:p>
+            <a:r>
+              <a:rPr lang="ko-KR" altLang="en-US" sz="2000" b="1" dirty="0"/>
+              <a:t>경쟁사 </a:t>
+            </a:r>
+            <a:r>
+              <a:rPr lang="en-US" altLang="ko-KR" sz="2000" b="1" dirty="0"/>
+              <a:t>(</a:t>
+            </a:r>
+            <a:r>
+              <a:rPr lang="ko-KR" altLang="en-US" sz="2000" b="1" dirty="0"/>
+              <a:t>이지판매</a:t>
+            </a:r>
+            <a:r>
+              <a:rPr lang="en-US" altLang="ko-KR" sz="2000" b="1" dirty="0"/>
+              <a:t>)</a:t>
+            </a:r>
+          </a:p>
+          <a:p>
+            <a:pPr marL="342900" indent="-342900">
+              <a:buFont typeface="Arial" panose="020B0604020202020204" pitchFamily="34" charset="0"/>
+              <a:buChar char="•"/>
+            </a:pPr>
+            <a:r>
+              <a:rPr lang="ko-KR" altLang="en-US" sz="2000" dirty="0"/>
+              <a:t>초기 비용 발생으로 소규모</a:t>
+            </a:r>
+            <a:r>
+              <a:rPr lang="en-US" altLang="ko-KR" sz="2000" dirty="0"/>
+              <a:t>/</a:t>
+            </a:r>
+            <a:r>
+              <a:rPr lang="ko-KR" altLang="en-US" sz="2000" dirty="0"/>
+              <a:t>개인 사용자의 접근성 낮음</a:t>
+            </a:r>
+          </a:p>
+          <a:p>
+            <a:pPr marL="342900" indent="-342900">
+              <a:buFont typeface="Arial" panose="020B0604020202020204" pitchFamily="34" charset="0"/>
+              <a:buChar char="•"/>
+            </a:pPr>
+            <a:r>
+              <a:rPr lang="en-US" altLang="ko-KR" sz="2000" dirty="0"/>
+              <a:t>(</a:t>
+            </a:r>
+            <a:r>
+              <a:rPr lang="ko-KR" altLang="en-US" sz="2000" dirty="0"/>
+              <a:t>월 </a:t>
+            </a:r>
+            <a:r>
+              <a:rPr lang="en-US" altLang="ko-KR" sz="2000" dirty="0"/>
+              <a:t>44,000/ </a:t>
+            </a:r>
+            <a:r>
+              <a:rPr lang="ko-KR" altLang="en-US" sz="2000" dirty="0"/>
+              <a:t>혹은 최초 </a:t>
+            </a:r>
+            <a:r>
+              <a:rPr lang="en-US" altLang="ko-KR" sz="2000" dirty="0"/>
+              <a:t>275,000~ </a:t>
+            </a:r>
+            <a:r>
+              <a:rPr lang="ko-KR" altLang="en-US" sz="2000" dirty="0"/>
+              <a:t>비용 지불 필요</a:t>
+            </a:r>
+            <a:r>
+              <a:rPr lang="en-US" altLang="ko-KR" sz="2000" dirty="0"/>
+              <a:t>)</a:t>
+            </a:r>
+          </a:p>
+          <a:p>
+            <a:pPr marL="342900" indent="-342900">
+              <a:buFont typeface="Arial" panose="020B0604020202020204" pitchFamily="34" charset="0"/>
+              <a:buChar char="•"/>
+            </a:pPr>
+            <a:r>
+              <a:rPr lang="ko-KR" altLang="en-US" sz="2000" dirty="0"/>
+              <a:t>어플리케이션 형태로 제공하지 않음</a:t>
+            </a:r>
+          </a:p>
+          <a:p>
+            <a:pPr marL="342900" indent="-342900">
+              <a:buFont typeface="Arial" panose="020B0604020202020204" pitchFamily="34" charset="0"/>
+              <a:buChar char="•"/>
+            </a:pPr>
+            <a:r>
+              <a:rPr lang="ko-KR" altLang="en-US" sz="2000" dirty="0"/>
+              <a:t>바코드 스캐너 등 필요</a:t>
+            </a:r>
+          </a:p>
+          <a:p>
+            <a:pPr marL="342900" indent="-342900">
+              <a:buFont typeface="Arial" panose="020B0604020202020204" pitchFamily="34" charset="0"/>
+              <a:buChar char="•"/>
+            </a:pPr>
+            <a:r>
+              <a:rPr lang="ko-KR" altLang="en-US" sz="2000" dirty="0"/>
+              <a:t>사용성 복잡</a:t>
+            </a:r>
+          </a:p>
+          <a:p>
+            <a:endParaRPr lang="ko-KR" altLang="en-US" sz="2000" dirty="0"/>
+          </a:p>
+          <a:p>
+            <a:r>
+              <a:rPr lang="ko-KR" altLang="en-US" sz="2000" b="1" dirty="0"/>
+              <a:t>경쟁사 </a:t>
+            </a:r>
+            <a:r>
+              <a:rPr lang="en-US" altLang="ko-KR" sz="2000" b="1" dirty="0"/>
+              <a:t>(</a:t>
+            </a:r>
+            <a:r>
+              <a:rPr lang="ko-KR" altLang="en-US" sz="2000" b="1" dirty="0" err="1"/>
+              <a:t>박스히어로</a:t>
+            </a:r>
+            <a:r>
+              <a:rPr lang="en-US" altLang="ko-KR" sz="2000" b="1" dirty="0"/>
+              <a:t>)</a:t>
+            </a:r>
+          </a:p>
+          <a:p>
+            <a:pPr marL="342900" indent="-342900">
+              <a:buFont typeface="Arial" panose="020B0604020202020204" pitchFamily="34" charset="0"/>
+              <a:buChar char="•"/>
+            </a:pPr>
+            <a:r>
+              <a:rPr lang="en-US" altLang="ko-KR" sz="2000" dirty="0"/>
+              <a:t>(</a:t>
+            </a:r>
+            <a:r>
+              <a:rPr lang="ko-KR" altLang="en-US" sz="2000" dirty="0"/>
+              <a:t>얘네</a:t>
+            </a:r>
+            <a:r>
+              <a:rPr lang="en-US" altLang="ko-KR" sz="2000" dirty="0"/>
+              <a:t>) </a:t>
+            </a:r>
+            <a:r>
+              <a:rPr lang="ko-KR" altLang="en-US" sz="2000" dirty="0"/>
+              <a:t>외부 사업자 간의 거래 </a:t>
+            </a:r>
+            <a:r>
+              <a:rPr lang="en-US" altLang="ko-KR" sz="2000" dirty="0">
+                <a:sym typeface="Wingdings" panose="05000000000000000000" pitchFamily="2" charset="2"/>
+              </a:rPr>
+              <a:t></a:t>
+            </a:r>
+            <a:r>
+              <a:rPr lang="en-US" altLang="ko-KR" sz="2000" dirty="0"/>
+              <a:t> (</a:t>
+            </a:r>
+            <a:r>
+              <a:rPr lang="ko-KR" altLang="en-US" sz="2000" dirty="0"/>
+              <a:t>우리</a:t>
+            </a:r>
+            <a:r>
+              <a:rPr lang="en-US" altLang="ko-KR" sz="2000" dirty="0"/>
+              <a:t>)</a:t>
+            </a:r>
+            <a:r>
+              <a:rPr lang="ko-KR" altLang="en-US" sz="2000" dirty="0"/>
+              <a:t>내부자 간의 대여</a:t>
+            </a:r>
+            <a:endParaRPr lang="en-US" altLang="ko-KR" sz="2000" dirty="0"/>
+          </a:p>
+          <a:p>
+            <a:pPr marL="342900" indent="-342900">
+              <a:buFont typeface="Arial" panose="020B0604020202020204" pitchFamily="34" charset="0"/>
+              <a:buChar char="•"/>
+            </a:pPr>
+            <a:r>
+              <a:rPr lang="en-US" altLang="ko-KR" sz="2000" dirty="0"/>
+              <a:t>(</a:t>
+            </a:r>
+            <a:r>
+              <a:rPr lang="ko-KR" altLang="en-US" sz="2000" dirty="0"/>
+              <a:t>얘네</a:t>
+            </a:r>
+            <a:r>
+              <a:rPr lang="en-US" altLang="ko-KR" sz="2000" dirty="0"/>
+              <a:t>) </a:t>
+            </a:r>
+            <a:r>
+              <a:rPr lang="ko-KR" altLang="en-US" sz="2000" dirty="0"/>
+              <a:t>입고</a:t>
+            </a:r>
+            <a:r>
+              <a:rPr lang="en-US" altLang="ko-KR" sz="2000" dirty="0"/>
+              <a:t>/</a:t>
+            </a:r>
+            <a:r>
+              <a:rPr lang="ko-KR" altLang="en-US" sz="2000" dirty="0"/>
+              <a:t>출고 형태 </a:t>
+            </a:r>
+            <a:r>
+              <a:rPr lang="en-US" altLang="ko-KR" sz="2000" dirty="0">
+                <a:sym typeface="Wingdings" panose="05000000000000000000" pitchFamily="2" charset="2"/>
+              </a:rPr>
+              <a:t></a:t>
+            </a:r>
+            <a:r>
+              <a:rPr lang="en-US" altLang="ko-KR" sz="2000" dirty="0"/>
+              <a:t> (</a:t>
+            </a:r>
+            <a:r>
+              <a:rPr lang="ko-KR" altLang="en-US" sz="2000" dirty="0"/>
+              <a:t>우리</a:t>
+            </a:r>
+            <a:r>
+              <a:rPr lang="en-US" altLang="ko-KR" sz="2000" dirty="0"/>
+              <a:t>) </a:t>
+            </a:r>
+            <a:r>
+              <a:rPr lang="ko-KR" altLang="en-US" sz="2000" dirty="0"/>
+              <a:t>대여</a:t>
+            </a:r>
+            <a:r>
+              <a:rPr lang="en-US" altLang="ko-KR" sz="2000" dirty="0"/>
+              <a:t>/</a:t>
+            </a:r>
+            <a:r>
+              <a:rPr lang="ko-KR" altLang="en-US" sz="2000" dirty="0"/>
+              <a:t>반납 형태</a:t>
+            </a:r>
+            <a:endParaRPr lang="en-US" altLang="ko-KR" sz="2000" dirty="0"/>
+          </a:p>
+          <a:p>
+            <a:pPr marL="342900" indent="-342900">
+              <a:buFont typeface="Arial" panose="020B0604020202020204" pitchFamily="34" charset="0"/>
+              <a:buChar char="•"/>
+            </a:pPr>
+            <a:r>
+              <a:rPr lang="ko-KR" altLang="en-US" sz="2000" dirty="0"/>
+              <a:t>결론적 차이점</a:t>
+            </a:r>
+            <a:r>
+              <a:rPr lang="en-US" altLang="ko-KR" sz="2000" dirty="0"/>
+              <a:t>=&gt; </a:t>
+            </a:r>
+            <a:r>
+              <a:rPr lang="ko-KR" altLang="en-US" sz="2000" dirty="0"/>
+              <a:t>사용 목적의 대상자의 차이</a:t>
+            </a:r>
+            <a:endParaRPr lang="en-US" altLang="ko-KR" sz="2000" dirty="0"/>
+          </a:p>
+          <a:p>
+            <a:endParaRPr lang="en-US" altLang="ko-KR" sz="2000" dirty="0"/>
+          </a:p>
+          <a:p>
+            <a:endParaRPr lang="en-US" altLang="ko-KR" sz="2000" dirty="0"/>
+          </a:p>
+          <a:p>
+            <a:r>
+              <a:rPr lang="ko-KR" altLang="en-US" sz="2000" b="1" dirty="0"/>
+              <a:t>우리</a:t>
+            </a:r>
+          </a:p>
+          <a:p>
+            <a:pPr marL="342900" indent="-342900">
+              <a:buFont typeface="Arial" panose="020B0604020202020204" pitchFamily="34" charset="0"/>
+              <a:buChar char="•"/>
+            </a:pPr>
+            <a:r>
+              <a:rPr lang="ko-KR" altLang="en-US" sz="2000" dirty="0"/>
+              <a:t>비용 최소화 목표</a:t>
+            </a:r>
+          </a:p>
+          <a:p>
+            <a:pPr marL="342900" indent="-342900">
+              <a:buFont typeface="Arial" panose="020B0604020202020204" pitchFamily="34" charset="0"/>
+              <a:buChar char="•"/>
+            </a:pPr>
+            <a:r>
+              <a:rPr lang="ko-KR" altLang="en-US" sz="2000" dirty="0"/>
+              <a:t>개인</a:t>
+            </a:r>
+            <a:r>
+              <a:rPr lang="en-US" altLang="ko-KR" sz="2000" dirty="0"/>
+              <a:t>/</a:t>
+            </a:r>
+            <a:r>
+              <a:rPr lang="ko-KR" altLang="en-US" sz="2000" dirty="0"/>
+              <a:t>소규모 단체의 전용 물품 관리 편의에 초점 </a:t>
+            </a:r>
+            <a:r>
+              <a:rPr lang="en-US" altLang="ko-KR" sz="2000" dirty="0"/>
+              <a:t>(</a:t>
+            </a:r>
+            <a:r>
+              <a:rPr lang="ko-KR" altLang="en-US" sz="2000" dirty="0"/>
+              <a:t>접근 편의성 강조</a:t>
+            </a:r>
+            <a:r>
+              <a:rPr lang="en-US" altLang="ko-KR" sz="2000" dirty="0"/>
+              <a:t>)</a:t>
+            </a:r>
+          </a:p>
+          <a:p>
+            <a:pPr marL="342900" indent="-342900">
+              <a:buFont typeface="Arial" panose="020B0604020202020204" pitchFamily="34" charset="0"/>
+              <a:buChar char="•"/>
+            </a:pPr>
+            <a:endParaRPr lang="en-US" altLang="ko-KR" sz="2000" dirty="0"/>
+          </a:p>
+          <a:p>
+            <a:pPr marL="342900" indent="-342900">
+              <a:buFont typeface="Arial" panose="020B0604020202020204" pitchFamily="34" charset="0"/>
+              <a:buChar char="•"/>
+            </a:pPr>
+            <a:r>
+              <a:rPr lang="ko-KR" altLang="en-US" sz="2000" dirty="0"/>
+              <a:t>어플리케이션 형태로 제공</a:t>
+            </a:r>
+            <a:r>
+              <a:rPr lang="en-US" altLang="ko-KR" sz="2000" dirty="0"/>
+              <a:t>, </a:t>
+            </a:r>
+            <a:r>
+              <a:rPr lang="ko-KR" altLang="en-US" sz="2000" dirty="0"/>
+              <a:t>대여</a:t>
+            </a:r>
+            <a:r>
+              <a:rPr lang="en-US" altLang="ko-KR" sz="2000" dirty="0"/>
+              <a:t>/</a:t>
+            </a:r>
+            <a:r>
+              <a:rPr lang="ko-KR" altLang="en-US" sz="2000" dirty="0"/>
+              <a:t>반납에 초점</a:t>
+            </a:r>
+          </a:p>
+          <a:p>
+            <a:pPr marL="342900" indent="-342900">
+              <a:buFont typeface="Arial" panose="020B0604020202020204" pitchFamily="34" charset="0"/>
+              <a:buChar char="•"/>
+            </a:pPr>
+            <a:r>
+              <a:rPr lang="ko-KR" altLang="en-US" sz="2000" dirty="0"/>
+              <a:t>스마트폰 카메라 활용</a:t>
+            </a:r>
+          </a:p>
+          <a:p>
+            <a:pPr marL="342900" indent="-342900">
+              <a:buFont typeface="Arial" panose="020B0604020202020204" pitchFamily="34" charset="0"/>
+              <a:buChar char="•"/>
+            </a:pPr>
+            <a:r>
+              <a:rPr lang="ko-KR" altLang="en-US" sz="2000" dirty="0"/>
+              <a:t>사용성 간편</a:t>
+            </a:r>
+          </a:p>
+        </p:txBody>
+      </p:sp>
+      <p:pic>
+        <p:nvPicPr>
+          <p:cNvPr id="4" name="그림 3">
+            <a:extLst>
+              <a:ext uri="{FF2B5EF4-FFF2-40B4-BE49-F238E27FC236}">
+                <a16:creationId xmlns:a16="http://schemas.microsoft.com/office/drawing/2014/main" id="{D07B0081-A2BF-42CC-9F8F-2575FEB20898}"/>
+              </a:ext>
+            </a:extLst>
+          </p:cNvPr>
+          <p:cNvPicPr>
+            <a:picLocks noChangeAspect="1"/>
+          </p:cNvPicPr>
+          <p:nvPr/>
+        </p:nvPicPr>
+        <p:blipFill>
+          <a:blip r:embed="rId2"/>
+          <a:stretch>
+            <a:fillRect/>
+          </a:stretch>
+        </p:blipFill>
+        <p:spPr>
+          <a:xfrm>
+            <a:off x="8339493" y="305005"/>
+            <a:ext cx="3611159" cy="3261360"/>
           </a:xfrm>
           <a:prstGeom prst="rect">
             <a:avLst/>
@@ -4666,7 +7262,7 @@
     </p:spTree>
     <p:extLst>
       <p:ext uri="{BB962C8B-B14F-4D97-AF65-F5344CB8AC3E}">
-        <p14:creationId xmlns:p14="http://schemas.microsoft.com/office/powerpoint/2010/main" val="2141911129"/>
+        <p14:creationId xmlns:p14="http://schemas.microsoft.com/office/powerpoint/2010/main" val="1086676814"/>
       </p:ext>
     </p:extLst>
   </p:cSld>
@@ -4969,4 +7565,299 @@
     </a:ext>
   </a:extLst>
 </a:theme>
+</file>
+
+<file path=ppt/theme/theme2.xml><?xml version="1.0" encoding="utf-8"?>
+<a:theme xmlns:a="http://schemas.openxmlformats.org/drawingml/2006/main" name="Office 테마">
+  <a:themeElements>
+    <a:clrScheme name="Office">
+      <a:dk1>
+        <a:sysClr val="windowText" lastClr="000000"/>
+      </a:dk1>
+      <a:lt1>
+        <a:sysClr val="window" lastClr="FFFFFF"/>
+      </a:lt1>
+      <a:dk2>
+        <a:srgbClr val="44546A"/>
+      </a:dk2>
+      <a:lt2>
+        <a:srgbClr val="E7E6E6"/>
+      </a:lt2>
+      <a:accent1>
+        <a:srgbClr val="4472C4"/>
+      </a:accent1>
+      <a:accent2>
+        <a:srgbClr val="ED7D31"/>
+      </a:accent2>
+      <a:accent3>
+        <a:srgbClr val="A5A5A5"/>
+      </a:accent3>
+      <a:accent4>
+        <a:srgbClr val="FFC000"/>
+      </a:accent4>
+      <a:accent5>
+        <a:srgbClr val="5B9BD5"/>
+      </a:accent5>
+      <a:accent6>
+        <a:srgbClr val="70AD47"/>
+      </a:accent6>
+      <a:hlink>
+        <a:srgbClr val="0563C1"/>
+      </a:hlink>
+      <a:folHlink>
+        <a:srgbClr val="954F72"/>
+      </a:folHlink>
+    </a:clrScheme>
+    <a:fontScheme name="Office">
+      <a:majorFont>
+        <a:latin typeface="맑은 고딕" panose="020F0302020204030204"/>
+        <a:ea typeface=""/>
+        <a:cs typeface=""/>
+        <a:font script="Jpan" typeface="游ゴシック Light"/>
+        <a:font script="Hang" typeface="맑은 고딕"/>
+        <a:font script="Hans" typeface="等线 Light"/>
+        <a:font script="Hant" typeface="新細明體"/>
+        <a:font script="Arab" typeface="Times New Roman"/>
+        <a:font script="Hebr" typeface="Times New Roman"/>
+        <a:font script="Thai" typeface="Angsana New"/>
+        <a:font script="Ethi" typeface="Nyala"/>
+        <a:font script="Beng" typeface="Vrinda"/>
+        <a:font script="Gujr" typeface="Shruti"/>
+        <a:font script="Khmr" typeface="MoolBoran"/>
+        <a:font script="Knda" typeface="Tunga"/>
+        <a:font script="Guru" typeface="Raavi"/>
+        <a:font script="Cans" typeface="Euphemia"/>
+        <a:font script="Cher" typeface="Plantagenet Cherokee"/>
+        <a:font script="Yiii" typeface="Microsoft Yi Baiti"/>
+        <a:font script="Tibt" typeface="Microsoft Himalaya"/>
+        <a:font script="Thaa" typeface="MV Boli"/>
+        <a:font script="Deva" typeface="Mangal"/>
+        <a:font script="Telu" typeface="Gautami"/>
+        <a:font script="Taml" typeface="Latha"/>
+        <a:font script="Syrc" typeface="Estrangelo Edessa"/>
+        <a:font script="Orya" typeface="Kalinga"/>
+        <a:font script="Mlym" typeface="Kartika"/>
+        <a:font script="Laoo" typeface="DokChampa"/>
+        <a:font script="Sinh" typeface="Iskoola Pota"/>
+        <a:font script="Mong" typeface="Mongolian Baiti"/>
+        <a:font script="Viet" typeface="Times New Roman"/>
+        <a:font script="Uigh" typeface="Microsoft Uighur"/>
+        <a:font script="Geor" typeface="Sylfaen"/>
+        <a:font script="Armn" typeface="Arial"/>
+        <a:font script="Bugi" typeface="Leelawadee UI"/>
+        <a:font script="Bopo" typeface="Microsoft JhengHei"/>
+        <a:font script="Java" typeface="Javanese Text"/>
+        <a:font script="Lisu" typeface="Segoe UI"/>
+        <a:font script="Mymr" typeface="Myanmar Text"/>
+        <a:font script="Nkoo" typeface="Ebrima"/>
+        <a:font script="Olck" typeface="Nirmala UI"/>
+        <a:font script="Osma" typeface="Ebrima"/>
+        <a:font script="Phag" typeface="Phagspa"/>
+        <a:font script="Syrn" typeface="Estrangelo Edessa"/>
+        <a:font script="Syrj" typeface="Estrangelo Edessa"/>
+        <a:font script="Syre" typeface="Estrangelo Edessa"/>
+        <a:font script="Sora" typeface="Nirmala UI"/>
+        <a:font script="Tale" typeface="Microsoft Tai Le"/>
+        <a:font script="Talu" typeface="Microsoft New Tai Lue"/>
+        <a:font script="Tfng" typeface="Ebrima"/>
+      </a:majorFont>
+      <a:minorFont>
+        <a:latin typeface="맑은 고딕" panose="020F0502020204030204"/>
+        <a:ea typeface=""/>
+        <a:cs typeface=""/>
+        <a:font script="Jpan" typeface="游ゴシック"/>
+        <a:font script="Hang" typeface="맑은 고딕"/>
+        <a:font script="Hans" typeface="等线"/>
+        <a:font script="Hant" typeface="新細明體"/>
+        <a:font script="Arab" typeface="Arial"/>
+        <a:font script="Hebr" typeface="Arial"/>
+        <a:font script="Thai" typeface="Cordia New"/>
+        <a:font script="Ethi" typeface="Nyala"/>
+        <a:font script="Beng" typeface="Vrinda"/>
+        <a:font script="Gujr" typeface="Shruti"/>
+        <a:font script="Khmr" typeface="DaunPenh"/>
+        <a:font script="Knda" typeface="Tunga"/>
+        <a:font script="Guru" typeface="Raavi"/>
+        <a:font script="Cans" typeface="Euphemia"/>
+        <a:font script="Cher" typeface="Plantagenet Cherokee"/>
+        <a:font script="Yiii" typeface="Microsoft Yi Baiti"/>
+        <a:font script="Tibt" typeface="Microsoft Himalaya"/>
+        <a:font script="Thaa" typeface="MV Boli"/>
+        <a:font script="Deva" typeface="Mangal"/>
+        <a:font script="Telu" typeface="Gautami"/>
+        <a:font script="Taml" typeface="Latha"/>
+        <a:font script="Syrc" typeface="Estrangelo Edessa"/>
+        <a:font script="Orya" typeface="Kalinga"/>
+        <a:font script="Mlym" typeface="Kartika"/>
+        <a:font script="Laoo" typeface="DokChampa"/>
+        <a:font script="Sinh" typeface="Iskoola Pota"/>
+        <a:font script="Mong" typeface="Mongolian Baiti"/>
+        <a:font script="Viet" typeface="Arial"/>
+        <a:font script="Uigh" typeface="Microsoft Uighur"/>
+        <a:font script="Geor" typeface="Sylfaen"/>
+        <a:font script="Armn" typeface="Arial"/>
+        <a:font script="Bugi" typeface="Leelawadee UI"/>
+        <a:font script="Bopo" typeface="Microsoft JhengHei"/>
+        <a:font script="Java" typeface="Javanese Text"/>
+        <a:font script="Lisu" typeface="Segoe UI"/>
+        <a:font script="Mymr" typeface="Myanmar Text"/>
+        <a:font script="Nkoo" typeface="Ebrima"/>
+        <a:font script="Olck" typeface="Nirmala UI"/>
+        <a:font script="Osma" typeface="Ebrima"/>
+        <a:font script="Phag" typeface="Phagspa"/>
+        <a:font script="Syrn" typeface="Estrangelo Edessa"/>
+        <a:font script="Syrj" typeface="Estrangelo Edessa"/>
+        <a:font script="Syre" typeface="Estrangelo Edessa"/>
+        <a:font script="Sora" typeface="Nirmala UI"/>
+        <a:font script="Tale" typeface="Microsoft Tai Le"/>
+        <a:font script="Talu" typeface="Microsoft New Tai Lue"/>
+        <a:font script="Tfng" typeface="Ebrima"/>
+      </a:minorFont>
+    </a:fontScheme>
+    <a:fmtScheme name="Office">
+      <a:fillStyleLst>
+        <a:solidFill>
+          <a:schemeClr val="phClr"/>
+        </a:solidFill>
+        <a:gradFill rotWithShape="1">
+          <a:gsLst>
+            <a:gs pos="0">
+              <a:schemeClr val="phClr">
+                <a:lumMod val="110000"/>
+                <a:satMod val="105000"/>
+                <a:tint val="67000"/>
+              </a:schemeClr>
+            </a:gs>
+            <a:gs pos="50000">
+              <a:schemeClr val="phClr">
+                <a:lumMod val="105000"/>
+                <a:satMod val="103000"/>
+                <a:tint val="73000"/>
+              </a:schemeClr>
+            </a:gs>
+            <a:gs pos="100000">
+              <a:schemeClr val="phClr">
+                <a:lumMod val="105000"/>
+                <a:satMod val="109000"/>
+                <a:tint val="81000"/>
+              </a:schemeClr>
+            </a:gs>
+          </a:gsLst>
+          <a:lin ang="5400000" scaled="0"/>
+        </a:gradFill>
+        <a:gradFill rotWithShape="1">
+          <a:gsLst>
+            <a:gs pos="0">
+              <a:schemeClr val="phClr">
+                <a:satMod val="103000"/>
+                <a:lumMod val="102000"/>
+                <a:tint val="94000"/>
+              </a:schemeClr>
+            </a:gs>
+            <a:gs pos="50000">
+              <a:schemeClr val="phClr">
+                <a:satMod val="110000"/>
+                <a:lumMod val="100000"/>
+                <a:shade val="100000"/>
+              </a:schemeClr>
+            </a:gs>
+            <a:gs pos="100000">
+              <a:schemeClr val="phClr">
+                <a:lumMod val="99000"/>
+                <a:satMod val="120000"/>
+                <a:shade val="78000"/>
+              </a:schemeClr>
+            </a:gs>
+          </a:gsLst>
+          <a:lin ang="5400000" scaled="0"/>
+        </a:gradFill>
+      </a:fillStyleLst>
+      <a:lnStyleLst>
+        <a:ln w="6350" cap="flat" cmpd="sng" algn="ctr">
+          <a:solidFill>
+            <a:schemeClr val="phClr"/>
+          </a:solidFill>
+          <a:prstDash val="solid"/>
+          <a:miter lim="800000"/>
+        </a:ln>
+        <a:ln w="12700" cap="flat" cmpd="sng" algn="ctr">
+          <a:solidFill>
+            <a:schemeClr val="phClr"/>
+          </a:solidFill>
+          <a:prstDash val="solid"/>
+          <a:miter lim="800000"/>
+        </a:ln>
+        <a:ln w="19050" cap="flat" cmpd="sng" algn="ctr">
+          <a:solidFill>
+            <a:schemeClr val="phClr"/>
+          </a:solidFill>
+          <a:prstDash val="solid"/>
+          <a:miter lim="800000"/>
+        </a:ln>
+      </a:lnStyleLst>
+      <a:effectStyleLst>
+        <a:effectStyle>
+          <a:effectLst/>
+        </a:effectStyle>
+        <a:effectStyle>
+          <a:effectLst/>
+        </a:effectStyle>
+        <a:effectStyle>
+          <a:effectLst>
+            <a:outerShdw blurRad="57150" dist="19050" dir="5400000" algn="ctr" rotWithShape="0">
+              <a:srgbClr val="000000">
+                <a:alpha val="63000"/>
+              </a:srgbClr>
+            </a:outerShdw>
+          </a:effectLst>
+        </a:effectStyle>
+      </a:effectStyleLst>
+      <a:bgFillStyleLst>
+        <a:solidFill>
+          <a:schemeClr val="phClr"/>
+        </a:solidFill>
+        <a:solidFill>
+          <a:schemeClr val="phClr">
+            <a:tint val="95000"/>
+            <a:satMod val="170000"/>
+          </a:schemeClr>
+        </a:solidFill>
+        <a:gradFill rotWithShape="1">
+          <a:gsLst>
+            <a:gs pos="0">
+              <a:schemeClr val="phClr">
+                <a:tint val="93000"/>
+                <a:satMod val="150000"/>
+                <a:shade val="98000"/>
+                <a:lumMod val="102000"/>
+              </a:schemeClr>
+            </a:gs>
+            <a:gs pos="50000">
+              <a:schemeClr val="phClr">
+                <a:tint val="98000"/>
+                <a:satMod val="130000"/>
+                <a:shade val="90000"/>
+                <a:lumMod val="103000"/>
+              </a:schemeClr>
+            </a:gs>
+            <a:gs pos="100000">
+              <a:schemeClr val="phClr">
+                <a:shade val="63000"/>
+                <a:satMod val="120000"/>
+              </a:schemeClr>
+            </a:gs>
+          </a:gsLst>
+          <a:lin ang="5400000" scaled="0"/>
+        </a:gradFill>
+      </a:bgFillStyleLst>
+    </a:fmtScheme>
+  </a:themeElements>
+  <a:objectDefaults/>
+  <a:extraClrSchemeLst/>
+  <a:extLst>
+    <a:ext uri="{05A4C25C-085E-4340-85A3-A5531E510DB2}">
+      <thm15:themeFamily xmlns:thm15="http://schemas.microsoft.com/office/thememl/2012/main" name="Office Theme" id="{62F939B6-93AF-4DB8-9C6B-D6C7DFDC589F}" vid="{4A3C46E8-61CC-4603-A589-7422A47A8E4A}"/>
+    </a:ext>
+  </a:extLst>
+</a:theme>
 </file>